--- a/Aoibhe_Turner_Heaney_Algorithm_Challenge_Presentation.pptx
+++ b/Aoibhe_Turner_Heaney_Algorithm_Challenge_Presentation.pptx
@@ -4305,31 +4305,6 @@
           </a:p>
         </p:txBody>
       </p:sp>
-      <p:sp>
-        <p:nvSpPr>
-          <p:cNvPr id="3" name="Content Placeholder 2">
-            <a:extLst>
-              <a:ext uri="{FF2B5EF4-FFF2-40B4-BE49-F238E27FC236}">
-                <a16:creationId xmlns:a16="http://schemas.microsoft.com/office/drawing/2014/main" id="{669D693D-261B-288B-48F9-F9E04708A11E}"/>
-              </a:ext>
-            </a:extLst>
-          </p:cNvPr>
-          <p:cNvSpPr>
-            <a:spLocks noGrp="1"/>
-          </p:cNvSpPr>
-          <p:nvPr>
-            <p:ph idx="1"/>
-          </p:nvPr>
-        </p:nvSpPr>
-        <p:spPr/>
-        <p:txBody>
-          <a:bodyPr/>
-          <a:lstStyle/>
-          <a:p>
-            <a:endParaRPr lang="en-GB" dirty="0"/>
-          </a:p>
-        </p:txBody>
-      </p:sp>
     </p:spTree>
     <p:extLst>
       <p:ext uri="{BB962C8B-B14F-4D97-AF65-F5344CB8AC3E}">

--- a/Aoibhe_Turner_Heaney_Algorithm_Challenge_Presentation.pptx
+++ b/Aoibhe_Turner_Heaney_Algorithm_Challenge_Presentation.pptx
@@ -4,6 +4,9 @@
   <p:sldMasterIdLst>
     <p:sldMasterId id="2147483648" r:id="rId1"/>
   </p:sldMasterIdLst>
+  <p:notesMasterIdLst>
+    <p:notesMasterId r:id="rId7"/>
+  </p:notesMasterIdLst>
   <p:sldIdLst>
     <p:sldId id="256" r:id="rId2"/>
     <p:sldId id="257" r:id="rId3"/>
@@ -108,7 +111,646 @@
       </a:defRPr>
     </a:lvl9pPr>
   </p:defaultTextStyle>
+  <p:extLst>
+    <p:ext uri="{EFAFB233-063F-42B5-8137-9DF3F51BA10A}">
+      <p15:sldGuideLst xmlns:p15="http://schemas.microsoft.com/office/powerpoint/2012/main"/>
+    </p:ext>
+  </p:extLst>
 </p:presentation>
+</file>
+
+<file path=ppt/notesMasters/notesMaster1.xml><?xml version="1.0" encoding="utf-8"?>
+<p:notesMaster xmlns:a="http://schemas.openxmlformats.org/drawingml/2006/main" xmlns:r="http://schemas.openxmlformats.org/officeDocument/2006/relationships" xmlns:p="http://schemas.openxmlformats.org/presentationml/2006/main">
+  <p:cSld>
+    <p:bg>
+      <p:bgRef idx="1001">
+        <a:schemeClr val="bg1"/>
+      </p:bgRef>
+    </p:bg>
+    <p:spTree>
+      <p:nvGrpSpPr>
+        <p:cNvPr id="1" name=""/>
+        <p:cNvGrpSpPr/>
+        <p:nvPr/>
+      </p:nvGrpSpPr>
+      <p:grpSpPr>
+        <a:xfrm>
+          <a:off x="0" y="0"/>
+          <a:ext cx="0" cy="0"/>
+          <a:chOff x="0" y="0"/>
+          <a:chExt cx="0" cy="0"/>
+        </a:xfrm>
+      </p:grpSpPr>
+      <p:sp>
+        <p:nvSpPr>
+          <p:cNvPr id="2" name="Header Placeholder 1"/>
+          <p:cNvSpPr>
+            <a:spLocks noGrp="1"/>
+          </p:cNvSpPr>
+          <p:nvPr>
+            <p:ph type="hdr" sz="quarter"/>
+          </p:nvPr>
+        </p:nvSpPr>
+        <p:spPr>
+          <a:xfrm>
+            <a:off x="0" y="0"/>
+            <a:ext cx="2971800" cy="458788"/>
+          </a:xfrm>
+          <a:prstGeom prst="rect">
+            <a:avLst/>
+          </a:prstGeom>
+        </p:spPr>
+        <p:txBody>
+          <a:bodyPr vert="horz" lIns="91440" tIns="45720" rIns="91440" bIns="45720" rtlCol="0"/>
+          <a:lstStyle>
+            <a:lvl1pPr algn="l">
+              <a:defRPr sz="1200"/>
+            </a:lvl1pPr>
+          </a:lstStyle>
+          <a:p>
+            <a:endParaRPr lang="en-GB"/>
+          </a:p>
+        </p:txBody>
+      </p:sp>
+      <p:sp>
+        <p:nvSpPr>
+          <p:cNvPr id="3" name="Date Placeholder 2"/>
+          <p:cNvSpPr>
+            <a:spLocks noGrp="1"/>
+          </p:cNvSpPr>
+          <p:nvPr>
+            <p:ph type="dt" idx="1"/>
+          </p:nvPr>
+        </p:nvSpPr>
+        <p:spPr>
+          <a:xfrm>
+            <a:off x="3884613" y="0"/>
+            <a:ext cx="2971800" cy="458788"/>
+          </a:xfrm>
+          <a:prstGeom prst="rect">
+            <a:avLst/>
+          </a:prstGeom>
+        </p:spPr>
+        <p:txBody>
+          <a:bodyPr vert="horz" lIns="91440" tIns="45720" rIns="91440" bIns="45720" rtlCol="0"/>
+          <a:lstStyle>
+            <a:lvl1pPr algn="r">
+              <a:defRPr sz="1200"/>
+            </a:lvl1pPr>
+          </a:lstStyle>
+          <a:p>
+            <a:fld id="{B251274C-9E05-463D-A6D2-5191F17F7D06}" type="datetimeFigureOut">
+              <a:rPr lang="en-GB" smtClean="0"/>
+              <a:t>22/02/2023</a:t>
+            </a:fld>
+            <a:endParaRPr lang="en-GB"/>
+          </a:p>
+        </p:txBody>
+      </p:sp>
+      <p:sp>
+        <p:nvSpPr>
+          <p:cNvPr id="4" name="Slide Image Placeholder 3"/>
+          <p:cNvSpPr>
+            <a:spLocks noGrp="1" noRot="1" noChangeAspect="1"/>
+          </p:cNvSpPr>
+          <p:nvPr>
+            <p:ph type="sldImg" idx="2"/>
+          </p:nvPr>
+        </p:nvSpPr>
+        <p:spPr>
+          <a:xfrm>
+            <a:off x="685800" y="1143000"/>
+            <a:ext cx="5486400" cy="3086100"/>
+          </a:xfrm>
+          <a:prstGeom prst="rect">
+            <a:avLst/>
+          </a:prstGeom>
+          <a:noFill/>
+          <a:ln w="12700">
+            <a:solidFill>
+              <a:prstClr val="black"/>
+            </a:solidFill>
+          </a:ln>
+        </p:spPr>
+        <p:txBody>
+          <a:bodyPr vert="horz" lIns="91440" tIns="45720" rIns="91440" bIns="45720" rtlCol="0" anchor="ctr"/>
+          <a:lstStyle/>
+          <a:p>
+            <a:endParaRPr lang="en-GB"/>
+          </a:p>
+        </p:txBody>
+      </p:sp>
+      <p:sp>
+        <p:nvSpPr>
+          <p:cNvPr id="5" name="Notes Placeholder 4"/>
+          <p:cNvSpPr>
+            <a:spLocks noGrp="1"/>
+          </p:cNvSpPr>
+          <p:nvPr>
+            <p:ph type="body" sz="quarter" idx="3"/>
+          </p:nvPr>
+        </p:nvSpPr>
+        <p:spPr>
+          <a:xfrm>
+            <a:off x="685800" y="4400550"/>
+            <a:ext cx="5486400" cy="3600450"/>
+          </a:xfrm>
+          <a:prstGeom prst="rect">
+            <a:avLst/>
+          </a:prstGeom>
+        </p:spPr>
+        <p:txBody>
+          <a:bodyPr vert="horz" lIns="91440" tIns="45720" rIns="91440" bIns="45720" rtlCol="0"/>
+          <a:lstStyle/>
+          <a:p>
+            <a:pPr lvl="0"/>
+            <a:r>
+              <a:rPr lang="en-US"/>
+              <a:t>Click to edit Master text styles</a:t>
+            </a:r>
+          </a:p>
+          <a:p>
+            <a:pPr lvl="1"/>
+            <a:r>
+              <a:rPr lang="en-US"/>
+              <a:t>Second level</a:t>
+            </a:r>
+          </a:p>
+          <a:p>
+            <a:pPr lvl="2"/>
+            <a:r>
+              <a:rPr lang="en-US"/>
+              <a:t>Third level</a:t>
+            </a:r>
+          </a:p>
+          <a:p>
+            <a:pPr lvl="3"/>
+            <a:r>
+              <a:rPr lang="en-US"/>
+              <a:t>Fourth level</a:t>
+            </a:r>
+          </a:p>
+          <a:p>
+            <a:pPr lvl="4"/>
+            <a:r>
+              <a:rPr lang="en-US"/>
+              <a:t>Fifth level</a:t>
+            </a:r>
+            <a:endParaRPr lang="en-GB"/>
+          </a:p>
+        </p:txBody>
+      </p:sp>
+      <p:sp>
+        <p:nvSpPr>
+          <p:cNvPr id="6" name="Footer Placeholder 5"/>
+          <p:cNvSpPr>
+            <a:spLocks noGrp="1"/>
+          </p:cNvSpPr>
+          <p:nvPr>
+            <p:ph type="ftr" sz="quarter" idx="4"/>
+          </p:nvPr>
+        </p:nvSpPr>
+        <p:spPr>
+          <a:xfrm>
+            <a:off x="0" y="8685213"/>
+            <a:ext cx="2971800" cy="458787"/>
+          </a:xfrm>
+          <a:prstGeom prst="rect">
+            <a:avLst/>
+          </a:prstGeom>
+        </p:spPr>
+        <p:txBody>
+          <a:bodyPr vert="horz" lIns="91440" tIns="45720" rIns="91440" bIns="45720" rtlCol="0" anchor="b"/>
+          <a:lstStyle>
+            <a:lvl1pPr algn="l">
+              <a:defRPr sz="1200"/>
+            </a:lvl1pPr>
+          </a:lstStyle>
+          <a:p>
+            <a:endParaRPr lang="en-GB"/>
+          </a:p>
+        </p:txBody>
+      </p:sp>
+      <p:sp>
+        <p:nvSpPr>
+          <p:cNvPr id="7" name="Slide Number Placeholder 6"/>
+          <p:cNvSpPr>
+            <a:spLocks noGrp="1"/>
+          </p:cNvSpPr>
+          <p:nvPr>
+            <p:ph type="sldNum" sz="quarter" idx="5"/>
+          </p:nvPr>
+        </p:nvSpPr>
+        <p:spPr>
+          <a:xfrm>
+            <a:off x="3884613" y="8685213"/>
+            <a:ext cx="2971800" cy="458787"/>
+          </a:xfrm>
+          <a:prstGeom prst="rect">
+            <a:avLst/>
+          </a:prstGeom>
+        </p:spPr>
+        <p:txBody>
+          <a:bodyPr vert="horz" lIns="91440" tIns="45720" rIns="91440" bIns="45720" rtlCol="0" anchor="b"/>
+          <a:lstStyle>
+            <a:lvl1pPr algn="r">
+              <a:defRPr sz="1200"/>
+            </a:lvl1pPr>
+          </a:lstStyle>
+          <a:p>
+            <a:fld id="{E850A081-4800-4D98-A991-16D1ADC2C2CE}" type="slidenum">
+              <a:rPr lang="en-GB" smtClean="0"/>
+              <a:t>‹#›</a:t>
+            </a:fld>
+            <a:endParaRPr lang="en-GB"/>
+          </a:p>
+        </p:txBody>
+      </p:sp>
+    </p:spTree>
+    <p:extLst>
+      <p:ext uri="{BB962C8B-B14F-4D97-AF65-F5344CB8AC3E}">
+        <p14:creationId xmlns:p14="http://schemas.microsoft.com/office/powerpoint/2010/main" val="2420402903"/>
+      </p:ext>
+    </p:extLst>
+  </p:cSld>
+  <p:clrMap bg1="lt1" tx1="dk1" bg2="lt2" tx2="dk2" accent1="accent1" accent2="accent2" accent3="accent3" accent4="accent4" accent5="accent5" accent6="accent6" hlink="hlink" folHlink="folHlink"/>
+  <p:notesStyle>
+    <a:lvl1pPr marL="0" algn="l" defTabSz="914400" rtl="0" eaLnBrk="1" latinLnBrk="0" hangingPunct="1">
+      <a:defRPr sz="1200" kern="1200">
+        <a:solidFill>
+          <a:schemeClr val="tx1"/>
+        </a:solidFill>
+        <a:latin typeface="+mn-lt"/>
+        <a:ea typeface="+mn-ea"/>
+        <a:cs typeface="+mn-cs"/>
+      </a:defRPr>
+    </a:lvl1pPr>
+    <a:lvl2pPr marL="457200" algn="l" defTabSz="914400" rtl="0" eaLnBrk="1" latinLnBrk="0" hangingPunct="1">
+      <a:defRPr sz="1200" kern="1200">
+        <a:solidFill>
+          <a:schemeClr val="tx1"/>
+        </a:solidFill>
+        <a:latin typeface="+mn-lt"/>
+        <a:ea typeface="+mn-ea"/>
+        <a:cs typeface="+mn-cs"/>
+      </a:defRPr>
+    </a:lvl2pPr>
+    <a:lvl3pPr marL="914400" algn="l" defTabSz="914400" rtl="0" eaLnBrk="1" latinLnBrk="0" hangingPunct="1">
+      <a:defRPr sz="1200" kern="1200">
+        <a:solidFill>
+          <a:schemeClr val="tx1"/>
+        </a:solidFill>
+        <a:latin typeface="+mn-lt"/>
+        <a:ea typeface="+mn-ea"/>
+        <a:cs typeface="+mn-cs"/>
+      </a:defRPr>
+    </a:lvl3pPr>
+    <a:lvl4pPr marL="1371600" algn="l" defTabSz="914400" rtl="0" eaLnBrk="1" latinLnBrk="0" hangingPunct="1">
+      <a:defRPr sz="1200" kern="1200">
+        <a:solidFill>
+          <a:schemeClr val="tx1"/>
+        </a:solidFill>
+        <a:latin typeface="+mn-lt"/>
+        <a:ea typeface="+mn-ea"/>
+        <a:cs typeface="+mn-cs"/>
+      </a:defRPr>
+    </a:lvl4pPr>
+    <a:lvl5pPr marL="1828800" algn="l" defTabSz="914400" rtl="0" eaLnBrk="1" latinLnBrk="0" hangingPunct="1">
+      <a:defRPr sz="1200" kern="1200">
+        <a:solidFill>
+          <a:schemeClr val="tx1"/>
+        </a:solidFill>
+        <a:latin typeface="+mn-lt"/>
+        <a:ea typeface="+mn-ea"/>
+        <a:cs typeface="+mn-cs"/>
+      </a:defRPr>
+    </a:lvl5pPr>
+    <a:lvl6pPr marL="2286000" algn="l" defTabSz="914400" rtl="0" eaLnBrk="1" latinLnBrk="0" hangingPunct="1">
+      <a:defRPr sz="1200" kern="1200">
+        <a:solidFill>
+          <a:schemeClr val="tx1"/>
+        </a:solidFill>
+        <a:latin typeface="+mn-lt"/>
+        <a:ea typeface="+mn-ea"/>
+        <a:cs typeface="+mn-cs"/>
+      </a:defRPr>
+    </a:lvl6pPr>
+    <a:lvl7pPr marL="2743200" algn="l" defTabSz="914400" rtl="0" eaLnBrk="1" latinLnBrk="0" hangingPunct="1">
+      <a:defRPr sz="1200" kern="1200">
+        <a:solidFill>
+          <a:schemeClr val="tx1"/>
+        </a:solidFill>
+        <a:latin typeface="+mn-lt"/>
+        <a:ea typeface="+mn-ea"/>
+        <a:cs typeface="+mn-cs"/>
+      </a:defRPr>
+    </a:lvl7pPr>
+    <a:lvl8pPr marL="3200400" algn="l" defTabSz="914400" rtl="0" eaLnBrk="1" latinLnBrk="0" hangingPunct="1">
+      <a:defRPr sz="1200" kern="1200">
+        <a:solidFill>
+          <a:schemeClr val="tx1"/>
+        </a:solidFill>
+        <a:latin typeface="+mn-lt"/>
+        <a:ea typeface="+mn-ea"/>
+        <a:cs typeface="+mn-cs"/>
+      </a:defRPr>
+    </a:lvl8pPr>
+    <a:lvl9pPr marL="3657600" algn="l" defTabSz="914400" rtl="0" eaLnBrk="1" latinLnBrk="0" hangingPunct="1">
+      <a:defRPr sz="1200" kern="1200">
+        <a:solidFill>
+          <a:schemeClr val="tx1"/>
+        </a:solidFill>
+        <a:latin typeface="+mn-lt"/>
+        <a:ea typeface="+mn-ea"/>
+        <a:cs typeface="+mn-cs"/>
+      </a:defRPr>
+    </a:lvl9pPr>
+  </p:notesStyle>
+</p:notesMaster>
+</file>
+
+<file path=ppt/notesSlides/notesSlide1.xml><?xml version="1.0" encoding="utf-8"?>
+<p:notes xmlns:a="http://schemas.openxmlformats.org/drawingml/2006/main" xmlns:r="http://schemas.openxmlformats.org/officeDocument/2006/relationships" xmlns:p="http://schemas.openxmlformats.org/presentationml/2006/main">
+  <p:cSld>
+    <p:spTree>
+      <p:nvGrpSpPr>
+        <p:cNvPr id="1" name=""/>
+        <p:cNvGrpSpPr/>
+        <p:nvPr/>
+      </p:nvGrpSpPr>
+      <p:grpSpPr>
+        <a:xfrm>
+          <a:off x="0" y="0"/>
+          <a:ext cx="0" cy="0"/>
+          <a:chOff x="0" y="0"/>
+          <a:chExt cx="0" cy="0"/>
+        </a:xfrm>
+      </p:grpSpPr>
+      <p:sp>
+        <p:nvSpPr>
+          <p:cNvPr id="2" name="Slide Image Placeholder 1"/>
+          <p:cNvSpPr>
+            <a:spLocks noGrp="1" noRot="1" noChangeAspect="1"/>
+          </p:cNvSpPr>
+          <p:nvPr>
+            <p:ph type="sldImg"/>
+          </p:nvPr>
+        </p:nvSpPr>
+        <p:spPr/>
+      </p:sp>
+      <p:sp>
+        <p:nvSpPr>
+          <p:cNvPr id="3" name="Notes Placeholder 2"/>
+          <p:cNvSpPr>
+            <a:spLocks noGrp="1"/>
+          </p:cNvSpPr>
+          <p:nvPr>
+            <p:ph type="body" idx="1"/>
+          </p:nvPr>
+        </p:nvSpPr>
+        <p:spPr/>
+        <p:txBody>
+          <a:bodyPr/>
+          <a:lstStyle/>
+          <a:p>
+            <a:endParaRPr lang="en-GB" dirty="0"/>
+          </a:p>
+        </p:txBody>
+      </p:sp>
+      <p:sp>
+        <p:nvSpPr>
+          <p:cNvPr id="4" name="Slide Number Placeholder 3"/>
+          <p:cNvSpPr>
+            <a:spLocks noGrp="1"/>
+          </p:cNvSpPr>
+          <p:nvPr>
+            <p:ph type="sldNum" sz="quarter" idx="5"/>
+          </p:nvPr>
+        </p:nvSpPr>
+        <p:spPr/>
+        <p:txBody>
+          <a:bodyPr/>
+          <a:lstStyle/>
+          <a:p>
+            <a:fld id="{E850A081-4800-4D98-A991-16D1ADC2C2CE}" type="slidenum">
+              <a:rPr lang="en-GB" smtClean="0"/>
+              <a:t>2</a:t>
+            </a:fld>
+            <a:endParaRPr lang="en-GB"/>
+          </a:p>
+        </p:txBody>
+      </p:sp>
+    </p:spTree>
+    <p:extLst>
+      <p:ext uri="{BB962C8B-B14F-4D97-AF65-F5344CB8AC3E}">
+        <p14:creationId xmlns:p14="http://schemas.microsoft.com/office/powerpoint/2010/main" val="1917891099"/>
+      </p:ext>
+    </p:extLst>
+  </p:cSld>
+  <p:clrMapOvr>
+    <a:masterClrMapping/>
+  </p:clrMapOvr>
+</p:notes>
+</file>
+
+<file path=ppt/notesSlides/notesSlide2.xml><?xml version="1.0" encoding="utf-8"?>
+<p:notes xmlns:a="http://schemas.openxmlformats.org/drawingml/2006/main" xmlns:r="http://schemas.openxmlformats.org/officeDocument/2006/relationships" xmlns:p="http://schemas.openxmlformats.org/presentationml/2006/main">
+  <p:cSld>
+    <p:spTree>
+      <p:nvGrpSpPr>
+        <p:cNvPr id="1" name=""/>
+        <p:cNvGrpSpPr/>
+        <p:nvPr/>
+      </p:nvGrpSpPr>
+      <p:grpSpPr>
+        <a:xfrm>
+          <a:off x="0" y="0"/>
+          <a:ext cx="0" cy="0"/>
+          <a:chOff x="0" y="0"/>
+          <a:chExt cx="0" cy="0"/>
+        </a:xfrm>
+      </p:grpSpPr>
+      <p:sp>
+        <p:nvSpPr>
+          <p:cNvPr id="2" name="Slide Image Placeholder 1"/>
+          <p:cNvSpPr>
+            <a:spLocks noGrp="1" noRot="1" noChangeAspect="1"/>
+          </p:cNvSpPr>
+          <p:nvPr>
+            <p:ph type="sldImg"/>
+          </p:nvPr>
+        </p:nvSpPr>
+        <p:spPr/>
+      </p:sp>
+      <p:sp>
+        <p:nvSpPr>
+          <p:cNvPr id="3" name="Notes Placeholder 2"/>
+          <p:cNvSpPr>
+            <a:spLocks noGrp="1"/>
+          </p:cNvSpPr>
+          <p:nvPr>
+            <p:ph type="body" idx="1"/>
+          </p:nvPr>
+        </p:nvSpPr>
+        <p:spPr/>
+        <p:txBody>
+          <a:bodyPr/>
+          <a:lstStyle/>
+          <a:p>
+            <a:pPr marL="0" marR="0" lvl="0" indent="0" algn="l" defTabSz="914400" rtl="0" eaLnBrk="1" fontAlgn="auto" latinLnBrk="0" hangingPunct="1">
+              <a:lnSpc>
+                <a:spcPct val="100000"/>
+              </a:lnSpc>
+              <a:spcBef>
+                <a:spcPts val="0"/>
+              </a:spcBef>
+              <a:spcAft>
+                <a:spcPts val="0"/>
+              </a:spcAft>
+              <a:buClrTx/>
+              <a:buSzTx/>
+              <a:buFontTx/>
+              <a:buNone/>
+              <a:tabLst/>
+              <a:defRPr/>
+            </a:pPr>
+            <a:r>
+              <a:rPr lang="en-GB" dirty="0"/>
+              <a:t>Pros or cons of the design; alternate approaches that could be taken</a:t>
+            </a:r>
+          </a:p>
+          <a:p>
+            <a:endParaRPr lang="en-GB" dirty="0"/>
+          </a:p>
+          <a:p>
+            <a:r>
+              <a:rPr lang="en-GB" dirty="0"/>
+              <a:t>Sample results – respiration trace or other analyses</a:t>
+            </a:r>
+          </a:p>
+        </p:txBody>
+      </p:sp>
+      <p:sp>
+        <p:nvSpPr>
+          <p:cNvPr id="4" name="Slide Number Placeholder 3"/>
+          <p:cNvSpPr>
+            <a:spLocks noGrp="1"/>
+          </p:cNvSpPr>
+          <p:nvPr>
+            <p:ph type="sldNum" sz="quarter" idx="5"/>
+          </p:nvPr>
+        </p:nvSpPr>
+        <p:spPr/>
+        <p:txBody>
+          <a:bodyPr/>
+          <a:lstStyle/>
+          <a:p>
+            <a:fld id="{E850A081-4800-4D98-A991-16D1ADC2C2CE}" type="slidenum">
+              <a:rPr lang="en-GB" smtClean="0"/>
+              <a:t>3</a:t>
+            </a:fld>
+            <a:endParaRPr lang="en-GB"/>
+          </a:p>
+        </p:txBody>
+      </p:sp>
+    </p:spTree>
+    <p:extLst>
+      <p:ext uri="{BB962C8B-B14F-4D97-AF65-F5344CB8AC3E}">
+        <p14:creationId xmlns:p14="http://schemas.microsoft.com/office/powerpoint/2010/main" val="1705168532"/>
+      </p:ext>
+    </p:extLst>
+  </p:cSld>
+  <p:clrMapOvr>
+    <a:masterClrMapping/>
+  </p:clrMapOvr>
+</p:notes>
+</file>
+
+<file path=ppt/notesSlides/notesSlide3.xml><?xml version="1.0" encoding="utf-8"?>
+<p:notes xmlns:a="http://schemas.openxmlformats.org/drawingml/2006/main" xmlns:r="http://schemas.openxmlformats.org/officeDocument/2006/relationships" xmlns:p="http://schemas.openxmlformats.org/presentationml/2006/main">
+  <p:cSld>
+    <p:spTree>
+      <p:nvGrpSpPr>
+        <p:cNvPr id="1" name=""/>
+        <p:cNvGrpSpPr/>
+        <p:nvPr/>
+      </p:nvGrpSpPr>
+      <p:grpSpPr>
+        <a:xfrm>
+          <a:off x="0" y="0"/>
+          <a:ext cx="0" cy="0"/>
+          <a:chOff x="0" y="0"/>
+          <a:chExt cx="0" cy="0"/>
+        </a:xfrm>
+      </p:grpSpPr>
+      <p:sp>
+        <p:nvSpPr>
+          <p:cNvPr id="2" name="Slide Image Placeholder 1"/>
+          <p:cNvSpPr>
+            <a:spLocks noGrp="1" noRot="1" noChangeAspect="1"/>
+          </p:cNvSpPr>
+          <p:nvPr>
+            <p:ph type="sldImg"/>
+          </p:nvPr>
+        </p:nvSpPr>
+        <p:spPr/>
+      </p:sp>
+      <p:sp>
+        <p:nvSpPr>
+          <p:cNvPr id="3" name="Notes Placeholder 2"/>
+          <p:cNvSpPr>
+            <a:spLocks noGrp="1"/>
+          </p:cNvSpPr>
+          <p:nvPr>
+            <p:ph type="body" idx="1"/>
+          </p:nvPr>
+        </p:nvSpPr>
+        <p:spPr/>
+        <p:txBody>
+          <a:bodyPr/>
+          <a:lstStyle/>
+          <a:p>
+            <a:r>
+              <a:rPr lang="en-GB" dirty="0"/>
+              <a:t>Challenges encountered and solution(s) identified</a:t>
+            </a:r>
+          </a:p>
+        </p:txBody>
+      </p:sp>
+      <p:sp>
+        <p:nvSpPr>
+          <p:cNvPr id="4" name="Slide Number Placeholder 3"/>
+          <p:cNvSpPr>
+            <a:spLocks noGrp="1"/>
+          </p:cNvSpPr>
+          <p:nvPr>
+            <p:ph type="sldNum" sz="quarter" idx="5"/>
+          </p:nvPr>
+        </p:nvSpPr>
+        <p:spPr/>
+        <p:txBody>
+          <a:bodyPr/>
+          <a:lstStyle/>
+          <a:p>
+            <a:fld id="{E850A081-4800-4D98-A991-16D1ADC2C2CE}" type="slidenum">
+              <a:rPr lang="en-GB" smtClean="0"/>
+              <a:t>4</a:t>
+            </a:fld>
+            <a:endParaRPr lang="en-GB"/>
+          </a:p>
+        </p:txBody>
+      </p:sp>
+    </p:spTree>
+    <p:extLst>
+      <p:ext uri="{BB962C8B-B14F-4D97-AF65-F5344CB8AC3E}">
+        <p14:creationId xmlns:p14="http://schemas.microsoft.com/office/powerpoint/2010/main" val="2186772742"/>
+      </p:ext>
+    </p:extLst>
+  </p:cSld>
+  <p:clrMapOvr>
+    <a:masterClrMapping/>
+  </p:clrMapOvr>
+</p:notes>
 </file>
 
 <file path=ppt/slideLayouts/slideLayout1.xml><?xml version="1.0" encoding="utf-8"?>
@@ -260,7 +902,7 @@
           <a:p>
             <a:fld id="{3FE6759C-BA5D-4983-9113-8105D26C98D4}" type="datetimeFigureOut">
               <a:rPr lang="en-GB" smtClean="0"/>
-              <a:t>21/02/2023</a:t>
+              <a:t>22/02/2023</a:t>
             </a:fld>
             <a:endParaRPr lang="en-GB"/>
           </a:p>
@@ -460,7 +1102,7 @@
           <a:p>
             <a:fld id="{3FE6759C-BA5D-4983-9113-8105D26C98D4}" type="datetimeFigureOut">
               <a:rPr lang="en-GB" smtClean="0"/>
-              <a:t>21/02/2023</a:t>
+              <a:t>22/02/2023</a:t>
             </a:fld>
             <a:endParaRPr lang="en-GB"/>
           </a:p>
@@ -670,7 +1312,7 @@
           <a:p>
             <a:fld id="{3FE6759C-BA5D-4983-9113-8105D26C98D4}" type="datetimeFigureOut">
               <a:rPr lang="en-GB" smtClean="0"/>
-              <a:t>21/02/2023</a:t>
+              <a:t>22/02/2023</a:t>
             </a:fld>
             <a:endParaRPr lang="en-GB"/>
           </a:p>
@@ -870,7 +1512,7 @@
           <a:p>
             <a:fld id="{3FE6759C-BA5D-4983-9113-8105D26C98D4}" type="datetimeFigureOut">
               <a:rPr lang="en-GB" smtClean="0"/>
-              <a:t>21/02/2023</a:t>
+              <a:t>22/02/2023</a:t>
             </a:fld>
             <a:endParaRPr lang="en-GB"/>
           </a:p>
@@ -1146,7 +1788,7 @@
           <a:p>
             <a:fld id="{3FE6759C-BA5D-4983-9113-8105D26C98D4}" type="datetimeFigureOut">
               <a:rPr lang="en-GB" smtClean="0"/>
-              <a:t>21/02/2023</a:t>
+              <a:t>22/02/2023</a:t>
             </a:fld>
             <a:endParaRPr lang="en-GB"/>
           </a:p>
@@ -1414,7 +2056,7 @@
           <a:p>
             <a:fld id="{3FE6759C-BA5D-4983-9113-8105D26C98D4}" type="datetimeFigureOut">
               <a:rPr lang="en-GB" smtClean="0"/>
-              <a:t>21/02/2023</a:t>
+              <a:t>22/02/2023</a:t>
             </a:fld>
             <a:endParaRPr lang="en-GB"/>
           </a:p>
@@ -1829,7 +2471,7 @@
           <a:p>
             <a:fld id="{3FE6759C-BA5D-4983-9113-8105D26C98D4}" type="datetimeFigureOut">
               <a:rPr lang="en-GB" smtClean="0"/>
-              <a:t>21/02/2023</a:t>
+              <a:t>22/02/2023</a:t>
             </a:fld>
             <a:endParaRPr lang="en-GB"/>
           </a:p>
@@ -1971,7 +2613,7 @@
           <a:p>
             <a:fld id="{3FE6759C-BA5D-4983-9113-8105D26C98D4}" type="datetimeFigureOut">
               <a:rPr lang="en-GB" smtClean="0"/>
-              <a:t>21/02/2023</a:t>
+              <a:t>22/02/2023</a:t>
             </a:fld>
             <a:endParaRPr lang="en-GB"/>
           </a:p>
@@ -2084,7 +2726,7 @@
           <a:p>
             <a:fld id="{3FE6759C-BA5D-4983-9113-8105D26C98D4}" type="datetimeFigureOut">
               <a:rPr lang="en-GB" smtClean="0"/>
-              <a:t>21/02/2023</a:t>
+              <a:t>22/02/2023</a:t>
             </a:fld>
             <a:endParaRPr lang="en-GB"/>
           </a:p>
@@ -2397,7 +3039,7 @@
           <a:p>
             <a:fld id="{3FE6759C-BA5D-4983-9113-8105D26C98D4}" type="datetimeFigureOut">
               <a:rPr lang="en-GB" smtClean="0"/>
-              <a:t>21/02/2023</a:t>
+              <a:t>22/02/2023</a:t>
             </a:fld>
             <a:endParaRPr lang="en-GB"/>
           </a:p>
@@ -2686,7 +3328,7 @@
           <a:p>
             <a:fld id="{3FE6759C-BA5D-4983-9113-8105D26C98D4}" type="datetimeFigureOut">
               <a:rPr lang="en-GB" smtClean="0"/>
-              <a:t>21/02/2023</a:t>
+              <a:t>22/02/2023</a:t>
             </a:fld>
             <a:endParaRPr lang="en-GB"/>
           </a:p>
@@ -2929,7 +3571,7 @@
           <a:p>
             <a:fld id="{3FE6759C-BA5D-4983-9113-8105D26C98D4}" type="datetimeFigureOut">
               <a:rPr lang="en-GB" smtClean="0"/>
-              <a:t>21/02/2023</a:t>
+              <a:t>22/02/2023</a:t>
             </a:fld>
             <a:endParaRPr lang="en-GB"/>
           </a:p>
@@ -3458,42 +4100,19 @@
             <p:ph type="title"/>
           </p:nvPr>
         </p:nvSpPr>
-        <p:spPr/>
+        <p:spPr>
+          <a:xfrm>
+            <a:off x="837406" y="355296"/>
+            <a:ext cx="10515600" cy="1325563"/>
+          </a:xfrm>
+        </p:spPr>
         <p:txBody>
           <a:bodyPr/>
           <a:lstStyle/>
           <a:p>
             <a:r>
               <a:rPr lang="en-GB" dirty="0"/>
-              <a:t>A description of the chosen design</a:t>
-            </a:r>
-          </a:p>
-        </p:txBody>
-      </p:sp>
-      <p:sp>
-        <p:nvSpPr>
-          <p:cNvPr id="3" name="Content Placeholder 2">
-            <a:extLst>
-              <a:ext uri="{FF2B5EF4-FFF2-40B4-BE49-F238E27FC236}">
-                <a16:creationId xmlns:a16="http://schemas.microsoft.com/office/drawing/2014/main" id="{352A966D-EBA1-8709-7FDC-CA40050828D2}"/>
-              </a:ext>
-            </a:extLst>
-          </p:cNvPr>
-          <p:cNvSpPr>
-            <a:spLocks noGrp="1"/>
-          </p:cNvSpPr>
-          <p:nvPr>
-            <p:ph idx="1"/>
-          </p:nvPr>
-        </p:nvSpPr>
-        <p:spPr/>
-        <p:txBody>
-          <a:bodyPr/>
-          <a:lstStyle/>
-          <a:p>
-            <a:r>
-              <a:rPr lang="en-GB" dirty="0"/>
-              <a:t>Pros or cons of the design; alternate approaches that could be taken</a:t>
+              <a:t>Proposed breath rate detection algorithm</a:t>
             </a:r>
           </a:p>
         </p:txBody>
@@ -3512,12 +4131,15 @@
         </p:nvSpPr>
         <p:spPr>
           <a:xfrm>
-            <a:off x="1164020" y="3851918"/>
+            <a:off x="1179786" y="4561366"/>
             <a:ext cx="1087821" cy="1102792"/>
           </a:xfrm>
           <a:prstGeom prst="roundRect">
             <a:avLst/>
           </a:prstGeom>
+          <a:solidFill>
+            <a:schemeClr val="accent2"/>
+          </a:solidFill>
         </p:spPr>
         <p:style>
           <a:lnRef idx="2">
@@ -3561,12 +4183,15 @@
         </p:nvSpPr>
         <p:spPr>
           <a:xfrm>
-            <a:off x="2635469" y="3238637"/>
+            <a:off x="2651235" y="3948085"/>
             <a:ext cx="1321676" cy="2329356"/>
           </a:xfrm>
           <a:prstGeom prst="roundRect">
             <a:avLst/>
           </a:prstGeom>
+          <a:solidFill>
+            <a:srgbClr val="FFC000"/>
+          </a:solidFill>
         </p:spPr>
         <p:style>
           <a:lnRef idx="2">
@@ -3591,8 +4216,16 @@
             <a:pPr algn="ctr"/>
             <a:r>
               <a:rPr lang="en-GB" dirty="0"/>
-              <a:t>Moving-average filter</a:t>
-            </a:r>
+              <a:t>Moving-average filter </a:t>
+            </a:r>
+          </a:p>
+          <a:p>
+            <a:pPr algn="ctr"/>
+            <a:r>
+              <a:rPr lang="en-GB" sz="1400" dirty="0"/>
+              <a:t>(~63 seconds)</a:t>
+            </a:r>
+            <a:endParaRPr lang="en-GB" dirty="0"/>
           </a:p>
         </p:txBody>
       </p:sp>
@@ -3610,7 +4243,7 @@
         </p:nvSpPr>
         <p:spPr>
           <a:xfrm>
-            <a:off x="4340773" y="3238636"/>
+            <a:off x="4356539" y="3948084"/>
             <a:ext cx="1321676" cy="2329356"/>
           </a:xfrm>
           <a:prstGeom prst="roundRect">
@@ -3659,7 +4292,7 @@
         </p:nvSpPr>
         <p:spPr>
           <a:xfrm>
-            <a:off x="6023741" y="3238636"/>
+            <a:off x="6039507" y="3948084"/>
             <a:ext cx="1321676" cy="2329356"/>
           </a:xfrm>
           <a:prstGeom prst="roundRect">
@@ -3708,7 +4341,7 @@
         </p:nvSpPr>
         <p:spPr>
           <a:xfrm>
-            <a:off x="7706709" y="3241400"/>
+            <a:off x="7722475" y="3950848"/>
             <a:ext cx="1321676" cy="2329356"/>
           </a:xfrm>
           <a:prstGeom prst="roundRect">
@@ -3757,7 +4390,7 @@
         </p:nvSpPr>
         <p:spPr>
           <a:xfrm>
-            <a:off x="9412013" y="3851917"/>
+            <a:off x="9427779" y="4561365"/>
             <a:ext cx="1087821" cy="1102793"/>
           </a:xfrm>
           <a:prstGeom prst="roundRect">
@@ -3809,7 +4442,7 @@
         </p:nvCxnSpPr>
         <p:spPr>
           <a:xfrm>
-            <a:off x="2251841" y="4403314"/>
+            <a:off x="2267607" y="5112762"/>
             <a:ext cx="383628" cy="1"/>
           </a:xfrm>
           <a:prstGeom prst="straightConnector1">
@@ -3851,7 +4484,7 @@
         </p:nvCxnSpPr>
         <p:spPr>
           <a:xfrm>
-            <a:off x="3979481" y="4403313"/>
+            <a:off x="3995247" y="5112761"/>
             <a:ext cx="383628" cy="1"/>
           </a:xfrm>
           <a:prstGeom prst="straightConnector1">
@@ -3893,7 +4526,7 @@
         </p:nvCxnSpPr>
         <p:spPr>
           <a:xfrm>
-            <a:off x="5662449" y="4403312"/>
+            <a:off x="5678215" y="5112760"/>
             <a:ext cx="383628" cy="1"/>
           </a:xfrm>
           <a:prstGeom prst="straightConnector1">
@@ -3935,7 +4568,7 @@
         </p:nvCxnSpPr>
         <p:spPr>
           <a:xfrm>
-            <a:off x="7362495" y="4403311"/>
+            <a:off x="7378261" y="5112759"/>
             <a:ext cx="383628" cy="1"/>
           </a:xfrm>
           <a:prstGeom prst="straightConnector1">
@@ -3977,7 +4610,7 @@
         </p:nvCxnSpPr>
         <p:spPr>
           <a:xfrm>
-            <a:off x="9045467" y="4403311"/>
+            <a:off x="9061233" y="5112759"/>
             <a:ext cx="383628" cy="1"/>
           </a:xfrm>
           <a:prstGeom prst="straightConnector1">
@@ -4005,6 +4638,366 @@
           </a:fontRef>
         </p:style>
       </p:cxnSp>
+      <p:pic>
+        <p:nvPicPr>
+          <p:cNvPr id="2050" name="Picture 2">
+            <a:extLst>
+              <a:ext uri="{FF2B5EF4-FFF2-40B4-BE49-F238E27FC236}">
+                <a16:creationId xmlns:a16="http://schemas.microsoft.com/office/drawing/2014/main" id="{F8A2DA04-BA3B-F72F-EA30-0CA130BCA844}"/>
+              </a:ext>
+            </a:extLst>
+          </p:cNvPr>
+          <p:cNvPicPr>
+            <a:picLocks noChangeAspect="1" noChangeArrowheads="1"/>
+          </p:cNvPicPr>
+          <p:nvPr/>
+        </p:nvPicPr>
+        <p:blipFill rotWithShape="1">
+          <a:blip r:embed="rId3">
+            <a:extLst>
+              <a:ext uri="{28A0092B-C50C-407E-A947-70E740481C1C}">
+                <a14:useLocalDpi xmlns:a14="http://schemas.microsoft.com/office/drawing/2010/main" val="0"/>
+              </a:ext>
+            </a:extLst>
+          </a:blip>
+          <a:srcRect t="9310" b="45633"/>
+          <a:stretch/>
+        </p:blipFill>
+        <p:spPr bwMode="auto">
+          <a:xfrm>
+            <a:off x="924985" y="3728010"/>
+            <a:ext cx="1597422" cy="802413"/>
+          </a:xfrm>
+          <a:prstGeom prst="rect">
+            <a:avLst/>
+          </a:prstGeom>
+          <a:noFill/>
+          <a:extLst>
+            <a:ext uri="{909E8E84-426E-40DD-AFC4-6F175D3DCCD1}">
+              <a14:hiddenFill xmlns:a14="http://schemas.microsoft.com/office/drawing/2010/main">
+                <a:solidFill>
+                  <a:srgbClr val="FFFFFF"/>
+                </a:solidFill>
+              </a14:hiddenFill>
+            </a:ext>
+          </a:extLst>
+        </p:spPr>
+      </p:pic>
+      <p:pic>
+        <p:nvPicPr>
+          <p:cNvPr id="2052" name="Picture 4">
+            <a:extLst>
+              <a:ext uri="{FF2B5EF4-FFF2-40B4-BE49-F238E27FC236}">
+                <a16:creationId xmlns:a16="http://schemas.microsoft.com/office/drawing/2014/main" id="{0702FFF5-E1B2-0202-427E-250DA4575BF4}"/>
+              </a:ext>
+            </a:extLst>
+          </p:cNvPr>
+          <p:cNvPicPr>
+            <a:picLocks noChangeAspect="1" noChangeArrowheads="1"/>
+          </p:cNvPicPr>
+          <p:nvPr/>
+        </p:nvPicPr>
+        <p:blipFill rotWithShape="1">
+          <a:blip r:embed="rId4">
+            <a:extLst>
+              <a:ext uri="{28A0092B-C50C-407E-A947-70E740481C1C}">
+                <a14:useLocalDpi xmlns:a14="http://schemas.microsoft.com/office/drawing/2010/main" val="0"/>
+              </a:ext>
+            </a:extLst>
+          </a:blip>
+          <a:srcRect t="5324"/>
+          <a:stretch/>
+        </p:blipFill>
+        <p:spPr bwMode="auto">
+          <a:xfrm>
+            <a:off x="2536331" y="2251756"/>
+            <a:ext cx="1542352" cy="1589773"/>
+          </a:xfrm>
+          <a:prstGeom prst="rect">
+            <a:avLst/>
+          </a:prstGeom>
+          <a:noFill/>
+          <a:extLst>
+            <a:ext uri="{909E8E84-426E-40DD-AFC4-6F175D3DCCD1}">
+              <a14:hiddenFill xmlns:a14="http://schemas.microsoft.com/office/drawing/2010/main">
+                <a:solidFill>
+                  <a:srgbClr val="FFFFFF"/>
+                </a:solidFill>
+              </a14:hiddenFill>
+            </a:ext>
+          </a:extLst>
+        </p:spPr>
+      </p:pic>
+      <p:pic>
+        <p:nvPicPr>
+          <p:cNvPr id="2054" name="Picture 6">
+            <a:extLst>
+              <a:ext uri="{FF2B5EF4-FFF2-40B4-BE49-F238E27FC236}">
+                <a16:creationId xmlns:a16="http://schemas.microsoft.com/office/drawing/2014/main" id="{9559A780-253F-8E7A-C0A6-3E510B2D289B}"/>
+              </a:ext>
+            </a:extLst>
+          </p:cNvPr>
+          <p:cNvPicPr>
+            <a:picLocks noChangeAspect="1" noChangeArrowheads="1"/>
+          </p:cNvPicPr>
+          <p:nvPr/>
+        </p:nvPicPr>
+        <p:blipFill rotWithShape="1">
+          <a:blip r:embed="rId5">
+            <a:extLst>
+              <a:ext uri="{28A0092B-C50C-407E-A947-70E740481C1C}">
+                <a14:useLocalDpi xmlns:a14="http://schemas.microsoft.com/office/drawing/2010/main" val="0"/>
+              </a:ext>
+            </a:extLst>
+          </a:blip>
+          <a:srcRect t="6604"/>
+          <a:stretch/>
+        </p:blipFill>
+        <p:spPr bwMode="auto">
+          <a:xfrm>
+            <a:off x="4280465" y="1415526"/>
+            <a:ext cx="1397750" cy="1040205"/>
+          </a:xfrm>
+          <a:prstGeom prst="rect">
+            <a:avLst/>
+          </a:prstGeom>
+          <a:noFill/>
+          <a:extLst>
+            <a:ext uri="{909E8E84-426E-40DD-AFC4-6F175D3DCCD1}">
+              <a14:hiddenFill xmlns:a14="http://schemas.microsoft.com/office/drawing/2010/main">
+                <a:solidFill>
+                  <a:srgbClr val="FFFFFF"/>
+                </a:solidFill>
+              </a14:hiddenFill>
+            </a:ext>
+          </a:extLst>
+        </p:spPr>
+      </p:pic>
+      <p:pic>
+        <p:nvPicPr>
+          <p:cNvPr id="2056" name="Picture 8">
+            <a:extLst>
+              <a:ext uri="{FF2B5EF4-FFF2-40B4-BE49-F238E27FC236}">
+                <a16:creationId xmlns:a16="http://schemas.microsoft.com/office/drawing/2014/main" id="{4987AA39-0636-01BB-24D7-4E6C457B5EA3}"/>
+              </a:ext>
+            </a:extLst>
+          </p:cNvPr>
+          <p:cNvPicPr>
+            <a:picLocks noChangeAspect="1" noChangeArrowheads="1"/>
+          </p:cNvPicPr>
+          <p:nvPr/>
+        </p:nvPicPr>
+        <p:blipFill rotWithShape="1">
+          <a:blip r:embed="rId6">
+            <a:extLst>
+              <a:ext uri="{28A0092B-C50C-407E-A947-70E740481C1C}">
+                <a14:useLocalDpi xmlns:a14="http://schemas.microsoft.com/office/drawing/2010/main" val="0"/>
+              </a:ext>
+            </a:extLst>
+          </a:blip>
+          <a:srcRect t="5324"/>
+          <a:stretch/>
+        </p:blipFill>
+        <p:spPr bwMode="auto">
+          <a:xfrm>
+            <a:off x="4278040" y="2527042"/>
+            <a:ext cx="1400175" cy="1259449"/>
+          </a:xfrm>
+          <a:prstGeom prst="rect">
+            <a:avLst/>
+          </a:prstGeom>
+          <a:noFill/>
+          <a:extLst>
+            <a:ext uri="{909E8E84-426E-40DD-AFC4-6F175D3DCCD1}">
+              <a14:hiddenFill xmlns:a14="http://schemas.microsoft.com/office/drawing/2010/main">
+                <a:solidFill>
+                  <a:srgbClr val="FFFFFF"/>
+                </a:solidFill>
+              </a14:hiddenFill>
+            </a:ext>
+          </a:extLst>
+        </p:spPr>
+      </p:pic>
+      <p:pic>
+        <p:nvPicPr>
+          <p:cNvPr id="2058" name="Picture 10">
+            <a:extLst>
+              <a:ext uri="{FF2B5EF4-FFF2-40B4-BE49-F238E27FC236}">
+                <a16:creationId xmlns:a16="http://schemas.microsoft.com/office/drawing/2014/main" id="{8D5EC59E-FA00-0580-C00C-105C5ADC8F84}"/>
+              </a:ext>
+            </a:extLst>
+          </p:cNvPr>
+          <p:cNvPicPr>
+            <a:picLocks noChangeAspect="1" noChangeArrowheads="1"/>
+          </p:cNvPicPr>
+          <p:nvPr/>
+        </p:nvPicPr>
+        <p:blipFill rotWithShape="1">
+          <a:blip r:embed="rId7">
+            <a:extLst>
+              <a:ext uri="{28A0092B-C50C-407E-A947-70E740481C1C}">
+                <a14:useLocalDpi xmlns:a14="http://schemas.microsoft.com/office/drawing/2010/main" val="0"/>
+              </a:ext>
+            </a:extLst>
+          </a:blip>
+          <a:srcRect t="3846"/>
+          <a:stretch/>
+        </p:blipFill>
+        <p:spPr bwMode="auto">
+          <a:xfrm>
+            <a:off x="4389303" y="3857802"/>
+            <a:ext cx="1233812" cy="861645"/>
+          </a:xfrm>
+          <a:prstGeom prst="rect">
+            <a:avLst/>
+          </a:prstGeom>
+          <a:noFill/>
+          <a:extLst>
+            <a:ext uri="{909E8E84-426E-40DD-AFC4-6F175D3DCCD1}">
+              <a14:hiddenFill xmlns:a14="http://schemas.microsoft.com/office/drawing/2010/main">
+                <a:solidFill>
+                  <a:srgbClr val="FFFFFF"/>
+                </a:solidFill>
+              </a14:hiddenFill>
+            </a:ext>
+          </a:extLst>
+        </p:spPr>
+      </p:pic>
+      <p:pic>
+        <p:nvPicPr>
+          <p:cNvPr id="2060" name="Picture 12">
+            <a:extLst>
+              <a:ext uri="{FF2B5EF4-FFF2-40B4-BE49-F238E27FC236}">
+                <a16:creationId xmlns:a16="http://schemas.microsoft.com/office/drawing/2014/main" id="{B12976D7-D17F-27FB-CDCF-190CC7608C6A}"/>
+              </a:ext>
+            </a:extLst>
+          </p:cNvPr>
+          <p:cNvPicPr>
+            <a:picLocks noChangeAspect="1" noChangeArrowheads="1"/>
+          </p:cNvPicPr>
+          <p:nvPr/>
+        </p:nvPicPr>
+        <p:blipFill rotWithShape="1">
+          <a:blip r:embed="rId8">
+            <a:extLst>
+              <a:ext uri="{28A0092B-C50C-407E-A947-70E740481C1C}">
+                <a14:useLocalDpi xmlns:a14="http://schemas.microsoft.com/office/drawing/2010/main" val="0"/>
+              </a:ext>
+            </a:extLst>
+          </a:blip>
+          <a:srcRect t="2948"/>
+          <a:stretch/>
+        </p:blipFill>
+        <p:spPr bwMode="auto">
+          <a:xfrm>
+            <a:off x="5174403" y="2005951"/>
+            <a:ext cx="1346580" cy="2064239"/>
+          </a:xfrm>
+          <a:prstGeom prst="rect">
+            <a:avLst/>
+          </a:prstGeom>
+          <a:noFill/>
+          <a:extLst>
+            <a:ext uri="{909E8E84-426E-40DD-AFC4-6F175D3DCCD1}">
+              <a14:hiddenFill xmlns:a14="http://schemas.microsoft.com/office/drawing/2010/main">
+                <a:solidFill>
+                  <a:srgbClr val="FFFFFF"/>
+                </a:solidFill>
+              </a14:hiddenFill>
+            </a:ext>
+          </a:extLst>
+        </p:spPr>
+      </p:pic>
+      <p:pic>
+        <p:nvPicPr>
+          <p:cNvPr id="2070" name="Picture 22">
+            <a:extLst>
+              <a:ext uri="{FF2B5EF4-FFF2-40B4-BE49-F238E27FC236}">
+                <a16:creationId xmlns:a16="http://schemas.microsoft.com/office/drawing/2014/main" id="{2F0A1E6F-5313-8706-9CE7-D21C7FFFD258}"/>
+              </a:ext>
+            </a:extLst>
+          </p:cNvPr>
+          <p:cNvPicPr>
+            <a:picLocks noChangeAspect="1" noChangeArrowheads="1"/>
+          </p:cNvPicPr>
+          <p:nvPr/>
+        </p:nvPicPr>
+        <p:blipFill rotWithShape="1">
+          <a:blip r:embed="rId9">
+            <a:extLst>
+              <a:ext uri="{28A0092B-C50C-407E-A947-70E740481C1C}">
+                <a14:useLocalDpi xmlns:a14="http://schemas.microsoft.com/office/drawing/2010/main" val="0"/>
+              </a:ext>
+            </a:extLst>
+          </a:blip>
+          <a:srcRect t="3408"/>
+          <a:stretch/>
+        </p:blipFill>
+        <p:spPr bwMode="auto">
+          <a:xfrm>
+            <a:off x="7586196" y="3615983"/>
+            <a:ext cx="1457955" cy="1017180"/>
+          </a:xfrm>
+          <a:prstGeom prst="rect">
+            <a:avLst/>
+          </a:prstGeom>
+          <a:noFill/>
+          <a:extLst>
+            <a:ext uri="{909E8E84-426E-40DD-AFC4-6F175D3DCCD1}">
+              <a14:hiddenFill xmlns:a14="http://schemas.microsoft.com/office/drawing/2010/main">
+                <a:solidFill>
+                  <a:srgbClr val="FFFFFF"/>
+                </a:solidFill>
+              </a14:hiddenFill>
+            </a:ext>
+          </a:extLst>
+        </p:spPr>
+      </p:pic>
+      <p:pic>
+        <p:nvPicPr>
+          <p:cNvPr id="2072" name="Picture 24">
+            <a:extLst>
+              <a:ext uri="{FF2B5EF4-FFF2-40B4-BE49-F238E27FC236}">
+                <a16:creationId xmlns:a16="http://schemas.microsoft.com/office/drawing/2014/main" id="{A7EB277B-363F-C5E7-672D-4C5BED8A89CB}"/>
+              </a:ext>
+            </a:extLst>
+          </p:cNvPr>
+          <p:cNvPicPr>
+            <a:picLocks noChangeAspect="1" noChangeArrowheads="1"/>
+          </p:cNvPicPr>
+          <p:nvPr/>
+        </p:nvPicPr>
+        <p:blipFill rotWithShape="1">
+          <a:blip r:embed="rId10">
+            <a:extLst>
+              <a:ext uri="{28A0092B-C50C-407E-A947-70E740481C1C}">
+                <a14:useLocalDpi xmlns:a14="http://schemas.microsoft.com/office/drawing/2010/main" val="0"/>
+              </a:ext>
+            </a:extLst>
+          </a:blip>
+          <a:srcRect t="3555"/>
+          <a:stretch/>
+        </p:blipFill>
+        <p:spPr bwMode="auto">
+          <a:xfrm>
+            <a:off x="9263631" y="1957653"/>
+            <a:ext cx="1416115" cy="1471347"/>
+          </a:xfrm>
+          <a:prstGeom prst="rect">
+            <a:avLst/>
+          </a:prstGeom>
+          <a:noFill/>
+          <a:extLst>
+            <a:ext uri="{909E8E84-426E-40DD-AFC4-6F175D3DCCD1}">
+              <a14:hiddenFill xmlns:a14="http://schemas.microsoft.com/office/drawing/2010/main">
+                <a:solidFill>
+                  <a:srgbClr val="FFFFFF"/>
+                </a:solidFill>
+              </a14:hiddenFill>
+            </a:ext>
+          </a:extLst>
+        </p:spPr>
+      </p:pic>
     </p:spTree>
     <p:extLst>
       <p:ext uri="{BB962C8B-B14F-4D97-AF65-F5344CB8AC3E}">
@@ -4058,105 +5051,11 @@
           <a:p>
             <a:r>
               <a:rPr lang="en-GB" dirty="0"/>
-              <a:t>Sample results – respiration trace or other analyses</a:t>
-            </a:r>
-          </a:p>
-        </p:txBody>
-      </p:sp>
-      <p:pic>
-        <p:nvPicPr>
-          <p:cNvPr id="1026" name="Picture 2">
-            <a:extLst>
-              <a:ext uri="{FF2B5EF4-FFF2-40B4-BE49-F238E27FC236}">
-                <a16:creationId xmlns:a16="http://schemas.microsoft.com/office/drawing/2014/main" id="{0F54EE0B-B554-212B-E8A9-F6F97FAC1F4B}"/>
-              </a:ext>
-            </a:extLst>
-          </p:cNvPr>
-          <p:cNvPicPr>
-            <a:picLocks noChangeAspect="1" noChangeArrowheads="1"/>
-          </p:cNvPicPr>
-          <p:nvPr/>
-        </p:nvPicPr>
-        <p:blipFill>
-          <a:blip r:embed="rId2">
-            <a:extLst>
-              <a:ext uri="{28A0092B-C50C-407E-A947-70E740481C1C}">
-                <a14:useLocalDpi xmlns:a14="http://schemas.microsoft.com/office/drawing/2010/main" val="0"/>
-              </a:ext>
-            </a:extLst>
-          </a:blip>
-          <a:srcRect/>
-          <a:stretch>
-            <a:fillRect/>
-          </a:stretch>
-        </p:blipFill>
-        <p:spPr bwMode="auto">
-          <a:xfrm>
-            <a:off x="684990" y="1690688"/>
-            <a:ext cx="3108798" cy="4910423"/>
-          </a:xfrm>
-          <a:prstGeom prst="rect">
-            <a:avLst/>
-          </a:prstGeom>
-          <a:noFill/>
-          <a:extLst>
-            <a:ext uri="{909E8E84-426E-40DD-AFC4-6F175D3DCCD1}">
-              <a14:hiddenFill xmlns:a14="http://schemas.microsoft.com/office/drawing/2010/main">
-                <a:solidFill>
-                  <a:srgbClr val="FFFFFF"/>
-                </a:solidFill>
-              </a14:hiddenFill>
-            </a:ext>
-          </a:extLst>
-        </p:spPr>
-      </p:pic>
-      <p:pic>
-        <p:nvPicPr>
-          <p:cNvPr id="1032" name="Picture 8">
-            <a:extLst>
-              <a:ext uri="{FF2B5EF4-FFF2-40B4-BE49-F238E27FC236}">
-                <a16:creationId xmlns:a16="http://schemas.microsoft.com/office/drawing/2014/main" id="{A2EB610D-2764-B253-1050-AF86DB579C4D}"/>
-              </a:ext>
-            </a:extLst>
-          </p:cNvPr>
-          <p:cNvPicPr>
-            <a:picLocks noChangeAspect="1" noChangeArrowheads="1"/>
-          </p:cNvPicPr>
-          <p:nvPr/>
-        </p:nvPicPr>
-        <p:blipFill>
-          <a:blip r:embed="rId3">
-            <a:extLst>
-              <a:ext uri="{28A0092B-C50C-407E-A947-70E740481C1C}">
-                <a14:useLocalDpi xmlns:a14="http://schemas.microsoft.com/office/drawing/2010/main" val="0"/>
-              </a:ext>
-            </a:extLst>
-          </a:blip>
-          <a:srcRect/>
-          <a:stretch>
-            <a:fillRect/>
-          </a:stretch>
-        </p:blipFill>
-        <p:spPr bwMode="auto">
-          <a:xfrm>
-            <a:off x="3946998" y="1062170"/>
-            <a:ext cx="7658741" cy="3768827"/>
-          </a:xfrm>
-          <a:prstGeom prst="rect">
-            <a:avLst/>
-          </a:prstGeom>
-          <a:noFill/>
-          <a:extLst>
-            <a:ext uri="{909E8E84-426E-40DD-AFC4-6F175D3DCCD1}">
-              <a14:hiddenFill xmlns:a14="http://schemas.microsoft.com/office/drawing/2010/main">
-                <a:solidFill>
-                  <a:srgbClr val="FFFFFF"/>
-                </a:solidFill>
-              </a14:hiddenFill>
-            </a:ext>
-          </a:extLst>
-        </p:spPr>
-      </p:pic>
+              <a:t>Limitations of approach</a:t>
+            </a:r>
+          </a:p>
+        </p:txBody>
+      </p:sp>
       <p:pic>
         <p:nvPicPr>
           <p:cNvPr id="1034" name="Picture 10">
@@ -4172,7 +5071,7 @@
           <p:nvPr/>
         </p:nvPicPr>
         <p:blipFill rotWithShape="1">
-          <a:blip r:embed="rId4">
+          <a:blip r:embed="rId3">
             <a:extLst>
               <a:ext uri="{28A0092B-C50C-407E-A947-70E740481C1C}">
                 <a14:useLocalDpi xmlns:a14="http://schemas.microsoft.com/office/drawing/2010/main" val="0"/>
@@ -4184,8 +5083,8 @@
         </p:blipFill>
         <p:spPr bwMode="auto">
           <a:xfrm>
-            <a:off x="4124528" y="4829160"/>
-            <a:ext cx="3658550" cy="1795785"/>
+            <a:off x="504379" y="5416062"/>
+            <a:ext cx="2655445" cy="1303415"/>
           </a:xfrm>
           <a:prstGeom prst="rect">
             <a:avLst/>
@@ -4217,7 +5116,7 @@
           <p:nvPr/>
         </p:nvPicPr>
         <p:blipFill rotWithShape="1">
-          <a:blip r:embed="rId5">
+          <a:blip r:embed="rId4">
             <a:extLst>
               <a:ext uri="{28A0092B-C50C-407E-A947-70E740481C1C}">
                 <a14:useLocalDpi xmlns:a14="http://schemas.microsoft.com/office/drawing/2010/main" val="0"/>
@@ -4229,8 +5128,143 @@
         </p:blipFill>
         <p:spPr bwMode="auto">
           <a:xfrm>
-            <a:off x="8113818" y="4850515"/>
-            <a:ext cx="3533572" cy="1750595"/>
+            <a:off x="3159824" y="5416062"/>
+            <a:ext cx="2630940" cy="1303415"/>
+          </a:xfrm>
+          <a:prstGeom prst="rect">
+            <a:avLst/>
+          </a:prstGeom>
+          <a:noFill/>
+          <a:extLst>
+            <a:ext uri="{909E8E84-426E-40DD-AFC4-6F175D3DCCD1}">
+              <a14:hiddenFill xmlns:a14="http://schemas.microsoft.com/office/drawing/2010/main">
+                <a:solidFill>
+                  <a:srgbClr val="FFFFFF"/>
+                </a:solidFill>
+              </a14:hiddenFill>
+            </a:ext>
+          </a:extLst>
+        </p:spPr>
+      </p:pic>
+      <p:pic>
+        <p:nvPicPr>
+          <p:cNvPr id="3" name="Picture 12">
+            <a:extLst>
+              <a:ext uri="{FF2B5EF4-FFF2-40B4-BE49-F238E27FC236}">
+                <a16:creationId xmlns:a16="http://schemas.microsoft.com/office/drawing/2014/main" id="{3E6028CB-7F7E-ABE0-3914-D59D895DE789}"/>
+              </a:ext>
+            </a:extLst>
+          </p:cNvPr>
+          <p:cNvPicPr>
+            <a:picLocks noChangeAspect="1" noChangeArrowheads="1"/>
+          </p:cNvPicPr>
+          <p:nvPr/>
+        </p:nvPicPr>
+        <p:blipFill rotWithShape="1">
+          <a:blip r:embed="rId5">
+            <a:extLst>
+              <a:ext uri="{28A0092B-C50C-407E-A947-70E740481C1C}">
+                <a14:useLocalDpi xmlns:a14="http://schemas.microsoft.com/office/drawing/2010/main" val="0"/>
+              </a:ext>
+            </a:extLst>
+          </a:blip>
+          <a:srcRect t="2948"/>
+          <a:stretch/>
+        </p:blipFill>
+        <p:spPr bwMode="auto">
+          <a:xfrm>
+            <a:off x="838200" y="1364761"/>
+            <a:ext cx="2321624" cy="3558931"/>
+          </a:xfrm>
+          <a:prstGeom prst="rect">
+            <a:avLst/>
+          </a:prstGeom>
+          <a:noFill/>
+          <a:extLst>
+            <a:ext uri="{909E8E84-426E-40DD-AFC4-6F175D3DCCD1}">
+              <a14:hiddenFill xmlns:a14="http://schemas.microsoft.com/office/drawing/2010/main">
+                <a:solidFill>
+                  <a:srgbClr val="FFFFFF"/>
+                </a:solidFill>
+              </a14:hiddenFill>
+            </a:ext>
+          </a:extLst>
+        </p:spPr>
+      </p:pic>
+      <p:pic>
+        <p:nvPicPr>
+          <p:cNvPr id="4" name="Picture 18">
+            <a:extLst>
+              <a:ext uri="{FF2B5EF4-FFF2-40B4-BE49-F238E27FC236}">
+                <a16:creationId xmlns:a16="http://schemas.microsoft.com/office/drawing/2014/main" id="{7C836A77-CA3F-B7FC-C630-2235BC165FBB}"/>
+              </a:ext>
+            </a:extLst>
+          </p:cNvPr>
+          <p:cNvPicPr>
+            <a:picLocks noChangeAspect="1" noChangeArrowheads="1"/>
+          </p:cNvPicPr>
+          <p:nvPr/>
+        </p:nvPicPr>
+        <p:blipFill rotWithShape="1">
+          <a:blip r:embed="rId6">
+            <a:extLst>
+              <a:ext uri="{28A0092B-C50C-407E-A947-70E740481C1C}">
+                <a14:useLocalDpi xmlns:a14="http://schemas.microsoft.com/office/drawing/2010/main" val="0"/>
+              </a:ext>
+            </a:extLst>
+          </a:blip>
+          <a:srcRect t="6070"/>
+          <a:stretch/>
+        </p:blipFill>
+        <p:spPr bwMode="auto">
+          <a:xfrm>
+            <a:off x="2543666" y="2110636"/>
+            <a:ext cx="5704454" cy="2636728"/>
+          </a:xfrm>
+          <a:prstGeom prst="rect">
+            <a:avLst/>
+          </a:prstGeom>
+          <a:noFill/>
+          <a:extLst>
+            <a:ext uri="{909E8E84-426E-40DD-AFC4-6F175D3DCCD1}">
+              <a14:hiddenFill xmlns:a14="http://schemas.microsoft.com/office/drawing/2010/main">
+                <a:solidFill>
+                  <a:srgbClr val="FFFFFF"/>
+                </a:solidFill>
+              </a14:hiddenFill>
+            </a:ext>
+          </a:extLst>
+        </p:spPr>
+      </p:pic>
+      <p:pic>
+        <p:nvPicPr>
+          <p:cNvPr id="5" name="Picture 24">
+            <a:extLst>
+              <a:ext uri="{FF2B5EF4-FFF2-40B4-BE49-F238E27FC236}">
+                <a16:creationId xmlns:a16="http://schemas.microsoft.com/office/drawing/2014/main" id="{181A4E99-A4E0-48EC-67A2-3678A8AB815A}"/>
+              </a:ext>
+            </a:extLst>
+          </p:cNvPr>
+          <p:cNvPicPr>
+            <a:picLocks noChangeAspect="1" noChangeArrowheads="1"/>
+          </p:cNvPicPr>
+          <p:nvPr/>
+        </p:nvPicPr>
+        <p:blipFill rotWithShape="1">
+          <a:blip r:embed="rId7">
+            <a:extLst>
+              <a:ext uri="{28A0092B-C50C-407E-A947-70E740481C1C}">
+                <a14:useLocalDpi xmlns:a14="http://schemas.microsoft.com/office/drawing/2010/main" val="0"/>
+              </a:ext>
+            </a:extLst>
+          </a:blip>
+          <a:srcRect t="3555"/>
+          <a:stretch/>
+        </p:blipFill>
+        <p:spPr bwMode="auto">
+          <a:xfrm>
+            <a:off x="7062281" y="1689157"/>
+            <a:ext cx="4700649" cy="4883986"/>
           </a:xfrm>
           <a:prstGeom prst="rect">
             <a:avLst/>
@@ -4300,7 +5334,380 @@
           <a:p>
             <a:r>
               <a:rPr lang="en-GB" dirty="0"/>
-              <a:t>Challenges encountered and solution(s) identified</a:t>
+              <a:t>Alternative approaches</a:t>
+            </a:r>
+          </a:p>
+        </p:txBody>
+      </p:sp>
+      <p:sp>
+        <p:nvSpPr>
+          <p:cNvPr id="7" name="TextBox 6">
+            <a:extLst>
+              <a:ext uri="{FF2B5EF4-FFF2-40B4-BE49-F238E27FC236}">
+                <a16:creationId xmlns:a16="http://schemas.microsoft.com/office/drawing/2014/main" id="{94FAECEC-D214-AC8F-DCBA-58AB6BB94FEE}"/>
+              </a:ext>
+            </a:extLst>
+          </p:cNvPr>
+          <p:cNvSpPr txBox="1"/>
+          <p:nvPr/>
+        </p:nvSpPr>
+        <p:spPr>
+          <a:xfrm>
+            <a:off x="106078" y="2239809"/>
+            <a:ext cx="4494140" cy="646331"/>
+          </a:xfrm>
+          <a:prstGeom prst="rect">
+            <a:avLst/>
+          </a:prstGeom>
+          <a:noFill/>
+        </p:spPr>
+        <p:txBody>
+          <a:bodyPr wrap="square">
+            <a:spAutoFit/>
+          </a:bodyPr>
+          <a:lstStyle/>
+          <a:p>
+            <a:pPr algn="ctr"/>
+            <a:r>
+              <a:rPr lang="en-GB" b="1" dirty="0">
+                <a:solidFill>
+                  <a:srgbClr val="000000"/>
+                </a:solidFill>
+                <a:latin typeface="Helvetica Neue"/>
+              </a:rPr>
+              <a:t>Two</a:t>
+            </a:r>
+            <a:r>
+              <a:rPr lang="en-GB" b="1" i="0" dirty="0">
+                <a:solidFill>
+                  <a:srgbClr val="000000"/>
+                </a:solidFill>
+                <a:effectLst/>
+                <a:latin typeface="Helvetica Neue"/>
+              </a:rPr>
+              <a:t> </a:t>
+            </a:r>
+            <a:r>
+              <a:rPr lang="en-GB" b="1" i="0" dirty="0" err="1">
+                <a:solidFill>
+                  <a:srgbClr val="000000"/>
+                </a:solidFill>
+                <a:effectLst/>
+                <a:latin typeface="Helvetica Neue"/>
+              </a:rPr>
+              <a:t>bandstop</a:t>
+            </a:r>
+            <a:r>
+              <a:rPr lang="en-GB" b="1" i="0" dirty="0">
+                <a:solidFill>
+                  <a:srgbClr val="000000"/>
+                </a:solidFill>
+                <a:effectLst/>
+                <a:latin typeface="Helvetica Neue"/>
+              </a:rPr>
+              <a:t> filter </a:t>
+            </a:r>
+          </a:p>
+          <a:p>
+            <a:pPr algn="ctr"/>
+            <a:r>
+              <a:rPr lang="en-GB" b="1" i="0" dirty="0">
+                <a:solidFill>
+                  <a:srgbClr val="000000"/>
+                </a:solidFill>
+                <a:effectLst/>
+                <a:latin typeface="Helvetica Neue"/>
+              </a:rPr>
+              <a:t>(0.01-0.2Hz), (0.4-2.4Hz)</a:t>
+            </a:r>
+          </a:p>
+        </p:txBody>
+      </p:sp>
+      <p:pic>
+        <p:nvPicPr>
+          <p:cNvPr id="1028" name="Picture 4">
+            <a:extLst>
+              <a:ext uri="{FF2B5EF4-FFF2-40B4-BE49-F238E27FC236}">
+                <a16:creationId xmlns:a16="http://schemas.microsoft.com/office/drawing/2014/main" id="{8872F004-15AE-B0E7-C204-E363873DE101}"/>
+              </a:ext>
+            </a:extLst>
+          </p:cNvPr>
+          <p:cNvPicPr>
+            <a:picLocks noChangeAspect="1" noChangeArrowheads="1"/>
+          </p:cNvPicPr>
+          <p:nvPr/>
+        </p:nvPicPr>
+        <p:blipFill rotWithShape="1">
+          <a:blip r:embed="rId3">
+            <a:extLst>
+              <a:ext uri="{28A0092B-C50C-407E-A947-70E740481C1C}">
+                <a14:useLocalDpi xmlns:a14="http://schemas.microsoft.com/office/drawing/2010/main" val="0"/>
+              </a:ext>
+            </a:extLst>
+          </a:blip>
+          <a:srcRect t="5324"/>
+          <a:stretch/>
+        </p:blipFill>
+        <p:spPr bwMode="auto">
+          <a:xfrm>
+            <a:off x="4600217" y="3006969"/>
+            <a:ext cx="3709601" cy="3050930"/>
+          </a:xfrm>
+          <a:prstGeom prst="rect">
+            <a:avLst/>
+          </a:prstGeom>
+          <a:noFill/>
+          <a:extLst>
+            <a:ext uri="{909E8E84-426E-40DD-AFC4-6F175D3DCCD1}">
+              <a14:hiddenFill xmlns:a14="http://schemas.microsoft.com/office/drawing/2010/main">
+                <a:solidFill>
+                  <a:srgbClr val="FFFFFF"/>
+                </a:solidFill>
+              </a14:hiddenFill>
+            </a:ext>
+          </a:extLst>
+        </p:spPr>
+      </p:pic>
+      <p:sp>
+        <p:nvSpPr>
+          <p:cNvPr id="8" name="TextBox 7">
+            <a:extLst>
+              <a:ext uri="{FF2B5EF4-FFF2-40B4-BE49-F238E27FC236}">
+                <a16:creationId xmlns:a16="http://schemas.microsoft.com/office/drawing/2014/main" id="{4CB07BD4-9FAC-8235-8B7A-5680ABEB373F}"/>
+              </a:ext>
+            </a:extLst>
+          </p:cNvPr>
+          <p:cNvSpPr txBox="1"/>
+          <p:nvPr/>
+        </p:nvSpPr>
+        <p:spPr>
+          <a:xfrm>
+            <a:off x="4525871" y="2562975"/>
+            <a:ext cx="3858292" cy="369332"/>
+          </a:xfrm>
+          <a:prstGeom prst="rect">
+            <a:avLst/>
+          </a:prstGeom>
+          <a:noFill/>
+        </p:spPr>
+        <p:txBody>
+          <a:bodyPr wrap="square">
+            <a:spAutoFit/>
+          </a:bodyPr>
+          <a:lstStyle/>
+          <a:p>
+            <a:pPr algn="ctr"/>
+            <a:r>
+              <a:rPr lang="en-GB" b="1" i="0" dirty="0">
+                <a:solidFill>
+                  <a:srgbClr val="000000"/>
+                </a:solidFill>
+                <a:effectLst/>
+                <a:latin typeface="Helvetica Neue"/>
+              </a:rPr>
+              <a:t>A bandpass filter (0.1-0.4Hz)</a:t>
+            </a:r>
+          </a:p>
+        </p:txBody>
+      </p:sp>
+      <p:pic>
+        <p:nvPicPr>
+          <p:cNvPr id="1030" name="Picture 6">
+            <a:extLst>
+              <a:ext uri="{FF2B5EF4-FFF2-40B4-BE49-F238E27FC236}">
+                <a16:creationId xmlns:a16="http://schemas.microsoft.com/office/drawing/2014/main" id="{B3ABA6F9-3439-013E-1992-223118E9A9AB}"/>
+              </a:ext>
+            </a:extLst>
+          </p:cNvPr>
+          <p:cNvPicPr>
+            <a:picLocks noChangeAspect="1" noChangeArrowheads="1"/>
+          </p:cNvPicPr>
+          <p:nvPr/>
+        </p:nvPicPr>
+        <p:blipFill rotWithShape="1">
+          <a:blip r:embed="rId4">
+            <a:extLst>
+              <a:ext uri="{28A0092B-C50C-407E-A947-70E740481C1C}">
+                <a14:useLocalDpi xmlns:a14="http://schemas.microsoft.com/office/drawing/2010/main" val="0"/>
+              </a:ext>
+            </a:extLst>
+          </a:blip>
+          <a:srcRect t="1864" b="-1"/>
+          <a:stretch/>
+        </p:blipFill>
+        <p:spPr bwMode="auto">
+          <a:xfrm>
+            <a:off x="217778" y="3006969"/>
+            <a:ext cx="1949525" cy="3050930"/>
+          </a:xfrm>
+          <a:prstGeom prst="rect">
+            <a:avLst/>
+          </a:prstGeom>
+          <a:noFill/>
+          <a:extLst>
+            <a:ext uri="{909E8E84-426E-40DD-AFC4-6F175D3DCCD1}">
+              <a14:hiddenFill xmlns:a14="http://schemas.microsoft.com/office/drawing/2010/main">
+                <a:solidFill>
+                  <a:srgbClr val="FFFFFF"/>
+                </a:solidFill>
+              </a14:hiddenFill>
+            </a:ext>
+          </a:extLst>
+        </p:spPr>
+      </p:pic>
+      <p:pic>
+        <p:nvPicPr>
+          <p:cNvPr id="1032" name="Picture 8">
+            <a:extLst>
+              <a:ext uri="{FF2B5EF4-FFF2-40B4-BE49-F238E27FC236}">
+                <a16:creationId xmlns:a16="http://schemas.microsoft.com/office/drawing/2014/main" id="{C5656E64-5DB9-4225-F457-A871E0823551}"/>
+              </a:ext>
+            </a:extLst>
+          </p:cNvPr>
+          <p:cNvPicPr>
+            <a:picLocks noChangeAspect="1" noChangeArrowheads="1"/>
+          </p:cNvPicPr>
+          <p:nvPr/>
+        </p:nvPicPr>
+        <p:blipFill rotWithShape="1">
+          <a:blip r:embed="rId5">
+            <a:extLst>
+              <a:ext uri="{28A0092B-C50C-407E-A947-70E740481C1C}">
+                <a14:useLocalDpi xmlns:a14="http://schemas.microsoft.com/office/drawing/2010/main" val="0"/>
+              </a:ext>
+            </a:extLst>
+          </a:blip>
+          <a:srcRect t="2564"/>
+          <a:stretch/>
+        </p:blipFill>
+        <p:spPr bwMode="auto">
+          <a:xfrm>
+            <a:off x="2494883" y="3006969"/>
+            <a:ext cx="1945414" cy="3050930"/>
+          </a:xfrm>
+          <a:prstGeom prst="rect">
+            <a:avLst/>
+          </a:prstGeom>
+          <a:noFill/>
+          <a:extLst>
+            <a:ext uri="{909E8E84-426E-40DD-AFC4-6F175D3DCCD1}">
+              <a14:hiddenFill xmlns:a14="http://schemas.microsoft.com/office/drawing/2010/main">
+                <a:solidFill>
+                  <a:srgbClr val="FFFFFF"/>
+                </a:solidFill>
+              </a14:hiddenFill>
+            </a:ext>
+          </a:extLst>
+        </p:spPr>
+      </p:pic>
+      <p:pic>
+        <p:nvPicPr>
+          <p:cNvPr id="1034" name="Picture 10">
+            <a:extLst>
+              <a:ext uri="{FF2B5EF4-FFF2-40B4-BE49-F238E27FC236}">
+                <a16:creationId xmlns:a16="http://schemas.microsoft.com/office/drawing/2014/main" id="{C5732E1D-C9F2-B9E4-3DD0-524453DD6684}"/>
+              </a:ext>
+            </a:extLst>
+          </p:cNvPr>
+          <p:cNvPicPr>
+            <a:picLocks noChangeAspect="1" noChangeArrowheads="1"/>
+          </p:cNvPicPr>
+          <p:nvPr/>
+        </p:nvPicPr>
+        <p:blipFill rotWithShape="1">
+          <a:blip r:embed="rId6">
+            <a:extLst>
+              <a:ext uri="{28A0092B-C50C-407E-A947-70E740481C1C}">
+                <a14:useLocalDpi xmlns:a14="http://schemas.microsoft.com/office/drawing/2010/main" val="0"/>
+              </a:ext>
+            </a:extLst>
+          </a:blip>
+          <a:srcRect t="8589"/>
+          <a:stretch/>
+        </p:blipFill>
+        <p:spPr bwMode="auto">
+          <a:xfrm>
+            <a:off x="8544083" y="3006969"/>
+            <a:ext cx="3091164" cy="3050930"/>
+          </a:xfrm>
+          <a:prstGeom prst="rect">
+            <a:avLst/>
+          </a:prstGeom>
+          <a:noFill/>
+          <a:extLst>
+            <a:ext uri="{909E8E84-426E-40DD-AFC4-6F175D3DCCD1}">
+              <a14:hiddenFill xmlns:a14="http://schemas.microsoft.com/office/drawing/2010/main">
+                <a:solidFill>
+                  <a:srgbClr val="FFFFFF"/>
+                </a:solidFill>
+              </a14:hiddenFill>
+            </a:ext>
+          </a:extLst>
+        </p:spPr>
+      </p:pic>
+      <p:sp>
+        <p:nvSpPr>
+          <p:cNvPr id="9" name="TextBox 8">
+            <a:extLst>
+              <a:ext uri="{FF2B5EF4-FFF2-40B4-BE49-F238E27FC236}">
+                <a16:creationId xmlns:a16="http://schemas.microsoft.com/office/drawing/2014/main" id="{5CE6CE83-7C99-BC13-94CF-5B8DDA3C0DB6}"/>
+              </a:ext>
+            </a:extLst>
+          </p:cNvPr>
+          <p:cNvSpPr txBox="1"/>
+          <p:nvPr/>
+        </p:nvSpPr>
+        <p:spPr>
+          <a:xfrm>
+            <a:off x="8544083" y="1824311"/>
+            <a:ext cx="3091164" cy="1200329"/>
+          </a:xfrm>
+          <a:prstGeom prst="rect">
+            <a:avLst/>
+          </a:prstGeom>
+          <a:noFill/>
+        </p:spPr>
+        <p:txBody>
+          <a:bodyPr wrap="square">
+            <a:spAutoFit/>
+          </a:bodyPr>
+          <a:lstStyle/>
+          <a:p>
+            <a:pPr algn="ctr"/>
+            <a:r>
+              <a:rPr lang="en-GB" b="1" i="0" dirty="0">
+                <a:solidFill>
+                  <a:srgbClr val="000000"/>
+                </a:solidFill>
+                <a:effectLst/>
+                <a:latin typeface="Helvetica Neue"/>
+              </a:rPr>
+              <a:t>Normalised cross-correlation </a:t>
+            </a:r>
+          </a:p>
+          <a:p>
+            <a:pPr algn="ctr"/>
+            <a:r>
+              <a:rPr lang="en-GB" b="1" dirty="0">
+                <a:solidFill>
+                  <a:srgbClr val="000000"/>
+                </a:solidFill>
+                <a:latin typeface="Helvetica Neue"/>
+              </a:rPr>
+              <a:t>+</a:t>
+            </a:r>
+          </a:p>
+          <a:p>
+            <a:pPr algn="ctr"/>
+            <a:r>
+              <a:rPr lang="en-GB" b="1" i="0" dirty="0">
+                <a:solidFill>
+                  <a:srgbClr val="000000"/>
+                </a:solidFill>
+                <a:effectLst/>
+                <a:latin typeface="Helvetica Neue"/>
+              </a:rPr>
+              <a:t>Filter</a:t>
             </a:r>
           </a:p>
         </p:txBody>
@@ -4697,4 +6104,299 @@
     </a:ext>
   </a:extLst>
 </a:theme>
+</file>
+
+<file path=ppt/theme/theme2.xml><?xml version="1.0" encoding="utf-8"?>
+<a:theme xmlns:a="http://schemas.openxmlformats.org/drawingml/2006/main" name="Office Theme">
+  <a:themeElements>
+    <a:clrScheme name="Office">
+      <a:dk1>
+        <a:sysClr val="windowText" lastClr="000000"/>
+      </a:dk1>
+      <a:lt1>
+        <a:sysClr val="window" lastClr="FFFFFF"/>
+      </a:lt1>
+      <a:dk2>
+        <a:srgbClr val="44546A"/>
+      </a:dk2>
+      <a:lt2>
+        <a:srgbClr val="E7E6E6"/>
+      </a:lt2>
+      <a:accent1>
+        <a:srgbClr val="4472C4"/>
+      </a:accent1>
+      <a:accent2>
+        <a:srgbClr val="ED7D31"/>
+      </a:accent2>
+      <a:accent3>
+        <a:srgbClr val="A5A5A5"/>
+      </a:accent3>
+      <a:accent4>
+        <a:srgbClr val="FFC000"/>
+      </a:accent4>
+      <a:accent5>
+        <a:srgbClr val="5B9BD5"/>
+      </a:accent5>
+      <a:accent6>
+        <a:srgbClr val="70AD47"/>
+      </a:accent6>
+      <a:hlink>
+        <a:srgbClr val="0563C1"/>
+      </a:hlink>
+      <a:folHlink>
+        <a:srgbClr val="954F72"/>
+      </a:folHlink>
+    </a:clrScheme>
+    <a:fontScheme name="Office">
+      <a:majorFont>
+        <a:latin typeface="Calibri Light" panose="020F0302020204030204"/>
+        <a:ea typeface=""/>
+        <a:cs typeface=""/>
+        <a:font script="Jpan" typeface="游ゴシック Light"/>
+        <a:font script="Hang" typeface="맑은 고딕"/>
+        <a:font script="Hans" typeface="等线 Light"/>
+        <a:font script="Hant" typeface="新細明體"/>
+        <a:font script="Arab" typeface="Times New Roman"/>
+        <a:font script="Hebr" typeface="Times New Roman"/>
+        <a:font script="Thai" typeface="Angsana New"/>
+        <a:font script="Ethi" typeface="Nyala"/>
+        <a:font script="Beng" typeface="Vrinda"/>
+        <a:font script="Gujr" typeface="Shruti"/>
+        <a:font script="Khmr" typeface="MoolBoran"/>
+        <a:font script="Knda" typeface="Tunga"/>
+        <a:font script="Guru" typeface="Raavi"/>
+        <a:font script="Cans" typeface="Euphemia"/>
+        <a:font script="Cher" typeface="Plantagenet Cherokee"/>
+        <a:font script="Yiii" typeface="Microsoft Yi Baiti"/>
+        <a:font script="Tibt" typeface="Microsoft Himalaya"/>
+        <a:font script="Thaa" typeface="MV Boli"/>
+        <a:font script="Deva" typeface="Mangal"/>
+        <a:font script="Telu" typeface="Gautami"/>
+        <a:font script="Taml" typeface="Latha"/>
+        <a:font script="Syrc" typeface="Estrangelo Edessa"/>
+        <a:font script="Orya" typeface="Kalinga"/>
+        <a:font script="Mlym" typeface="Kartika"/>
+        <a:font script="Laoo" typeface="DokChampa"/>
+        <a:font script="Sinh" typeface="Iskoola Pota"/>
+        <a:font script="Mong" typeface="Mongolian Baiti"/>
+        <a:font script="Viet" typeface="Times New Roman"/>
+        <a:font script="Uigh" typeface="Microsoft Uighur"/>
+        <a:font script="Geor" typeface="Sylfaen"/>
+        <a:font script="Armn" typeface="Arial"/>
+        <a:font script="Bugi" typeface="Leelawadee UI"/>
+        <a:font script="Bopo" typeface="Microsoft JhengHei"/>
+        <a:font script="Java" typeface="Javanese Text"/>
+        <a:font script="Lisu" typeface="Segoe UI"/>
+        <a:font script="Mymr" typeface="Myanmar Text"/>
+        <a:font script="Nkoo" typeface="Ebrima"/>
+        <a:font script="Olck" typeface="Nirmala UI"/>
+        <a:font script="Osma" typeface="Ebrima"/>
+        <a:font script="Phag" typeface="Phagspa"/>
+        <a:font script="Syrn" typeface="Estrangelo Edessa"/>
+        <a:font script="Syrj" typeface="Estrangelo Edessa"/>
+        <a:font script="Syre" typeface="Estrangelo Edessa"/>
+        <a:font script="Sora" typeface="Nirmala UI"/>
+        <a:font script="Tale" typeface="Microsoft Tai Le"/>
+        <a:font script="Talu" typeface="Microsoft New Tai Lue"/>
+        <a:font script="Tfng" typeface="Ebrima"/>
+      </a:majorFont>
+      <a:minorFont>
+        <a:latin typeface="Calibri" panose="020F0502020204030204"/>
+        <a:ea typeface=""/>
+        <a:cs typeface=""/>
+        <a:font script="Jpan" typeface="游ゴシック"/>
+        <a:font script="Hang" typeface="맑은 고딕"/>
+        <a:font script="Hans" typeface="等线"/>
+        <a:font script="Hant" typeface="新細明體"/>
+        <a:font script="Arab" typeface="Arial"/>
+        <a:font script="Hebr" typeface="Arial"/>
+        <a:font script="Thai" typeface="Cordia New"/>
+        <a:font script="Ethi" typeface="Nyala"/>
+        <a:font script="Beng" typeface="Vrinda"/>
+        <a:font script="Gujr" typeface="Shruti"/>
+        <a:font script="Khmr" typeface="DaunPenh"/>
+        <a:font script="Knda" typeface="Tunga"/>
+        <a:font script="Guru" typeface="Raavi"/>
+        <a:font script="Cans" typeface="Euphemia"/>
+        <a:font script="Cher" typeface="Plantagenet Cherokee"/>
+        <a:font script="Yiii" typeface="Microsoft Yi Baiti"/>
+        <a:font script="Tibt" typeface="Microsoft Himalaya"/>
+        <a:font script="Thaa" typeface="MV Boli"/>
+        <a:font script="Deva" typeface="Mangal"/>
+        <a:font script="Telu" typeface="Gautami"/>
+        <a:font script="Taml" typeface="Latha"/>
+        <a:font script="Syrc" typeface="Estrangelo Edessa"/>
+        <a:font script="Orya" typeface="Kalinga"/>
+        <a:font script="Mlym" typeface="Kartika"/>
+        <a:font script="Laoo" typeface="DokChampa"/>
+        <a:font script="Sinh" typeface="Iskoola Pota"/>
+        <a:font script="Mong" typeface="Mongolian Baiti"/>
+        <a:font script="Viet" typeface="Arial"/>
+        <a:font script="Uigh" typeface="Microsoft Uighur"/>
+        <a:font script="Geor" typeface="Sylfaen"/>
+        <a:font script="Armn" typeface="Arial"/>
+        <a:font script="Bugi" typeface="Leelawadee UI"/>
+        <a:font script="Bopo" typeface="Microsoft JhengHei"/>
+        <a:font script="Java" typeface="Javanese Text"/>
+        <a:font script="Lisu" typeface="Segoe UI"/>
+        <a:font script="Mymr" typeface="Myanmar Text"/>
+        <a:font script="Nkoo" typeface="Ebrima"/>
+        <a:font script="Olck" typeface="Nirmala UI"/>
+        <a:font script="Osma" typeface="Ebrima"/>
+        <a:font script="Phag" typeface="Phagspa"/>
+        <a:font script="Syrn" typeface="Estrangelo Edessa"/>
+        <a:font script="Syrj" typeface="Estrangelo Edessa"/>
+        <a:font script="Syre" typeface="Estrangelo Edessa"/>
+        <a:font script="Sora" typeface="Nirmala UI"/>
+        <a:font script="Tale" typeface="Microsoft Tai Le"/>
+        <a:font script="Talu" typeface="Microsoft New Tai Lue"/>
+        <a:font script="Tfng" typeface="Ebrima"/>
+      </a:minorFont>
+    </a:fontScheme>
+    <a:fmtScheme name="Office">
+      <a:fillStyleLst>
+        <a:solidFill>
+          <a:schemeClr val="phClr"/>
+        </a:solidFill>
+        <a:gradFill rotWithShape="1">
+          <a:gsLst>
+            <a:gs pos="0">
+              <a:schemeClr val="phClr">
+                <a:lumMod val="110000"/>
+                <a:satMod val="105000"/>
+                <a:tint val="67000"/>
+              </a:schemeClr>
+            </a:gs>
+            <a:gs pos="50000">
+              <a:schemeClr val="phClr">
+                <a:lumMod val="105000"/>
+                <a:satMod val="103000"/>
+                <a:tint val="73000"/>
+              </a:schemeClr>
+            </a:gs>
+            <a:gs pos="100000">
+              <a:schemeClr val="phClr">
+                <a:lumMod val="105000"/>
+                <a:satMod val="109000"/>
+                <a:tint val="81000"/>
+              </a:schemeClr>
+            </a:gs>
+          </a:gsLst>
+          <a:lin ang="5400000" scaled="0"/>
+        </a:gradFill>
+        <a:gradFill rotWithShape="1">
+          <a:gsLst>
+            <a:gs pos="0">
+              <a:schemeClr val="phClr">
+                <a:satMod val="103000"/>
+                <a:lumMod val="102000"/>
+                <a:tint val="94000"/>
+              </a:schemeClr>
+            </a:gs>
+            <a:gs pos="50000">
+              <a:schemeClr val="phClr">
+                <a:satMod val="110000"/>
+                <a:lumMod val="100000"/>
+                <a:shade val="100000"/>
+              </a:schemeClr>
+            </a:gs>
+            <a:gs pos="100000">
+              <a:schemeClr val="phClr">
+                <a:lumMod val="99000"/>
+                <a:satMod val="120000"/>
+                <a:shade val="78000"/>
+              </a:schemeClr>
+            </a:gs>
+          </a:gsLst>
+          <a:lin ang="5400000" scaled="0"/>
+        </a:gradFill>
+      </a:fillStyleLst>
+      <a:lnStyleLst>
+        <a:ln w="6350" cap="flat" cmpd="sng" algn="ctr">
+          <a:solidFill>
+            <a:schemeClr val="phClr"/>
+          </a:solidFill>
+          <a:prstDash val="solid"/>
+          <a:miter lim="800000"/>
+        </a:ln>
+        <a:ln w="12700" cap="flat" cmpd="sng" algn="ctr">
+          <a:solidFill>
+            <a:schemeClr val="phClr"/>
+          </a:solidFill>
+          <a:prstDash val="solid"/>
+          <a:miter lim="800000"/>
+        </a:ln>
+        <a:ln w="19050" cap="flat" cmpd="sng" algn="ctr">
+          <a:solidFill>
+            <a:schemeClr val="phClr"/>
+          </a:solidFill>
+          <a:prstDash val="solid"/>
+          <a:miter lim="800000"/>
+        </a:ln>
+      </a:lnStyleLst>
+      <a:effectStyleLst>
+        <a:effectStyle>
+          <a:effectLst/>
+        </a:effectStyle>
+        <a:effectStyle>
+          <a:effectLst/>
+        </a:effectStyle>
+        <a:effectStyle>
+          <a:effectLst>
+            <a:outerShdw blurRad="57150" dist="19050" dir="5400000" algn="ctr" rotWithShape="0">
+              <a:srgbClr val="000000">
+                <a:alpha val="63000"/>
+              </a:srgbClr>
+            </a:outerShdw>
+          </a:effectLst>
+        </a:effectStyle>
+      </a:effectStyleLst>
+      <a:bgFillStyleLst>
+        <a:solidFill>
+          <a:schemeClr val="phClr"/>
+        </a:solidFill>
+        <a:solidFill>
+          <a:schemeClr val="phClr">
+            <a:tint val="95000"/>
+            <a:satMod val="170000"/>
+          </a:schemeClr>
+        </a:solidFill>
+        <a:gradFill rotWithShape="1">
+          <a:gsLst>
+            <a:gs pos="0">
+              <a:schemeClr val="phClr">
+                <a:tint val="93000"/>
+                <a:satMod val="150000"/>
+                <a:shade val="98000"/>
+                <a:lumMod val="102000"/>
+              </a:schemeClr>
+            </a:gs>
+            <a:gs pos="50000">
+              <a:schemeClr val="phClr">
+                <a:tint val="98000"/>
+                <a:satMod val="130000"/>
+                <a:shade val="90000"/>
+                <a:lumMod val="103000"/>
+              </a:schemeClr>
+            </a:gs>
+            <a:gs pos="100000">
+              <a:schemeClr val="phClr">
+                <a:shade val="63000"/>
+                <a:satMod val="120000"/>
+              </a:schemeClr>
+            </a:gs>
+          </a:gsLst>
+          <a:lin ang="5400000" scaled="0"/>
+        </a:gradFill>
+      </a:bgFillStyleLst>
+    </a:fmtScheme>
+  </a:themeElements>
+  <a:objectDefaults/>
+  <a:extraClrSchemeLst/>
+  <a:extLst>
+    <a:ext uri="{05A4C25C-085E-4340-85A3-A5531E510DB2}">
+      <thm15:themeFamily xmlns:thm15="http://schemas.microsoft.com/office/thememl/2012/main" name="Office Theme" id="{62F939B6-93AF-4DB8-9C6B-D6C7DFDC589F}" vid="{4A3C46E8-61CC-4603-A589-7422A47A8E4A}"/>
+    </a:ext>
+  </a:extLst>
+</a:theme>
 </file>
--- a/Aoibhe_Turner_Heaney_Algorithm_Challenge_Presentation.pptx
+++ b/Aoibhe_Turner_Heaney_Algorithm_Challenge_Presentation.pptx
@@ -5,7 +5,7 @@
     <p:sldMasterId id="2147483648" r:id="rId1"/>
   </p:sldMasterIdLst>
   <p:notesMasterIdLst>
-    <p:notesMasterId r:id="rId7"/>
+    <p:notesMasterId r:id="rId8"/>
   </p:notesMasterIdLst>
   <p:sldIdLst>
     <p:sldId id="256" r:id="rId2"/>
@@ -13,6 +13,7 @@
     <p:sldId id="259" r:id="rId4"/>
     <p:sldId id="260" r:id="rId5"/>
     <p:sldId id="261" r:id="rId6"/>
+    <p:sldId id="262" r:id="rId7"/>
   </p:sldIdLst>
   <p:sldSz cx="12192000" cy="6858000"/>
   <p:notesSz cx="6858000" cy="9144000"/>
@@ -201,7 +202,7 @@
           <a:p>
             <a:fld id="{B251274C-9E05-463D-A6D2-5191F17F7D06}" type="datetimeFigureOut">
               <a:rPr lang="en-GB" smtClean="0"/>
-              <a:t>22/02/2023</a:t>
+              <a:t>23/02/2023</a:t>
             </a:fld>
             <a:endParaRPr lang="en-GB"/>
           </a:p>
@@ -753,6 +754,90 @@
 </p:notes>
 </file>
 
+<file path=ppt/notesSlides/notesSlide4.xml><?xml version="1.0" encoding="utf-8"?>
+<p:notes xmlns:a="http://schemas.openxmlformats.org/drawingml/2006/main" xmlns:r="http://schemas.openxmlformats.org/officeDocument/2006/relationships" xmlns:p="http://schemas.openxmlformats.org/presentationml/2006/main">
+  <p:cSld>
+    <p:spTree>
+      <p:nvGrpSpPr>
+        <p:cNvPr id="1" name=""/>
+        <p:cNvGrpSpPr/>
+        <p:nvPr/>
+      </p:nvGrpSpPr>
+      <p:grpSpPr>
+        <a:xfrm>
+          <a:off x="0" y="0"/>
+          <a:ext cx="0" cy="0"/>
+          <a:chOff x="0" y="0"/>
+          <a:chExt cx="0" cy="0"/>
+        </a:xfrm>
+      </p:grpSpPr>
+      <p:sp>
+        <p:nvSpPr>
+          <p:cNvPr id="2" name="Slide Image Placeholder 1"/>
+          <p:cNvSpPr>
+            <a:spLocks noGrp="1" noRot="1" noChangeAspect="1"/>
+          </p:cNvSpPr>
+          <p:nvPr>
+            <p:ph type="sldImg"/>
+          </p:nvPr>
+        </p:nvSpPr>
+        <p:spPr/>
+      </p:sp>
+      <p:sp>
+        <p:nvSpPr>
+          <p:cNvPr id="3" name="Notes Placeholder 2"/>
+          <p:cNvSpPr>
+            <a:spLocks noGrp="1"/>
+          </p:cNvSpPr>
+          <p:nvPr>
+            <p:ph type="body" idx="1"/>
+          </p:nvPr>
+        </p:nvSpPr>
+        <p:spPr/>
+        <p:txBody>
+          <a:bodyPr/>
+          <a:lstStyle/>
+          <a:p>
+            <a:endParaRPr lang="en-GB" dirty="0"/>
+          </a:p>
+        </p:txBody>
+      </p:sp>
+      <p:sp>
+        <p:nvSpPr>
+          <p:cNvPr id="4" name="Slide Number Placeholder 3"/>
+          <p:cNvSpPr>
+            <a:spLocks noGrp="1"/>
+          </p:cNvSpPr>
+          <p:nvPr>
+            <p:ph type="sldNum" sz="quarter" idx="5"/>
+          </p:nvPr>
+        </p:nvSpPr>
+        <p:spPr/>
+        <p:txBody>
+          <a:bodyPr/>
+          <a:lstStyle/>
+          <a:p>
+            <a:fld id="{E850A081-4800-4D98-A991-16D1ADC2C2CE}" type="slidenum">
+              <a:rPr lang="en-GB" smtClean="0"/>
+              <a:t>6</a:t>
+            </a:fld>
+            <a:endParaRPr lang="en-GB"/>
+          </a:p>
+        </p:txBody>
+      </p:sp>
+    </p:spTree>
+    <p:extLst>
+      <p:ext uri="{BB962C8B-B14F-4D97-AF65-F5344CB8AC3E}">
+        <p14:creationId xmlns:p14="http://schemas.microsoft.com/office/powerpoint/2010/main" val="828985708"/>
+      </p:ext>
+    </p:extLst>
+  </p:cSld>
+  <p:clrMapOvr>
+    <a:masterClrMapping/>
+  </p:clrMapOvr>
+</p:notes>
+</file>
+
 <file path=ppt/slideLayouts/slideLayout1.xml><?xml version="1.0" encoding="utf-8"?>
 <p:sldLayout xmlns:a="http://schemas.openxmlformats.org/drawingml/2006/main" xmlns:r="http://schemas.openxmlformats.org/officeDocument/2006/relationships" xmlns:p="http://schemas.openxmlformats.org/presentationml/2006/main" type="title" preserve="1">
   <p:cSld name="Title Slide">
@@ -902,7 +987,7 @@
           <a:p>
             <a:fld id="{3FE6759C-BA5D-4983-9113-8105D26C98D4}" type="datetimeFigureOut">
               <a:rPr lang="en-GB" smtClean="0"/>
-              <a:t>22/02/2023</a:t>
+              <a:t>23/02/2023</a:t>
             </a:fld>
             <a:endParaRPr lang="en-GB"/>
           </a:p>
@@ -1102,7 +1187,7 @@
           <a:p>
             <a:fld id="{3FE6759C-BA5D-4983-9113-8105D26C98D4}" type="datetimeFigureOut">
               <a:rPr lang="en-GB" smtClean="0"/>
-              <a:t>22/02/2023</a:t>
+              <a:t>23/02/2023</a:t>
             </a:fld>
             <a:endParaRPr lang="en-GB"/>
           </a:p>
@@ -1312,7 +1397,7 @@
           <a:p>
             <a:fld id="{3FE6759C-BA5D-4983-9113-8105D26C98D4}" type="datetimeFigureOut">
               <a:rPr lang="en-GB" smtClean="0"/>
-              <a:t>22/02/2023</a:t>
+              <a:t>23/02/2023</a:t>
             </a:fld>
             <a:endParaRPr lang="en-GB"/>
           </a:p>
@@ -1512,7 +1597,7 @@
           <a:p>
             <a:fld id="{3FE6759C-BA5D-4983-9113-8105D26C98D4}" type="datetimeFigureOut">
               <a:rPr lang="en-GB" smtClean="0"/>
-              <a:t>22/02/2023</a:t>
+              <a:t>23/02/2023</a:t>
             </a:fld>
             <a:endParaRPr lang="en-GB"/>
           </a:p>
@@ -1788,7 +1873,7 @@
           <a:p>
             <a:fld id="{3FE6759C-BA5D-4983-9113-8105D26C98D4}" type="datetimeFigureOut">
               <a:rPr lang="en-GB" smtClean="0"/>
-              <a:t>22/02/2023</a:t>
+              <a:t>23/02/2023</a:t>
             </a:fld>
             <a:endParaRPr lang="en-GB"/>
           </a:p>
@@ -2056,7 +2141,7 @@
           <a:p>
             <a:fld id="{3FE6759C-BA5D-4983-9113-8105D26C98D4}" type="datetimeFigureOut">
               <a:rPr lang="en-GB" smtClean="0"/>
-              <a:t>22/02/2023</a:t>
+              <a:t>23/02/2023</a:t>
             </a:fld>
             <a:endParaRPr lang="en-GB"/>
           </a:p>
@@ -2471,7 +2556,7 @@
           <a:p>
             <a:fld id="{3FE6759C-BA5D-4983-9113-8105D26C98D4}" type="datetimeFigureOut">
               <a:rPr lang="en-GB" smtClean="0"/>
-              <a:t>22/02/2023</a:t>
+              <a:t>23/02/2023</a:t>
             </a:fld>
             <a:endParaRPr lang="en-GB"/>
           </a:p>
@@ -2613,7 +2698,7 @@
           <a:p>
             <a:fld id="{3FE6759C-BA5D-4983-9113-8105D26C98D4}" type="datetimeFigureOut">
               <a:rPr lang="en-GB" smtClean="0"/>
-              <a:t>22/02/2023</a:t>
+              <a:t>23/02/2023</a:t>
             </a:fld>
             <a:endParaRPr lang="en-GB"/>
           </a:p>
@@ -2726,7 +2811,7 @@
           <a:p>
             <a:fld id="{3FE6759C-BA5D-4983-9113-8105D26C98D4}" type="datetimeFigureOut">
               <a:rPr lang="en-GB" smtClean="0"/>
-              <a:t>22/02/2023</a:t>
+              <a:t>23/02/2023</a:t>
             </a:fld>
             <a:endParaRPr lang="en-GB"/>
           </a:p>
@@ -3039,7 +3124,7 @@
           <a:p>
             <a:fld id="{3FE6759C-BA5D-4983-9113-8105D26C98D4}" type="datetimeFigureOut">
               <a:rPr lang="en-GB" smtClean="0"/>
-              <a:t>22/02/2023</a:t>
+              <a:t>23/02/2023</a:t>
             </a:fld>
             <a:endParaRPr lang="en-GB"/>
           </a:p>
@@ -3328,7 +3413,7 @@
           <a:p>
             <a:fld id="{3FE6759C-BA5D-4983-9113-8105D26C98D4}" type="datetimeFigureOut">
               <a:rPr lang="en-GB" smtClean="0"/>
-              <a:t>22/02/2023</a:t>
+              <a:t>23/02/2023</a:t>
             </a:fld>
             <a:endParaRPr lang="en-GB"/>
           </a:p>
@@ -3571,7 +3656,7 @@
           <a:p>
             <a:fld id="{3FE6759C-BA5D-4983-9113-8105D26C98D4}" type="datetimeFigureOut">
               <a:rPr lang="en-GB" smtClean="0"/>
-              <a:t>22/02/2023</a:t>
+              <a:t>23/02/2023</a:t>
             </a:fld>
             <a:endParaRPr lang="en-GB"/>
           </a:p>
@@ -4042,14 +4127,40 @@
             <p:ph type="subTitle" idx="1"/>
           </p:nvPr>
         </p:nvSpPr>
-        <p:spPr/>
-        <p:txBody>
-          <a:bodyPr/>
+        <p:spPr>
+          <a:xfrm>
+            <a:off x="1524000" y="4369776"/>
+            <a:ext cx="9144000" cy="888023"/>
+          </a:xfrm>
+        </p:spPr>
+        <p:txBody>
+          <a:bodyPr>
+            <a:normAutofit fontScale="77500" lnSpcReduction="20000"/>
+          </a:bodyPr>
           <a:lstStyle/>
           <a:p>
             <a:r>
-              <a:rPr lang="en-GB" dirty="0"/>
+              <a:rPr lang="en-GB" sz="2600" dirty="0"/>
               <a:t>Aoibhe Turner-Heaney</a:t>
+            </a:r>
+          </a:p>
+          <a:p>
+            <a:endParaRPr lang="en-GB" sz="1800" dirty="0"/>
+          </a:p>
+          <a:p>
+            <a:r>
+              <a:rPr lang="en-GB" sz="1800" dirty="0"/>
+              <a:t>GitHub repository: </a:t>
+            </a:r>
+            <a:r>
+              <a:rPr lang="en-GB" sz="1800" dirty="0">
+                <a:hlinkClick r:id="rId2"/>
+              </a:rPr>
+              <a:t>https://github.com/AoibheT-H/Algorithm_Challenge</a:t>
+            </a:r>
+            <a:r>
+              <a:rPr lang="en-GB" sz="1800" dirty="0"/>
+              <a:t> </a:t>
             </a:r>
           </a:p>
         </p:txBody>
@@ -4131,6 +4242,4165 @@
         </p:nvSpPr>
         <p:spPr>
           <a:xfrm>
+            <a:off x="1426977" y="3361216"/>
+            <a:ext cx="1087821" cy="1102792"/>
+          </a:xfrm>
+          <a:prstGeom prst="roundRect">
+            <a:avLst/>
+          </a:prstGeom>
+          <a:solidFill>
+            <a:schemeClr val="accent2"/>
+          </a:solidFill>
+        </p:spPr>
+        <p:style>
+          <a:lnRef idx="2">
+            <a:schemeClr val="accent2">
+              <a:shade val="50000"/>
+            </a:schemeClr>
+          </a:lnRef>
+          <a:fillRef idx="1">
+            <a:schemeClr val="accent2"/>
+          </a:fillRef>
+          <a:effectRef idx="0">
+            <a:schemeClr val="accent2"/>
+          </a:effectRef>
+          <a:fontRef idx="minor">
+            <a:schemeClr val="lt1"/>
+          </a:fontRef>
+        </p:style>
+        <p:txBody>
+          <a:bodyPr rtlCol="0" anchor="ctr"/>
+          <a:lstStyle/>
+          <a:p>
+            <a:pPr algn="ctr"/>
+            <a:r>
+              <a:rPr lang="en-GB" dirty="0"/>
+              <a:t>Original Signals</a:t>
+            </a:r>
+          </a:p>
+        </p:txBody>
+      </p:sp>
+      <p:pic>
+        <p:nvPicPr>
+          <p:cNvPr id="2050" name="Picture 2">
+            <a:extLst>
+              <a:ext uri="{FF2B5EF4-FFF2-40B4-BE49-F238E27FC236}">
+                <a16:creationId xmlns:a16="http://schemas.microsoft.com/office/drawing/2014/main" id="{F8A2DA04-BA3B-F72F-EA30-0CA130BCA844}"/>
+              </a:ext>
+            </a:extLst>
+          </p:cNvPr>
+          <p:cNvPicPr>
+            <a:picLocks noChangeAspect="1" noChangeArrowheads="1"/>
+          </p:cNvPicPr>
+          <p:nvPr/>
+        </p:nvPicPr>
+        <p:blipFill rotWithShape="1">
+          <a:blip r:embed="rId3">
+            <a:extLst>
+              <a:ext uri="{28A0092B-C50C-407E-A947-70E740481C1C}">
+                <a14:useLocalDpi xmlns:a14="http://schemas.microsoft.com/office/drawing/2010/main" val="0"/>
+              </a:ext>
+            </a:extLst>
+          </a:blip>
+          <a:srcRect t="9310" b="45633"/>
+          <a:stretch/>
+        </p:blipFill>
+        <p:spPr bwMode="auto">
+          <a:xfrm>
+            <a:off x="3620101" y="2087482"/>
+            <a:ext cx="7266836" cy="3650259"/>
+          </a:xfrm>
+          <a:prstGeom prst="rect">
+            <a:avLst/>
+          </a:prstGeom>
+          <a:noFill/>
+          <a:extLst>
+            <a:ext uri="{909E8E84-426E-40DD-AFC4-6F175D3DCCD1}">
+              <a14:hiddenFill xmlns:a14="http://schemas.microsoft.com/office/drawing/2010/main">
+                <a:solidFill>
+                  <a:srgbClr val="FFFFFF"/>
+                </a:solidFill>
+              </a14:hiddenFill>
+            </a:ext>
+          </a:extLst>
+        </p:spPr>
+      </p:pic>
+      <p:sp>
+        <p:nvSpPr>
+          <p:cNvPr id="3" name="Rectangle: Rounded Corners 2">
+            <a:extLst>
+              <a:ext uri="{FF2B5EF4-FFF2-40B4-BE49-F238E27FC236}">
+                <a16:creationId xmlns:a16="http://schemas.microsoft.com/office/drawing/2014/main" id="{3BB90B76-0D26-AC17-AEC0-354F574D23BE}"/>
+              </a:ext>
+            </a:extLst>
+          </p:cNvPr>
+          <p:cNvSpPr/>
+          <p:nvPr/>
+        </p:nvSpPr>
+        <p:spPr>
+          <a:xfrm>
+            <a:off x="2898426" y="2709835"/>
+            <a:ext cx="1321676" cy="2329356"/>
+          </a:xfrm>
+          <a:prstGeom prst="roundRect">
+            <a:avLst/>
+          </a:prstGeom>
+          <a:solidFill>
+            <a:srgbClr val="FFC000"/>
+          </a:solidFill>
+        </p:spPr>
+        <p:style>
+          <a:lnRef idx="2">
+            <a:schemeClr val="accent4">
+              <a:shade val="50000"/>
+            </a:schemeClr>
+          </a:lnRef>
+          <a:fillRef idx="1">
+            <a:schemeClr val="accent4"/>
+          </a:fillRef>
+          <a:effectRef idx="0">
+            <a:schemeClr val="accent4"/>
+          </a:effectRef>
+          <a:fontRef idx="minor">
+            <a:schemeClr val="lt1"/>
+          </a:fontRef>
+        </p:style>
+        <p:txBody>
+          <a:bodyPr rtlCol="0" anchor="ctr"/>
+          <a:lstStyle/>
+          <a:p>
+            <a:pPr algn="ctr"/>
+            <a:r>
+              <a:rPr lang="en-GB" dirty="0"/>
+              <a:t>Moving-average filter </a:t>
+            </a:r>
+          </a:p>
+          <a:p>
+            <a:pPr algn="ctr"/>
+            <a:endParaRPr lang="en-GB" sz="1400" dirty="0"/>
+          </a:p>
+          <a:p>
+            <a:pPr algn="ctr"/>
+            <a:r>
+              <a:rPr lang="en-GB" sz="1400" dirty="0"/>
+              <a:t>(~63 seconds)</a:t>
+            </a:r>
+            <a:endParaRPr lang="en-GB" dirty="0"/>
+          </a:p>
+        </p:txBody>
+      </p:sp>
+      <p:cxnSp>
+        <p:nvCxnSpPr>
+          <p:cNvPr id="10" name="Straight Arrow Connector 9">
+            <a:extLst>
+              <a:ext uri="{FF2B5EF4-FFF2-40B4-BE49-F238E27FC236}">
+                <a16:creationId xmlns:a16="http://schemas.microsoft.com/office/drawing/2014/main" id="{DA45C702-FE11-2EBA-1B97-45F522A35014}"/>
+              </a:ext>
+            </a:extLst>
+          </p:cNvPr>
+          <p:cNvCxnSpPr>
+            <a:endCxn id="3" idx="1"/>
+          </p:cNvCxnSpPr>
+          <p:nvPr/>
+        </p:nvCxnSpPr>
+        <p:spPr>
+          <a:xfrm>
+            <a:off x="2514798" y="3874512"/>
+            <a:ext cx="383628" cy="1"/>
+          </a:xfrm>
+          <a:prstGeom prst="straightConnector1">
+            <a:avLst/>
+          </a:prstGeom>
+          <a:ln w="38100">
+            <a:solidFill>
+              <a:srgbClr val="111111"/>
+            </a:solidFill>
+            <a:tailEnd type="triangle"/>
+          </a:ln>
+        </p:spPr>
+        <p:style>
+          <a:lnRef idx="1">
+            <a:schemeClr val="accent1"/>
+          </a:lnRef>
+          <a:fillRef idx="0">
+            <a:schemeClr val="accent1"/>
+          </a:fillRef>
+          <a:effectRef idx="0">
+            <a:schemeClr val="accent1"/>
+          </a:effectRef>
+          <a:fontRef idx="minor">
+            <a:schemeClr val="tx1"/>
+          </a:fontRef>
+        </p:style>
+      </p:cxnSp>
+      <p:pic>
+        <p:nvPicPr>
+          <p:cNvPr id="17" name="Picture 4">
+            <a:extLst>
+              <a:ext uri="{FF2B5EF4-FFF2-40B4-BE49-F238E27FC236}">
+                <a16:creationId xmlns:a16="http://schemas.microsoft.com/office/drawing/2014/main" id="{EAEF06D8-4B4F-2821-163A-D9D8E78888A8}"/>
+              </a:ext>
+            </a:extLst>
+          </p:cNvPr>
+          <p:cNvPicPr>
+            <a:picLocks noChangeAspect="1" noChangeArrowheads="1"/>
+          </p:cNvPicPr>
+          <p:nvPr/>
+        </p:nvPicPr>
+        <p:blipFill rotWithShape="1">
+          <a:blip r:embed="rId4">
+            <a:extLst>
+              <a:ext uri="{28A0092B-C50C-407E-A947-70E740481C1C}">
+                <a14:useLocalDpi xmlns:a14="http://schemas.microsoft.com/office/drawing/2010/main" val="0"/>
+              </a:ext>
+            </a:extLst>
+          </a:blip>
+          <a:srcRect t="5324"/>
+          <a:stretch/>
+        </p:blipFill>
+        <p:spPr bwMode="auto">
+          <a:xfrm>
+            <a:off x="5030735" y="1312261"/>
+            <a:ext cx="5045569" cy="5200700"/>
+          </a:xfrm>
+          <a:prstGeom prst="rect">
+            <a:avLst/>
+          </a:prstGeom>
+          <a:noFill/>
+          <a:extLst>
+            <a:ext uri="{909E8E84-426E-40DD-AFC4-6F175D3DCCD1}">
+              <a14:hiddenFill xmlns:a14="http://schemas.microsoft.com/office/drawing/2010/main">
+                <a:solidFill>
+                  <a:srgbClr val="FFFFFF"/>
+                </a:solidFill>
+              </a14:hiddenFill>
+            </a:ext>
+          </a:extLst>
+        </p:spPr>
+      </p:pic>
+      <p:sp>
+        <p:nvSpPr>
+          <p:cNvPr id="18" name="Rectangle: Rounded Corners 17">
+            <a:extLst>
+              <a:ext uri="{FF2B5EF4-FFF2-40B4-BE49-F238E27FC236}">
+                <a16:creationId xmlns:a16="http://schemas.microsoft.com/office/drawing/2014/main" id="{2E4AFD1C-92CB-BB6A-42CE-F618F0F54B5A}"/>
+              </a:ext>
+            </a:extLst>
+          </p:cNvPr>
+          <p:cNvSpPr/>
+          <p:nvPr/>
+        </p:nvSpPr>
+        <p:spPr>
+          <a:xfrm>
+            <a:off x="4581394" y="2709835"/>
+            <a:ext cx="1321676" cy="2329356"/>
+          </a:xfrm>
+          <a:prstGeom prst="roundRect">
+            <a:avLst/>
+          </a:prstGeom>
+        </p:spPr>
+        <p:style>
+          <a:lnRef idx="2">
+            <a:schemeClr val="accent3">
+              <a:shade val="50000"/>
+            </a:schemeClr>
+          </a:lnRef>
+          <a:fillRef idx="1">
+            <a:schemeClr val="accent3"/>
+          </a:fillRef>
+          <a:effectRef idx="0">
+            <a:schemeClr val="accent3"/>
+          </a:effectRef>
+          <a:fontRef idx="minor">
+            <a:schemeClr val="lt1"/>
+          </a:fontRef>
+        </p:style>
+        <p:txBody>
+          <a:bodyPr rtlCol="0" anchor="ctr"/>
+          <a:lstStyle/>
+          <a:p>
+            <a:pPr algn="ctr"/>
+            <a:r>
+              <a:rPr lang="en-GB" dirty="0"/>
+              <a:t>Low-pass filter</a:t>
+            </a:r>
+          </a:p>
+        </p:txBody>
+      </p:sp>
+      <p:cxnSp>
+        <p:nvCxnSpPr>
+          <p:cNvPr id="19" name="Straight Arrow Connector 18">
+            <a:extLst>
+              <a:ext uri="{FF2B5EF4-FFF2-40B4-BE49-F238E27FC236}">
+                <a16:creationId xmlns:a16="http://schemas.microsoft.com/office/drawing/2014/main" id="{617AE57A-32FB-C6F6-A996-28BE4B358411}"/>
+              </a:ext>
+            </a:extLst>
+          </p:cNvPr>
+          <p:cNvCxnSpPr/>
+          <p:nvPr/>
+        </p:nvCxnSpPr>
+        <p:spPr>
+          <a:xfrm>
+            <a:off x="4220102" y="3874512"/>
+            <a:ext cx="383628" cy="1"/>
+          </a:xfrm>
+          <a:prstGeom prst="straightConnector1">
+            <a:avLst/>
+          </a:prstGeom>
+          <a:ln w="38100">
+            <a:solidFill>
+              <a:srgbClr val="111111"/>
+            </a:solidFill>
+            <a:tailEnd type="triangle"/>
+          </a:ln>
+        </p:spPr>
+        <p:style>
+          <a:lnRef idx="1">
+            <a:schemeClr val="accent1"/>
+          </a:lnRef>
+          <a:fillRef idx="0">
+            <a:schemeClr val="accent1"/>
+          </a:fillRef>
+          <a:effectRef idx="0">
+            <a:schemeClr val="accent1"/>
+          </a:effectRef>
+          <a:fontRef idx="minor">
+            <a:schemeClr val="tx1"/>
+          </a:fontRef>
+        </p:style>
+      </p:cxnSp>
+      <p:pic>
+        <p:nvPicPr>
+          <p:cNvPr id="20" name="Picture 6">
+            <a:extLst>
+              <a:ext uri="{FF2B5EF4-FFF2-40B4-BE49-F238E27FC236}">
+                <a16:creationId xmlns:a16="http://schemas.microsoft.com/office/drawing/2014/main" id="{5C4FE42A-6AC3-DF3C-A010-EF8A1934BD5E}"/>
+              </a:ext>
+            </a:extLst>
+          </p:cNvPr>
+          <p:cNvPicPr>
+            <a:picLocks noChangeAspect="1" noChangeArrowheads="1"/>
+          </p:cNvPicPr>
+          <p:nvPr/>
+        </p:nvPicPr>
+        <p:blipFill rotWithShape="1">
+          <a:blip r:embed="rId5">
+            <a:extLst>
+              <a:ext uri="{28A0092B-C50C-407E-A947-70E740481C1C}">
+                <a14:useLocalDpi xmlns:a14="http://schemas.microsoft.com/office/drawing/2010/main" val="0"/>
+              </a:ext>
+            </a:extLst>
+          </a:blip>
+          <a:srcRect t="6604"/>
+          <a:stretch/>
+        </p:blipFill>
+        <p:spPr bwMode="auto">
+          <a:xfrm>
+            <a:off x="5974643" y="1307465"/>
+            <a:ext cx="3157752" cy="2349998"/>
+          </a:xfrm>
+          <a:prstGeom prst="rect">
+            <a:avLst/>
+          </a:prstGeom>
+          <a:noFill/>
+          <a:extLst>
+            <a:ext uri="{909E8E84-426E-40DD-AFC4-6F175D3DCCD1}">
+              <a14:hiddenFill xmlns:a14="http://schemas.microsoft.com/office/drawing/2010/main">
+                <a:solidFill>
+                  <a:srgbClr val="FFFFFF"/>
+                </a:solidFill>
+              </a14:hiddenFill>
+            </a:ext>
+          </a:extLst>
+        </p:spPr>
+      </p:pic>
+      <p:pic>
+        <p:nvPicPr>
+          <p:cNvPr id="21" name="Picture 8">
+            <a:extLst>
+              <a:ext uri="{FF2B5EF4-FFF2-40B4-BE49-F238E27FC236}">
+                <a16:creationId xmlns:a16="http://schemas.microsoft.com/office/drawing/2014/main" id="{FB962779-1B09-10B5-AB41-FCCF37430CAC}"/>
+              </a:ext>
+            </a:extLst>
+          </p:cNvPr>
+          <p:cNvPicPr>
+            <a:picLocks noChangeAspect="1" noChangeArrowheads="1"/>
+          </p:cNvPicPr>
+          <p:nvPr/>
+        </p:nvPicPr>
+        <p:blipFill rotWithShape="1">
+          <a:blip r:embed="rId6">
+            <a:extLst>
+              <a:ext uri="{28A0092B-C50C-407E-A947-70E740481C1C}">
+                <a14:useLocalDpi xmlns:a14="http://schemas.microsoft.com/office/drawing/2010/main" val="0"/>
+              </a:ext>
+            </a:extLst>
+          </a:blip>
+          <a:srcRect t="5324"/>
+          <a:stretch/>
+        </p:blipFill>
+        <p:spPr bwMode="auto">
+          <a:xfrm>
+            <a:off x="6006120" y="3657463"/>
+            <a:ext cx="3265760" cy="2937531"/>
+          </a:xfrm>
+          <a:prstGeom prst="rect">
+            <a:avLst/>
+          </a:prstGeom>
+          <a:noFill/>
+          <a:extLst>
+            <a:ext uri="{909E8E84-426E-40DD-AFC4-6F175D3DCCD1}">
+              <a14:hiddenFill xmlns:a14="http://schemas.microsoft.com/office/drawing/2010/main">
+                <a:solidFill>
+                  <a:srgbClr val="FFFFFF"/>
+                </a:solidFill>
+              </a14:hiddenFill>
+            </a:ext>
+          </a:extLst>
+        </p:spPr>
+      </p:pic>
+      <p:pic>
+        <p:nvPicPr>
+          <p:cNvPr id="22" name="Picture 10">
+            <a:extLst>
+              <a:ext uri="{FF2B5EF4-FFF2-40B4-BE49-F238E27FC236}">
+                <a16:creationId xmlns:a16="http://schemas.microsoft.com/office/drawing/2014/main" id="{F7F52AE6-5B7B-7DBE-9255-85CD660D972E}"/>
+              </a:ext>
+            </a:extLst>
+          </p:cNvPr>
+          <p:cNvPicPr>
+            <a:picLocks noChangeAspect="1" noChangeArrowheads="1"/>
+          </p:cNvPicPr>
+          <p:nvPr/>
+        </p:nvPicPr>
+        <p:blipFill rotWithShape="1">
+          <a:blip r:embed="rId7">
+            <a:extLst>
+              <a:ext uri="{28A0092B-C50C-407E-A947-70E740481C1C}">
+                <a14:useLocalDpi xmlns:a14="http://schemas.microsoft.com/office/drawing/2010/main" val="0"/>
+              </a:ext>
+            </a:extLst>
+          </a:blip>
+          <a:srcRect t="53883" r="66567"/>
+          <a:stretch/>
+        </p:blipFill>
+        <p:spPr bwMode="auto">
+          <a:xfrm>
+            <a:off x="9160970" y="1801947"/>
+            <a:ext cx="2013229" cy="2016934"/>
+          </a:xfrm>
+          <a:prstGeom prst="rect">
+            <a:avLst/>
+          </a:prstGeom>
+          <a:noFill/>
+          <a:extLst>
+            <a:ext uri="{909E8E84-426E-40DD-AFC4-6F175D3DCCD1}">
+              <a14:hiddenFill xmlns:a14="http://schemas.microsoft.com/office/drawing/2010/main">
+                <a:solidFill>
+                  <a:srgbClr val="FFFFFF"/>
+                </a:solidFill>
+              </a14:hiddenFill>
+            </a:ext>
+          </a:extLst>
+        </p:spPr>
+      </p:pic>
+      <p:pic>
+        <p:nvPicPr>
+          <p:cNvPr id="24" name="Picture 10">
+            <a:extLst>
+              <a:ext uri="{FF2B5EF4-FFF2-40B4-BE49-F238E27FC236}">
+                <a16:creationId xmlns:a16="http://schemas.microsoft.com/office/drawing/2014/main" id="{94F6F44F-F5CC-193F-AA57-543DCB910E5D}"/>
+              </a:ext>
+            </a:extLst>
+          </p:cNvPr>
+          <p:cNvPicPr>
+            <a:picLocks noChangeAspect="1" noChangeArrowheads="1"/>
+          </p:cNvPicPr>
+          <p:nvPr/>
+        </p:nvPicPr>
+        <p:blipFill rotWithShape="1">
+          <a:blip r:embed="rId7">
+            <a:extLst>
+              <a:ext uri="{28A0092B-C50C-407E-A947-70E740481C1C}">
+                <a14:useLocalDpi xmlns:a14="http://schemas.microsoft.com/office/drawing/2010/main" val="0"/>
+              </a:ext>
+            </a:extLst>
+          </a:blip>
+          <a:srcRect t="8200" r="66567" b="45682"/>
+          <a:stretch/>
+        </p:blipFill>
+        <p:spPr bwMode="auto">
+          <a:xfrm>
+            <a:off x="9159671" y="3930491"/>
+            <a:ext cx="2013229" cy="2016934"/>
+          </a:xfrm>
+          <a:prstGeom prst="rect">
+            <a:avLst/>
+          </a:prstGeom>
+          <a:noFill/>
+          <a:extLst>
+            <a:ext uri="{909E8E84-426E-40DD-AFC4-6F175D3DCCD1}">
+              <a14:hiddenFill xmlns:a14="http://schemas.microsoft.com/office/drawing/2010/main">
+                <a:solidFill>
+                  <a:srgbClr val="FFFFFF"/>
+                </a:solidFill>
+              </a14:hiddenFill>
+            </a:ext>
+          </a:extLst>
+        </p:spPr>
+      </p:pic>
+      <p:sp>
+        <p:nvSpPr>
+          <p:cNvPr id="25" name="Rectangle: Rounded Corners 24">
+            <a:extLst>
+              <a:ext uri="{FF2B5EF4-FFF2-40B4-BE49-F238E27FC236}">
+                <a16:creationId xmlns:a16="http://schemas.microsoft.com/office/drawing/2014/main" id="{166F79F9-D22B-221F-C29E-4267C1058D1A}"/>
+              </a:ext>
+            </a:extLst>
+          </p:cNvPr>
+          <p:cNvSpPr/>
+          <p:nvPr/>
+        </p:nvSpPr>
+        <p:spPr>
+          <a:xfrm>
+            <a:off x="6264362" y="2709835"/>
+            <a:ext cx="1321676" cy="2329356"/>
+          </a:xfrm>
+          <a:prstGeom prst="roundRect">
+            <a:avLst/>
+          </a:prstGeom>
+        </p:spPr>
+        <p:style>
+          <a:lnRef idx="2">
+            <a:schemeClr val="accent5">
+              <a:shade val="50000"/>
+            </a:schemeClr>
+          </a:lnRef>
+          <a:fillRef idx="1">
+            <a:schemeClr val="accent5"/>
+          </a:fillRef>
+          <a:effectRef idx="0">
+            <a:schemeClr val="accent5"/>
+          </a:effectRef>
+          <a:fontRef idx="minor">
+            <a:schemeClr val="lt1"/>
+          </a:fontRef>
+        </p:style>
+        <p:txBody>
+          <a:bodyPr rtlCol="0" anchor="ctr"/>
+          <a:lstStyle/>
+          <a:p>
+            <a:pPr algn="ctr"/>
+            <a:r>
+              <a:rPr lang="en-GB" dirty="0"/>
+              <a:t>Breath peaks identified</a:t>
+            </a:r>
+          </a:p>
+          <a:p>
+            <a:pPr algn="ctr"/>
+            <a:endParaRPr lang="en-GB" sz="1000" dirty="0"/>
+          </a:p>
+          <a:p>
+            <a:pPr algn="ctr"/>
+            <a:r>
+              <a:rPr lang="en-GB" sz="1400" dirty="0"/>
+              <a:t>(find_peaks() from scipy package)</a:t>
+            </a:r>
+            <a:endParaRPr lang="en-GB" sz="1000" dirty="0"/>
+          </a:p>
+        </p:txBody>
+      </p:sp>
+      <p:cxnSp>
+        <p:nvCxnSpPr>
+          <p:cNvPr id="26" name="Straight Arrow Connector 25">
+            <a:extLst>
+              <a:ext uri="{FF2B5EF4-FFF2-40B4-BE49-F238E27FC236}">
+                <a16:creationId xmlns:a16="http://schemas.microsoft.com/office/drawing/2014/main" id="{4C0E5508-C660-F929-856B-06EC384143FE}"/>
+              </a:ext>
+            </a:extLst>
+          </p:cNvPr>
+          <p:cNvCxnSpPr/>
+          <p:nvPr/>
+        </p:nvCxnSpPr>
+        <p:spPr>
+          <a:xfrm>
+            <a:off x="5903070" y="3874511"/>
+            <a:ext cx="383628" cy="1"/>
+          </a:xfrm>
+          <a:prstGeom prst="straightConnector1">
+            <a:avLst/>
+          </a:prstGeom>
+          <a:ln w="38100">
+            <a:solidFill>
+              <a:srgbClr val="111111"/>
+            </a:solidFill>
+            <a:tailEnd type="triangle"/>
+          </a:ln>
+        </p:spPr>
+        <p:style>
+          <a:lnRef idx="1">
+            <a:schemeClr val="accent1"/>
+          </a:lnRef>
+          <a:fillRef idx="0">
+            <a:schemeClr val="accent1"/>
+          </a:fillRef>
+          <a:effectRef idx="0">
+            <a:schemeClr val="accent1"/>
+          </a:effectRef>
+          <a:fontRef idx="minor">
+            <a:schemeClr val="tx1"/>
+          </a:fontRef>
+        </p:style>
+      </p:cxnSp>
+      <p:pic>
+        <p:nvPicPr>
+          <p:cNvPr id="28" name="Picture 22">
+            <a:extLst>
+              <a:ext uri="{FF2B5EF4-FFF2-40B4-BE49-F238E27FC236}">
+                <a16:creationId xmlns:a16="http://schemas.microsoft.com/office/drawing/2014/main" id="{2E35C324-3853-4D48-C750-C133DCE51C5F}"/>
+              </a:ext>
+            </a:extLst>
+          </p:cNvPr>
+          <p:cNvPicPr>
+            <a:picLocks noChangeAspect="1" noChangeArrowheads="1"/>
+          </p:cNvPicPr>
+          <p:nvPr/>
+        </p:nvPicPr>
+        <p:blipFill rotWithShape="1">
+          <a:blip r:embed="rId8">
+            <a:extLst>
+              <a:ext uri="{28A0092B-C50C-407E-A947-70E740481C1C}">
+                <a14:useLocalDpi xmlns:a14="http://schemas.microsoft.com/office/drawing/2010/main" val="0"/>
+              </a:ext>
+            </a:extLst>
+          </a:blip>
+          <a:srcRect l="485" t="6559" r="66432" b="46871"/>
+          <a:stretch/>
+        </p:blipFill>
+        <p:spPr bwMode="auto">
+          <a:xfrm>
+            <a:off x="8297705" y="1449773"/>
+            <a:ext cx="2303251" cy="2341736"/>
+          </a:xfrm>
+          <a:prstGeom prst="rect">
+            <a:avLst/>
+          </a:prstGeom>
+          <a:noFill/>
+          <a:extLst>
+            <a:ext uri="{909E8E84-426E-40DD-AFC4-6F175D3DCCD1}">
+              <a14:hiddenFill xmlns:a14="http://schemas.microsoft.com/office/drawing/2010/main">
+                <a:solidFill>
+                  <a:srgbClr val="FFFFFF"/>
+                </a:solidFill>
+              </a14:hiddenFill>
+            </a:ext>
+          </a:extLst>
+        </p:spPr>
+      </p:pic>
+      <p:pic>
+        <p:nvPicPr>
+          <p:cNvPr id="29" name="Picture 22">
+            <a:extLst>
+              <a:ext uri="{FF2B5EF4-FFF2-40B4-BE49-F238E27FC236}">
+                <a16:creationId xmlns:a16="http://schemas.microsoft.com/office/drawing/2014/main" id="{969040EB-471D-4DFA-FEE6-4F3044390522}"/>
+              </a:ext>
+            </a:extLst>
+          </p:cNvPr>
+          <p:cNvPicPr>
+            <a:picLocks noChangeAspect="1" noChangeArrowheads="1"/>
+          </p:cNvPicPr>
+          <p:nvPr/>
+        </p:nvPicPr>
+        <p:blipFill rotWithShape="1">
+          <a:blip r:embed="rId8">
+            <a:extLst>
+              <a:ext uri="{28A0092B-C50C-407E-A947-70E740481C1C}">
+                <a14:useLocalDpi xmlns:a14="http://schemas.microsoft.com/office/drawing/2010/main" val="0"/>
+              </a:ext>
+            </a:extLst>
+          </a:blip>
+          <a:srcRect t="53431" r="66460"/>
+          <a:stretch/>
+        </p:blipFill>
+        <p:spPr bwMode="auto">
+          <a:xfrm>
+            <a:off x="8222392" y="3904367"/>
+            <a:ext cx="2345137" cy="2351840"/>
+          </a:xfrm>
+          <a:prstGeom prst="rect">
+            <a:avLst/>
+          </a:prstGeom>
+          <a:noFill/>
+          <a:extLst>
+            <a:ext uri="{909E8E84-426E-40DD-AFC4-6F175D3DCCD1}">
+              <a14:hiddenFill xmlns:a14="http://schemas.microsoft.com/office/drawing/2010/main">
+                <a:solidFill>
+                  <a:srgbClr val="FFFFFF"/>
+                </a:solidFill>
+              </a14:hiddenFill>
+            </a:ext>
+          </a:extLst>
+        </p:spPr>
+      </p:pic>
+      <p:sp>
+        <p:nvSpPr>
+          <p:cNvPr id="30" name="Rectangle: Rounded Corners 29">
+            <a:extLst>
+              <a:ext uri="{FF2B5EF4-FFF2-40B4-BE49-F238E27FC236}">
+                <a16:creationId xmlns:a16="http://schemas.microsoft.com/office/drawing/2014/main" id="{0465518B-7520-CED2-40B1-464B47900189}"/>
+              </a:ext>
+            </a:extLst>
+          </p:cNvPr>
+          <p:cNvSpPr/>
+          <p:nvPr/>
+        </p:nvSpPr>
+        <p:spPr>
+          <a:xfrm>
+            <a:off x="7936411" y="2709835"/>
+            <a:ext cx="1321676" cy="2329356"/>
+          </a:xfrm>
+          <a:prstGeom prst="roundRect">
+            <a:avLst/>
+          </a:prstGeom>
+        </p:spPr>
+        <p:style>
+          <a:lnRef idx="2">
+            <a:schemeClr val="accent1">
+              <a:shade val="50000"/>
+            </a:schemeClr>
+          </a:lnRef>
+          <a:fillRef idx="1">
+            <a:schemeClr val="accent1"/>
+          </a:fillRef>
+          <a:effectRef idx="0">
+            <a:schemeClr val="accent1"/>
+          </a:effectRef>
+          <a:fontRef idx="minor">
+            <a:schemeClr val="lt1"/>
+          </a:fontRef>
+        </p:style>
+        <p:txBody>
+          <a:bodyPr rtlCol="0" anchor="ctr"/>
+          <a:lstStyle/>
+          <a:p>
+            <a:pPr algn="ctr"/>
+            <a:r>
+              <a:rPr lang="en-GB" dirty="0"/>
+              <a:t>Breath rate calculation</a:t>
+            </a:r>
+          </a:p>
+        </p:txBody>
+      </p:sp>
+      <p:cxnSp>
+        <p:nvCxnSpPr>
+          <p:cNvPr id="31" name="Straight Arrow Connector 30">
+            <a:extLst>
+              <a:ext uri="{FF2B5EF4-FFF2-40B4-BE49-F238E27FC236}">
+                <a16:creationId xmlns:a16="http://schemas.microsoft.com/office/drawing/2014/main" id="{46EA4B0F-06B9-12E1-AAA1-3F9664B8818A}"/>
+              </a:ext>
+            </a:extLst>
+          </p:cNvPr>
+          <p:cNvCxnSpPr/>
+          <p:nvPr/>
+        </p:nvCxnSpPr>
+        <p:spPr>
+          <a:xfrm>
+            <a:off x="7592197" y="3871746"/>
+            <a:ext cx="383628" cy="1"/>
+          </a:xfrm>
+          <a:prstGeom prst="straightConnector1">
+            <a:avLst/>
+          </a:prstGeom>
+          <a:ln w="38100">
+            <a:solidFill>
+              <a:srgbClr val="111111"/>
+            </a:solidFill>
+            <a:tailEnd type="triangle"/>
+          </a:ln>
+        </p:spPr>
+        <p:style>
+          <a:lnRef idx="1">
+            <a:schemeClr val="accent1"/>
+          </a:lnRef>
+          <a:fillRef idx="0">
+            <a:schemeClr val="accent1"/>
+          </a:fillRef>
+          <a:effectRef idx="0">
+            <a:schemeClr val="accent1"/>
+          </a:effectRef>
+          <a:fontRef idx="minor">
+            <a:schemeClr val="tx1"/>
+          </a:fontRef>
+        </p:style>
+      </p:cxnSp>
+      <p:sp>
+        <p:nvSpPr>
+          <p:cNvPr id="32" name="Rectangle: Rounded Corners 31">
+            <a:extLst>
+              <a:ext uri="{FF2B5EF4-FFF2-40B4-BE49-F238E27FC236}">
+                <a16:creationId xmlns:a16="http://schemas.microsoft.com/office/drawing/2014/main" id="{3C7390DC-B420-A186-29F3-30285C1C74C2}"/>
+              </a:ext>
+            </a:extLst>
+          </p:cNvPr>
+          <p:cNvSpPr/>
+          <p:nvPr/>
+        </p:nvSpPr>
+        <p:spPr>
+          <a:xfrm>
+            <a:off x="9635443" y="3319417"/>
+            <a:ext cx="1087821" cy="1102793"/>
+          </a:xfrm>
+          <a:prstGeom prst="roundRect">
+            <a:avLst/>
+          </a:prstGeom>
+        </p:spPr>
+        <p:style>
+          <a:lnRef idx="2">
+            <a:schemeClr val="accent6">
+              <a:shade val="50000"/>
+            </a:schemeClr>
+          </a:lnRef>
+          <a:fillRef idx="1">
+            <a:schemeClr val="accent6"/>
+          </a:fillRef>
+          <a:effectRef idx="0">
+            <a:schemeClr val="accent6"/>
+          </a:effectRef>
+          <a:fontRef idx="minor">
+            <a:schemeClr val="lt1"/>
+          </a:fontRef>
+        </p:style>
+        <p:txBody>
+          <a:bodyPr rtlCol="0" anchor="ctr"/>
+          <a:lstStyle/>
+          <a:p>
+            <a:pPr algn="ctr"/>
+            <a:r>
+              <a:rPr lang="en-GB" dirty="0"/>
+              <a:t>Breath rate (/min)</a:t>
+            </a:r>
+          </a:p>
+        </p:txBody>
+      </p:sp>
+      <p:cxnSp>
+        <p:nvCxnSpPr>
+          <p:cNvPr id="33" name="Straight Arrow Connector 32">
+            <a:extLst>
+              <a:ext uri="{FF2B5EF4-FFF2-40B4-BE49-F238E27FC236}">
+                <a16:creationId xmlns:a16="http://schemas.microsoft.com/office/drawing/2014/main" id="{0B83B010-B6B3-DB19-EB2A-21D2C9BE9BCF}"/>
+              </a:ext>
+            </a:extLst>
+          </p:cNvPr>
+          <p:cNvCxnSpPr/>
+          <p:nvPr/>
+        </p:nvCxnSpPr>
+        <p:spPr>
+          <a:xfrm>
+            <a:off x="9268897" y="3870811"/>
+            <a:ext cx="383628" cy="1"/>
+          </a:xfrm>
+          <a:prstGeom prst="straightConnector1">
+            <a:avLst/>
+          </a:prstGeom>
+          <a:ln w="38100">
+            <a:solidFill>
+              <a:srgbClr val="111111"/>
+            </a:solidFill>
+            <a:tailEnd type="triangle"/>
+          </a:ln>
+        </p:spPr>
+        <p:style>
+          <a:lnRef idx="1">
+            <a:schemeClr val="accent1"/>
+          </a:lnRef>
+          <a:fillRef idx="0">
+            <a:schemeClr val="accent1"/>
+          </a:fillRef>
+          <a:effectRef idx="0">
+            <a:schemeClr val="accent1"/>
+          </a:effectRef>
+          <a:fontRef idx="minor">
+            <a:schemeClr val="tx1"/>
+          </a:fontRef>
+        </p:style>
+      </p:cxnSp>
+      <p:pic>
+        <p:nvPicPr>
+          <p:cNvPr id="36" name="Picture 24">
+            <a:extLst>
+              <a:ext uri="{FF2B5EF4-FFF2-40B4-BE49-F238E27FC236}">
+                <a16:creationId xmlns:a16="http://schemas.microsoft.com/office/drawing/2014/main" id="{B1AD64E1-08DE-39BA-9F8C-9DCFB6060C6F}"/>
+              </a:ext>
+            </a:extLst>
+          </p:cNvPr>
+          <p:cNvPicPr>
+            <a:picLocks noChangeAspect="1" noChangeArrowheads="1"/>
+          </p:cNvPicPr>
+          <p:nvPr/>
+        </p:nvPicPr>
+        <p:blipFill rotWithShape="1">
+          <a:blip r:embed="rId9">
+            <a:extLst>
+              <a:ext uri="{28A0092B-C50C-407E-A947-70E740481C1C}">
+                <a14:useLocalDpi xmlns:a14="http://schemas.microsoft.com/office/drawing/2010/main" val="0"/>
+              </a:ext>
+            </a:extLst>
+          </a:blip>
+          <a:srcRect t="3556" b="44757"/>
+          <a:stretch/>
+        </p:blipFill>
+        <p:spPr bwMode="auto">
+          <a:xfrm>
+            <a:off x="3347767" y="1307105"/>
+            <a:ext cx="5306277" cy="2954620"/>
+          </a:xfrm>
+          <a:prstGeom prst="rect">
+            <a:avLst/>
+          </a:prstGeom>
+          <a:noFill/>
+          <a:extLst>
+            <a:ext uri="{909E8E84-426E-40DD-AFC4-6F175D3DCCD1}">
+              <a14:hiddenFill xmlns:a14="http://schemas.microsoft.com/office/drawing/2010/main">
+                <a:solidFill>
+                  <a:srgbClr val="FFFFFF"/>
+                </a:solidFill>
+              </a14:hiddenFill>
+            </a:ext>
+          </a:extLst>
+        </p:spPr>
+      </p:pic>
+    </p:spTree>
+    <p:extLst>
+      <p:ext uri="{BB962C8B-B14F-4D97-AF65-F5344CB8AC3E}">
+        <p14:creationId xmlns:p14="http://schemas.microsoft.com/office/powerpoint/2010/main" val="2902026646"/>
+      </p:ext>
+    </p:extLst>
+  </p:cSld>
+  <p:clrMapOvr>
+    <a:masterClrMapping/>
+  </p:clrMapOvr>
+  <p:timing>
+    <p:tnLst>
+      <p:par>
+        <p:cTn id="1" dur="indefinite" restart="never" nodeType="tmRoot">
+          <p:childTnLst>
+            <p:seq concurrent="1" nextAc="seek">
+              <p:cTn id="2" dur="indefinite" nodeType="mainSeq">
+                <p:childTnLst>
+                  <p:par>
+                    <p:cTn id="3" fill="hold">
+                      <p:stCondLst>
+                        <p:cond delay="indefinite"/>
+                      </p:stCondLst>
+                      <p:childTnLst>
+                        <p:par>
+                          <p:cTn id="4" fill="hold">
+                            <p:stCondLst>
+                              <p:cond delay="0"/>
+                            </p:stCondLst>
+                            <p:childTnLst>
+                              <p:par>
+                                <p:cTn id="5" presetID="10" presetClass="exit" presetSubtype="0" fill="hold" nodeType="clickEffect">
+                                  <p:stCondLst>
+                                    <p:cond delay="0"/>
+                                  </p:stCondLst>
+                                  <p:childTnLst>
+                                    <p:animEffect transition="out" filter="fade">
+                                      <p:cBhvr>
+                                        <p:cTn id="6" dur="500"/>
+                                        <p:tgtEl>
+                                          <p:spTgt spid="2050"/>
+                                        </p:tgtEl>
+                                      </p:cBhvr>
+                                    </p:animEffect>
+                                    <p:set>
+                                      <p:cBhvr>
+                                        <p:cTn id="7" dur="1" fill="hold">
+                                          <p:stCondLst>
+                                            <p:cond delay="499"/>
+                                          </p:stCondLst>
+                                        </p:cTn>
+                                        <p:tgtEl>
+                                          <p:spTgt spid="2050"/>
+                                        </p:tgtEl>
+                                        <p:attrNameLst>
+                                          <p:attrName>style.visibility</p:attrName>
+                                        </p:attrNameLst>
+                                      </p:cBhvr>
+                                      <p:to>
+                                        <p:strVal val="hidden"/>
+                                      </p:to>
+                                    </p:set>
+                                  </p:childTnLst>
+                                </p:cTn>
+                              </p:par>
+                              <p:par>
+                                <p:cTn id="8" presetID="10" presetClass="entr" presetSubtype="0" fill="hold" grpId="0" nodeType="withEffect">
+                                  <p:stCondLst>
+                                    <p:cond delay="0"/>
+                                  </p:stCondLst>
+                                  <p:childTnLst>
+                                    <p:set>
+                                      <p:cBhvr>
+                                        <p:cTn id="9" dur="1" fill="hold">
+                                          <p:stCondLst>
+                                            <p:cond delay="0"/>
+                                          </p:stCondLst>
+                                        </p:cTn>
+                                        <p:tgtEl>
+                                          <p:spTgt spid="3"/>
+                                        </p:tgtEl>
+                                        <p:attrNameLst>
+                                          <p:attrName>style.visibility</p:attrName>
+                                        </p:attrNameLst>
+                                      </p:cBhvr>
+                                      <p:to>
+                                        <p:strVal val="visible"/>
+                                      </p:to>
+                                    </p:set>
+                                    <p:animEffect transition="in" filter="fade">
+                                      <p:cBhvr>
+                                        <p:cTn id="10" dur="500"/>
+                                        <p:tgtEl>
+                                          <p:spTgt spid="3"/>
+                                        </p:tgtEl>
+                                      </p:cBhvr>
+                                    </p:animEffect>
+                                  </p:childTnLst>
+                                </p:cTn>
+                              </p:par>
+                              <p:par>
+                                <p:cTn id="11" presetID="10" presetClass="entr" presetSubtype="0" fill="hold" nodeType="withEffect">
+                                  <p:stCondLst>
+                                    <p:cond delay="0"/>
+                                  </p:stCondLst>
+                                  <p:childTnLst>
+                                    <p:set>
+                                      <p:cBhvr>
+                                        <p:cTn id="12" dur="1" fill="hold">
+                                          <p:stCondLst>
+                                            <p:cond delay="0"/>
+                                          </p:stCondLst>
+                                        </p:cTn>
+                                        <p:tgtEl>
+                                          <p:spTgt spid="10"/>
+                                        </p:tgtEl>
+                                        <p:attrNameLst>
+                                          <p:attrName>style.visibility</p:attrName>
+                                        </p:attrNameLst>
+                                      </p:cBhvr>
+                                      <p:to>
+                                        <p:strVal val="visible"/>
+                                      </p:to>
+                                    </p:set>
+                                    <p:animEffect transition="in" filter="fade">
+                                      <p:cBhvr>
+                                        <p:cTn id="13" dur="500"/>
+                                        <p:tgtEl>
+                                          <p:spTgt spid="10"/>
+                                        </p:tgtEl>
+                                      </p:cBhvr>
+                                    </p:animEffect>
+                                  </p:childTnLst>
+                                </p:cTn>
+                              </p:par>
+                              <p:par>
+                                <p:cTn id="14" presetID="1" presetClass="entr" presetSubtype="0" fill="hold" nodeType="withEffect">
+                                  <p:stCondLst>
+                                    <p:cond delay="0"/>
+                                  </p:stCondLst>
+                                  <p:childTnLst>
+                                    <p:set>
+                                      <p:cBhvr>
+                                        <p:cTn id="15" dur="1" fill="hold">
+                                          <p:stCondLst>
+                                            <p:cond delay="0"/>
+                                          </p:stCondLst>
+                                        </p:cTn>
+                                        <p:tgtEl>
+                                          <p:spTgt spid="17"/>
+                                        </p:tgtEl>
+                                        <p:attrNameLst>
+                                          <p:attrName>style.visibility</p:attrName>
+                                        </p:attrNameLst>
+                                      </p:cBhvr>
+                                      <p:to>
+                                        <p:strVal val="visible"/>
+                                      </p:to>
+                                    </p:set>
+                                  </p:childTnLst>
+                                </p:cTn>
+                              </p:par>
+                            </p:childTnLst>
+                          </p:cTn>
+                        </p:par>
+                      </p:childTnLst>
+                    </p:cTn>
+                  </p:par>
+                  <p:par>
+                    <p:cTn id="16" fill="hold">
+                      <p:stCondLst>
+                        <p:cond delay="indefinite"/>
+                      </p:stCondLst>
+                      <p:childTnLst>
+                        <p:par>
+                          <p:cTn id="17" fill="hold">
+                            <p:stCondLst>
+                              <p:cond delay="0"/>
+                            </p:stCondLst>
+                            <p:childTnLst>
+                              <p:par>
+                                <p:cTn id="18" presetID="1" presetClass="exit" presetSubtype="0" fill="hold" nodeType="clickEffect">
+                                  <p:stCondLst>
+                                    <p:cond delay="0"/>
+                                  </p:stCondLst>
+                                  <p:childTnLst>
+                                    <p:set>
+                                      <p:cBhvr>
+                                        <p:cTn id="19" dur="1" fill="hold">
+                                          <p:stCondLst>
+                                            <p:cond delay="0"/>
+                                          </p:stCondLst>
+                                        </p:cTn>
+                                        <p:tgtEl>
+                                          <p:spTgt spid="17"/>
+                                        </p:tgtEl>
+                                        <p:attrNameLst>
+                                          <p:attrName>style.visibility</p:attrName>
+                                        </p:attrNameLst>
+                                      </p:cBhvr>
+                                      <p:to>
+                                        <p:strVal val="hidden"/>
+                                      </p:to>
+                                    </p:set>
+                                  </p:childTnLst>
+                                </p:cTn>
+                              </p:par>
+                              <p:par>
+                                <p:cTn id="20" presetID="10" presetClass="entr" presetSubtype="0" fill="hold" nodeType="withEffect">
+                                  <p:stCondLst>
+                                    <p:cond delay="0"/>
+                                  </p:stCondLst>
+                                  <p:childTnLst>
+                                    <p:set>
+                                      <p:cBhvr>
+                                        <p:cTn id="21" dur="1" fill="hold">
+                                          <p:stCondLst>
+                                            <p:cond delay="0"/>
+                                          </p:stCondLst>
+                                        </p:cTn>
+                                        <p:tgtEl>
+                                          <p:spTgt spid="20"/>
+                                        </p:tgtEl>
+                                        <p:attrNameLst>
+                                          <p:attrName>style.visibility</p:attrName>
+                                        </p:attrNameLst>
+                                      </p:cBhvr>
+                                      <p:to>
+                                        <p:strVal val="visible"/>
+                                      </p:to>
+                                    </p:set>
+                                    <p:animEffect transition="in" filter="fade">
+                                      <p:cBhvr>
+                                        <p:cTn id="22" dur="500"/>
+                                        <p:tgtEl>
+                                          <p:spTgt spid="20"/>
+                                        </p:tgtEl>
+                                      </p:cBhvr>
+                                    </p:animEffect>
+                                  </p:childTnLst>
+                                </p:cTn>
+                              </p:par>
+                              <p:par>
+                                <p:cTn id="23" presetID="10" presetClass="entr" presetSubtype="0" fill="hold" grpId="0" nodeType="withEffect">
+                                  <p:stCondLst>
+                                    <p:cond delay="0"/>
+                                  </p:stCondLst>
+                                  <p:childTnLst>
+                                    <p:set>
+                                      <p:cBhvr>
+                                        <p:cTn id="24" dur="1" fill="hold">
+                                          <p:stCondLst>
+                                            <p:cond delay="0"/>
+                                          </p:stCondLst>
+                                        </p:cTn>
+                                        <p:tgtEl>
+                                          <p:spTgt spid="18"/>
+                                        </p:tgtEl>
+                                        <p:attrNameLst>
+                                          <p:attrName>style.visibility</p:attrName>
+                                        </p:attrNameLst>
+                                      </p:cBhvr>
+                                      <p:to>
+                                        <p:strVal val="visible"/>
+                                      </p:to>
+                                    </p:set>
+                                    <p:animEffect transition="in" filter="fade">
+                                      <p:cBhvr>
+                                        <p:cTn id="25" dur="500"/>
+                                        <p:tgtEl>
+                                          <p:spTgt spid="18"/>
+                                        </p:tgtEl>
+                                      </p:cBhvr>
+                                    </p:animEffect>
+                                  </p:childTnLst>
+                                </p:cTn>
+                              </p:par>
+                              <p:par>
+                                <p:cTn id="26" presetID="10" presetClass="entr" presetSubtype="0" fill="hold" nodeType="withEffect">
+                                  <p:stCondLst>
+                                    <p:cond delay="0"/>
+                                  </p:stCondLst>
+                                  <p:childTnLst>
+                                    <p:set>
+                                      <p:cBhvr>
+                                        <p:cTn id="27" dur="1" fill="hold">
+                                          <p:stCondLst>
+                                            <p:cond delay="0"/>
+                                          </p:stCondLst>
+                                        </p:cTn>
+                                        <p:tgtEl>
+                                          <p:spTgt spid="19"/>
+                                        </p:tgtEl>
+                                        <p:attrNameLst>
+                                          <p:attrName>style.visibility</p:attrName>
+                                        </p:attrNameLst>
+                                      </p:cBhvr>
+                                      <p:to>
+                                        <p:strVal val="visible"/>
+                                      </p:to>
+                                    </p:set>
+                                    <p:animEffect transition="in" filter="fade">
+                                      <p:cBhvr>
+                                        <p:cTn id="28" dur="500"/>
+                                        <p:tgtEl>
+                                          <p:spTgt spid="19"/>
+                                        </p:tgtEl>
+                                      </p:cBhvr>
+                                    </p:animEffect>
+                                  </p:childTnLst>
+                                </p:cTn>
+                              </p:par>
+                              <p:par>
+                                <p:cTn id="29" presetID="10" presetClass="entr" presetSubtype="0" fill="hold" nodeType="withEffect">
+                                  <p:stCondLst>
+                                    <p:cond delay="0"/>
+                                  </p:stCondLst>
+                                  <p:childTnLst>
+                                    <p:set>
+                                      <p:cBhvr>
+                                        <p:cTn id="30" dur="1" fill="hold">
+                                          <p:stCondLst>
+                                            <p:cond delay="0"/>
+                                          </p:stCondLst>
+                                        </p:cTn>
+                                        <p:tgtEl>
+                                          <p:spTgt spid="21"/>
+                                        </p:tgtEl>
+                                        <p:attrNameLst>
+                                          <p:attrName>style.visibility</p:attrName>
+                                        </p:attrNameLst>
+                                      </p:cBhvr>
+                                      <p:to>
+                                        <p:strVal val="visible"/>
+                                      </p:to>
+                                    </p:set>
+                                    <p:animEffect transition="in" filter="fade">
+                                      <p:cBhvr>
+                                        <p:cTn id="31" dur="500"/>
+                                        <p:tgtEl>
+                                          <p:spTgt spid="21"/>
+                                        </p:tgtEl>
+                                      </p:cBhvr>
+                                    </p:animEffect>
+                                  </p:childTnLst>
+                                </p:cTn>
+                              </p:par>
+                              <p:par>
+                                <p:cTn id="32" presetID="10" presetClass="entr" presetSubtype="0" fill="hold" nodeType="withEffect">
+                                  <p:stCondLst>
+                                    <p:cond delay="0"/>
+                                  </p:stCondLst>
+                                  <p:childTnLst>
+                                    <p:set>
+                                      <p:cBhvr>
+                                        <p:cTn id="33" dur="1" fill="hold">
+                                          <p:stCondLst>
+                                            <p:cond delay="0"/>
+                                          </p:stCondLst>
+                                        </p:cTn>
+                                        <p:tgtEl>
+                                          <p:spTgt spid="22"/>
+                                        </p:tgtEl>
+                                        <p:attrNameLst>
+                                          <p:attrName>style.visibility</p:attrName>
+                                        </p:attrNameLst>
+                                      </p:cBhvr>
+                                      <p:to>
+                                        <p:strVal val="visible"/>
+                                      </p:to>
+                                    </p:set>
+                                    <p:animEffect transition="in" filter="fade">
+                                      <p:cBhvr>
+                                        <p:cTn id="34" dur="500"/>
+                                        <p:tgtEl>
+                                          <p:spTgt spid="22"/>
+                                        </p:tgtEl>
+                                      </p:cBhvr>
+                                    </p:animEffect>
+                                  </p:childTnLst>
+                                </p:cTn>
+                              </p:par>
+                              <p:par>
+                                <p:cTn id="35" presetID="10" presetClass="entr" presetSubtype="0" fill="hold" nodeType="withEffect">
+                                  <p:stCondLst>
+                                    <p:cond delay="0"/>
+                                  </p:stCondLst>
+                                  <p:childTnLst>
+                                    <p:set>
+                                      <p:cBhvr>
+                                        <p:cTn id="36" dur="1" fill="hold">
+                                          <p:stCondLst>
+                                            <p:cond delay="0"/>
+                                          </p:stCondLst>
+                                        </p:cTn>
+                                        <p:tgtEl>
+                                          <p:spTgt spid="24"/>
+                                        </p:tgtEl>
+                                        <p:attrNameLst>
+                                          <p:attrName>style.visibility</p:attrName>
+                                        </p:attrNameLst>
+                                      </p:cBhvr>
+                                      <p:to>
+                                        <p:strVal val="visible"/>
+                                      </p:to>
+                                    </p:set>
+                                    <p:animEffect transition="in" filter="fade">
+                                      <p:cBhvr>
+                                        <p:cTn id="37" dur="500"/>
+                                        <p:tgtEl>
+                                          <p:spTgt spid="24"/>
+                                        </p:tgtEl>
+                                      </p:cBhvr>
+                                    </p:animEffect>
+                                  </p:childTnLst>
+                                </p:cTn>
+                              </p:par>
+                            </p:childTnLst>
+                          </p:cTn>
+                        </p:par>
+                      </p:childTnLst>
+                    </p:cTn>
+                  </p:par>
+                  <p:par>
+                    <p:cTn id="38" fill="hold">
+                      <p:stCondLst>
+                        <p:cond delay="indefinite"/>
+                      </p:stCondLst>
+                      <p:childTnLst>
+                        <p:par>
+                          <p:cTn id="39" fill="hold">
+                            <p:stCondLst>
+                              <p:cond delay="0"/>
+                            </p:stCondLst>
+                            <p:childTnLst>
+                              <p:par>
+                                <p:cTn id="40" presetID="1" presetClass="exit" presetSubtype="0" fill="hold" nodeType="clickEffect">
+                                  <p:stCondLst>
+                                    <p:cond delay="0"/>
+                                  </p:stCondLst>
+                                  <p:childTnLst>
+                                    <p:set>
+                                      <p:cBhvr>
+                                        <p:cTn id="41" dur="1" fill="hold">
+                                          <p:stCondLst>
+                                            <p:cond delay="0"/>
+                                          </p:stCondLst>
+                                        </p:cTn>
+                                        <p:tgtEl>
+                                          <p:spTgt spid="20"/>
+                                        </p:tgtEl>
+                                        <p:attrNameLst>
+                                          <p:attrName>style.visibility</p:attrName>
+                                        </p:attrNameLst>
+                                      </p:cBhvr>
+                                      <p:to>
+                                        <p:strVal val="hidden"/>
+                                      </p:to>
+                                    </p:set>
+                                  </p:childTnLst>
+                                </p:cTn>
+                              </p:par>
+                              <p:par>
+                                <p:cTn id="42" presetID="1" presetClass="exit" presetSubtype="0" fill="hold" nodeType="withEffect">
+                                  <p:stCondLst>
+                                    <p:cond delay="0"/>
+                                  </p:stCondLst>
+                                  <p:childTnLst>
+                                    <p:set>
+                                      <p:cBhvr>
+                                        <p:cTn id="43" dur="1" fill="hold">
+                                          <p:stCondLst>
+                                            <p:cond delay="0"/>
+                                          </p:stCondLst>
+                                        </p:cTn>
+                                        <p:tgtEl>
+                                          <p:spTgt spid="21"/>
+                                        </p:tgtEl>
+                                        <p:attrNameLst>
+                                          <p:attrName>style.visibility</p:attrName>
+                                        </p:attrNameLst>
+                                      </p:cBhvr>
+                                      <p:to>
+                                        <p:strVal val="hidden"/>
+                                      </p:to>
+                                    </p:set>
+                                  </p:childTnLst>
+                                </p:cTn>
+                              </p:par>
+                              <p:par>
+                                <p:cTn id="44" presetID="1" presetClass="exit" presetSubtype="0" fill="hold" nodeType="withEffect">
+                                  <p:stCondLst>
+                                    <p:cond delay="0"/>
+                                  </p:stCondLst>
+                                  <p:childTnLst>
+                                    <p:set>
+                                      <p:cBhvr>
+                                        <p:cTn id="45" dur="1" fill="hold">
+                                          <p:stCondLst>
+                                            <p:cond delay="0"/>
+                                          </p:stCondLst>
+                                        </p:cTn>
+                                        <p:tgtEl>
+                                          <p:spTgt spid="22"/>
+                                        </p:tgtEl>
+                                        <p:attrNameLst>
+                                          <p:attrName>style.visibility</p:attrName>
+                                        </p:attrNameLst>
+                                      </p:cBhvr>
+                                      <p:to>
+                                        <p:strVal val="hidden"/>
+                                      </p:to>
+                                    </p:set>
+                                  </p:childTnLst>
+                                </p:cTn>
+                              </p:par>
+                              <p:par>
+                                <p:cTn id="46" presetID="1" presetClass="exit" presetSubtype="0" fill="hold" nodeType="withEffect">
+                                  <p:stCondLst>
+                                    <p:cond delay="0"/>
+                                  </p:stCondLst>
+                                  <p:childTnLst>
+                                    <p:set>
+                                      <p:cBhvr>
+                                        <p:cTn id="47" dur="1" fill="hold">
+                                          <p:stCondLst>
+                                            <p:cond delay="0"/>
+                                          </p:stCondLst>
+                                        </p:cTn>
+                                        <p:tgtEl>
+                                          <p:spTgt spid="24"/>
+                                        </p:tgtEl>
+                                        <p:attrNameLst>
+                                          <p:attrName>style.visibility</p:attrName>
+                                        </p:attrNameLst>
+                                      </p:cBhvr>
+                                      <p:to>
+                                        <p:strVal val="hidden"/>
+                                      </p:to>
+                                    </p:set>
+                                  </p:childTnLst>
+                                </p:cTn>
+                              </p:par>
+                              <p:par>
+                                <p:cTn id="48" presetID="10" presetClass="entr" presetSubtype="0" fill="hold" nodeType="withEffect">
+                                  <p:stCondLst>
+                                    <p:cond delay="0"/>
+                                  </p:stCondLst>
+                                  <p:childTnLst>
+                                    <p:set>
+                                      <p:cBhvr>
+                                        <p:cTn id="49" dur="1" fill="hold">
+                                          <p:stCondLst>
+                                            <p:cond delay="0"/>
+                                          </p:stCondLst>
+                                        </p:cTn>
+                                        <p:tgtEl>
+                                          <p:spTgt spid="28"/>
+                                        </p:tgtEl>
+                                        <p:attrNameLst>
+                                          <p:attrName>style.visibility</p:attrName>
+                                        </p:attrNameLst>
+                                      </p:cBhvr>
+                                      <p:to>
+                                        <p:strVal val="visible"/>
+                                      </p:to>
+                                    </p:set>
+                                    <p:animEffect transition="in" filter="fade">
+                                      <p:cBhvr>
+                                        <p:cTn id="50" dur="500"/>
+                                        <p:tgtEl>
+                                          <p:spTgt spid="28"/>
+                                        </p:tgtEl>
+                                      </p:cBhvr>
+                                    </p:animEffect>
+                                  </p:childTnLst>
+                                </p:cTn>
+                              </p:par>
+                              <p:par>
+                                <p:cTn id="51" presetID="10" presetClass="entr" presetSubtype="0" fill="hold" nodeType="withEffect">
+                                  <p:stCondLst>
+                                    <p:cond delay="0"/>
+                                  </p:stCondLst>
+                                  <p:childTnLst>
+                                    <p:set>
+                                      <p:cBhvr>
+                                        <p:cTn id="52" dur="1" fill="hold">
+                                          <p:stCondLst>
+                                            <p:cond delay="0"/>
+                                          </p:stCondLst>
+                                        </p:cTn>
+                                        <p:tgtEl>
+                                          <p:spTgt spid="26"/>
+                                        </p:tgtEl>
+                                        <p:attrNameLst>
+                                          <p:attrName>style.visibility</p:attrName>
+                                        </p:attrNameLst>
+                                      </p:cBhvr>
+                                      <p:to>
+                                        <p:strVal val="visible"/>
+                                      </p:to>
+                                    </p:set>
+                                    <p:animEffect transition="in" filter="fade">
+                                      <p:cBhvr>
+                                        <p:cTn id="53" dur="500"/>
+                                        <p:tgtEl>
+                                          <p:spTgt spid="26"/>
+                                        </p:tgtEl>
+                                      </p:cBhvr>
+                                    </p:animEffect>
+                                  </p:childTnLst>
+                                </p:cTn>
+                              </p:par>
+                              <p:par>
+                                <p:cTn id="54" presetID="10" presetClass="entr" presetSubtype="0" fill="hold" grpId="0" nodeType="withEffect">
+                                  <p:stCondLst>
+                                    <p:cond delay="0"/>
+                                  </p:stCondLst>
+                                  <p:childTnLst>
+                                    <p:set>
+                                      <p:cBhvr>
+                                        <p:cTn id="55" dur="1" fill="hold">
+                                          <p:stCondLst>
+                                            <p:cond delay="0"/>
+                                          </p:stCondLst>
+                                        </p:cTn>
+                                        <p:tgtEl>
+                                          <p:spTgt spid="25"/>
+                                        </p:tgtEl>
+                                        <p:attrNameLst>
+                                          <p:attrName>style.visibility</p:attrName>
+                                        </p:attrNameLst>
+                                      </p:cBhvr>
+                                      <p:to>
+                                        <p:strVal val="visible"/>
+                                      </p:to>
+                                    </p:set>
+                                    <p:animEffect transition="in" filter="fade">
+                                      <p:cBhvr>
+                                        <p:cTn id="56" dur="500"/>
+                                        <p:tgtEl>
+                                          <p:spTgt spid="25"/>
+                                        </p:tgtEl>
+                                      </p:cBhvr>
+                                    </p:animEffect>
+                                  </p:childTnLst>
+                                </p:cTn>
+                              </p:par>
+                              <p:par>
+                                <p:cTn id="57" presetID="10" presetClass="entr" presetSubtype="0" fill="hold" nodeType="withEffect">
+                                  <p:stCondLst>
+                                    <p:cond delay="0"/>
+                                  </p:stCondLst>
+                                  <p:childTnLst>
+                                    <p:set>
+                                      <p:cBhvr>
+                                        <p:cTn id="58" dur="1" fill="hold">
+                                          <p:stCondLst>
+                                            <p:cond delay="0"/>
+                                          </p:stCondLst>
+                                        </p:cTn>
+                                        <p:tgtEl>
+                                          <p:spTgt spid="29"/>
+                                        </p:tgtEl>
+                                        <p:attrNameLst>
+                                          <p:attrName>style.visibility</p:attrName>
+                                        </p:attrNameLst>
+                                      </p:cBhvr>
+                                      <p:to>
+                                        <p:strVal val="visible"/>
+                                      </p:to>
+                                    </p:set>
+                                    <p:animEffect transition="in" filter="fade">
+                                      <p:cBhvr>
+                                        <p:cTn id="59" dur="500"/>
+                                        <p:tgtEl>
+                                          <p:spTgt spid="29"/>
+                                        </p:tgtEl>
+                                      </p:cBhvr>
+                                    </p:animEffect>
+                                  </p:childTnLst>
+                                </p:cTn>
+                              </p:par>
+                            </p:childTnLst>
+                          </p:cTn>
+                        </p:par>
+                      </p:childTnLst>
+                    </p:cTn>
+                  </p:par>
+                  <p:par>
+                    <p:cTn id="60" fill="hold">
+                      <p:stCondLst>
+                        <p:cond delay="indefinite"/>
+                      </p:stCondLst>
+                      <p:childTnLst>
+                        <p:par>
+                          <p:cTn id="61" fill="hold">
+                            <p:stCondLst>
+                              <p:cond delay="0"/>
+                            </p:stCondLst>
+                            <p:childTnLst>
+                              <p:par>
+                                <p:cTn id="62" presetID="1" presetClass="exit" presetSubtype="0" fill="hold" nodeType="clickEffect">
+                                  <p:stCondLst>
+                                    <p:cond delay="0"/>
+                                  </p:stCondLst>
+                                  <p:childTnLst>
+                                    <p:set>
+                                      <p:cBhvr>
+                                        <p:cTn id="63" dur="1" fill="hold">
+                                          <p:stCondLst>
+                                            <p:cond delay="0"/>
+                                          </p:stCondLst>
+                                        </p:cTn>
+                                        <p:tgtEl>
+                                          <p:spTgt spid="28"/>
+                                        </p:tgtEl>
+                                        <p:attrNameLst>
+                                          <p:attrName>style.visibility</p:attrName>
+                                        </p:attrNameLst>
+                                      </p:cBhvr>
+                                      <p:to>
+                                        <p:strVal val="hidden"/>
+                                      </p:to>
+                                    </p:set>
+                                  </p:childTnLst>
+                                </p:cTn>
+                              </p:par>
+                              <p:par>
+                                <p:cTn id="64" presetID="1" presetClass="exit" presetSubtype="0" fill="hold" nodeType="withEffect">
+                                  <p:stCondLst>
+                                    <p:cond delay="0"/>
+                                  </p:stCondLst>
+                                  <p:childTnLst>
+                                    <p:set>
+                                      <p:cBhvr>
+                                        <p:cTn id="65" dur="1" fill="hold">
+                                          <p:stCondLst>
+                                            <p:cond delay="0"/>
+                                          </p:stCondLst>
+                                        </p:cTn>
+                                        <p:tgtEl>
+                                          <p:spTgt spid="29"/>
+                                        </p:tgtEl>
+                                        <p:attrNameLst>
+                                          <p:attrName>style.visibility</p:attrName>
+                                        </p:attrNameLst>
+                                      </p:cBhvr>
+                                      <p:to>
+                                        <p:strVal val="hidden"/>
+                                      </p:to>
+                                    </p:set>
+                                  </p:childTnLst>
+                                </p:cTn>
+                              </p:par>
+                              <p:par>
+                                <p:cTn id="66" presetID="10" presetClass="entr" presetSubtype="0" fill="hold" nodeType="withEffect">
+                                  <p:stCondLst>
+                                    <p:cond delay="0"/>
+                                  </p:stCondLst>
+                                  <p:childTnLst>
+                                    <p:set>
+                                      <p:cBhvr>
+                                        <p:cTn id="67" dur="1" fill="hold">
+                                          <p:stCondLst>
+                                            <p:cond delay="0"/>
+                                          </p:stCondLst>
+                                        </p:cTn>
+                                        <p:tgtEl>
+                                          <p:spTgt spid="31"/>
+                                        </p:tgtEl>
+                                        <p:attrNameLst>
+                                          <p:attrName>style.visibility</p:attrName>
+                                        </p:attrNameLst>
+                                      </p:cBhvr>
+                                      <p:to>
+                                        <p:strVal val="visible"/>
+                                      </p:to>
+                                    </p:set>
+                                    <p:animEffect transition="in" filter="fade">
+                                      <p:cBhvr>
+                                        <p:cTn id="68" dur="500"/>
+                                        <p:tgtEl>
+                                          <p:spTgt spid="31"/>
+                                        </p:tgtEl>
+                                      </p:cBhvr>
+                                    </p:animEffect>
+                                  </p:childTnLst>
+                                </p:cTn>
+                              </p:par>
+                              <p:par>
+                                <p:cTn id="69" presetID="10" presetClass="entr" presetSubtype="0" fill="hold" grpId="0" nodeType="withEffect">
+                                  <p:stCondLst>
+                                    <p:cond delay="0"/>
+                                  </p:stCondLst>
+                                  <p:childTnLst>
+                                    <p:set>
+                                      <p:cBhvr>
+                                        <p:cTn id="70" dur="1" fill="hold">
+                                          <p:stCondLst>
+                                            <p:cond delay="0"/>
+                                          </p:stCondLst>
+                                        </p:cTn>
+                                        <p:tgtEl>
+                                          <p:spTgt spid="30"/>
+                                        </p:tgtEl>
+                                        <p:attrNameLst>
+                                          <p:attrName>style.visibility</p:attrName>
+                                        </p:attrNameLst>
+                                      </p:cBhvr>
+                                      <p:to>
+                                        <p:strVal val="visible"/>
+                                      </p:to>
+                                    </p:set>
+                                    <p:animEffect transition="in" filter="fade">
+                                      <p:cBhvr>
+                                        <p:cTn id="71" dur="500"/>
+                                        <p:tgtEl>
+                                          <p:spTgt spid="30"/>
+                                        </p:tgtEl>
+                                      </p:cBhvr>
+                                    </p:animEffect>
+                                  </p:childTnLst>
+                                </p:cTn>
+                              </p:par>
+                            </p:childTnLst>
+                          </p:cTn>
+                        </p:par>
+                      </p:childTnLst>
+                    </p:cTn>
+                  </p:par>
+                  <p:par>
+                    <p:cTn id="72" fill="hold">
+                      <p:stCondLst>
+                        <p:cond delay="indefinite"/>
+                      </p:stCondLst>
+                      <p:childTnLst>
+                        <p:par>
+                          <p:cTn id="73" fill="hold">
+                            <p:stCondLst>
+                              <p:cond delay="0"/>
+                            </p:stCondLst>
+                            <p:childTnLst>
+                              <p:par>
+                                <p:cTn id="74" presetID="10" presetClass="entr" presetSubtype="0" fill="hold" nodeType="clickEffect">
+                                  <p:stCondLst>
+                                    <p:cond delay="0"/>
+                                  </p:stCondLst>
+                                  <p:childTnLst>
+                                    <p:set>
+                                      <p:cBhvr>
+                                        <p:cTn id="75" dur="1" fill="hold">
+                                          <p:stCondLst>
+                                            <p:cond delay="0"/>
+                                          </p:stCondLst>
+                                        </p:cTn>
+                                        <p:tgtEl>
+                                          <p:spTgt spid="33"/>
+                                        </p:tgtEl>
+                                        <p:attrNameLst>
+                                          <p:attrName>style.visibility</p:attrName>
+                                        </p:attrNameLst>
+                                      </p:cBhvr>
+                                      <p:to>
+                                        <p:strVal val="visible"/>
+                                      </p:to>
+                                    </p:set>
+                                    <p:animEffect transition="in" filter="fade">
+                                      <p:cBhvr>
+                                        <p:cTn id="76" dur="500"/>
+                                        <p:tgtEl>
+                                          <p:spTgt spid="33"/>
+                                        </p:tgtEl>
+                                      </p:cBhvr>
+                                    </p:animEffect>
+                                  </p:childTnLst>
+                                </p:cTn>
+                              </p:par>
+                              <p:par>
+                                <p:cTn id="77" presetID="10" presetClass="entr" presetSubtype="0" fill="hold" grpId="0" nodeType="withEffect">
+                                  <p:stCondLst>
+                                    <p:cond delay="0"/>
+                                  </p:stCondLst>
+                                  <p:childTnLst>
+                                    <p:set>
+                                      <p:cBhvr>
+                                        <p:cTn id="78" dur="1" fill="hold">
+                                          <p:stCondLst>
+                                            <p:cond delay="0"/>
+                                          </p:stCondLst>
+                                        </p:cTn>
+                                        <p:tgtEl>
+                                          <p:spTgt spid="32"/>
+                                        </p:tgtEl>
+                                        <p:attrNameLst>
+                                          <p:attrName>style.visibility</p:attrName>
+                                        </p:attrNameLst>
+                                      </p:cBhvr>
+                                      <p:to>
+                                        <p:strVal val="visible"/>
+                                      </p:to>
+                                    </p:set>
+                                    <p:animEffect transition="in" filter="fade">
+                                      <p:cBhvr>
+                                        <p:cTn id="79" dur="500"/>
+                                        <p:tgtEl>
+                                          <p:spTgt spid="32"/>
+                                        </p:tgtEl>
+                                      </p:cBhvr>
+                                    </p:animEffect>
+                                  </p:childTnLst>
+                                </p:cTn>
+                              </p:par>
+                            </p:childTnLst>
+                          </p:cTn>
+                        </p:par>
+                      </p:childTnLst>
+                    </p:cTn>
+                  </p:par>
+                  <p:par>
+                    <p:cTn id="80" fill="hold">
+                      <p:stCondLst>
+                        <p:cond delay="indefinite"/>
+                      </p:stCondLst>
+                      <p:childTnLst>
+                        <p:par>
+                          <p:cTn id="81" fill="hold">
+                            <p:stCondLst>
+                              <p:cond delay="0"/>
+                            </p:stCondLst>
+                            <p:childTnLst>
+                              <p:par>
+                                <p:cTn id="82" presetID="42" presetClass="path" presetSubtype="0" accel="50000" decel="50000" fill="hold" grpId="1" nodeType="clickEffect">
+                                  <p:stCondLst>
+                                    <p:cond delay="0"/>
+                                  </p:stCondLst>
+                                  <p:childTnLst>
+                                    <p:animMotion origin="layout" path="M 2.91667E-6 -4.81481E-6 L 2.91667E-6 0.25 " pathEditMode="relative" rAng="0" ptsTypes="AA">
+                                      <p:cBhvr>
+                                        <p:cTn id="83" dur="1000" fill="hold"/>
+                                        <p:tgtEl>
+                                          <p:spTgt spid="3"/>
+                                        </p:tgtEl>
+                                        <p:attrNameLst>
+                                          <p:attrName>ppt_x</p:attrName>
+                                          <p:attrName>ppt_y</p:attrName>
+                                        </p:attrNameLst>
+                                      </p:cBhvr>
+                                      <p:rCtr x="0" y="12500"/>
+                                    </p:animMotion>
+                                  </p:childTnLst>
+                                </p:cTn>
+                              </p:par>
+                              <p:par>
+                                <p:cTn id="84" presetID="42" presetClass="path" presetSubtype="0" accel="50000" decel="50000" fill="hold" nodeType="withEffect">
+                                  <p:stCondLst>
+                                    <p:cond delay="0"/>
+                                  </p:stCondLst>
+                                  <p:childTnLst>
+                                    <p:animMotion origin="layout" path="M 4.79167E-6 3.7037E-6 L 4.79167E-6 0.25 " pathEditMode="relative" rAng="0" ptsTypes="AA">
+                                      <p:cBhvr>
+                                        <p:cTn id="85" dur="1000" fill="hold"/>
+                                        <p:tgtEl>
+                                          <p:spTgt spid="10"/>
+                                        </p:tgtEl>
+                                        <p:attrNameLst>
+                                          <p:attrName>ppt_x</p:attrName>
+                                          <p:attrName>ppt_y</p:attrName>
+                                        </p:attrNameLst>
+                                      </p:cBhvr>
+                                      <p:rCtr x="0" y="12500"/>
+                                    </p:animMotion>
+                                  </p:childTnLst>
+                                </p:cTn>
+                              </p:par>
+                              <p:par>
+                                <p:cTn id="86" presetID="42" presetClass="path" presetSubtype="0" accel="50000" decel="50000" fill="hold" grpId="1" nodeType="withEffect">
+                                  <p:stCondLst>
+                                    <p:cond delay="0"/>
+                                  </p:stCondLst>
+                                  <p:childTnLst>
+                                    <p:animMotion origin="layout" path="M 2.08333E-6 -4.81481E-6 L 2.08333E-6 0.25 " pathEditMode="relative" rAng="0" ptsTypes="AA">
+                                      <p:cBhvr>
+                                        <p:cTn id="87" dur="1000" fill="hold"/>
+                                        <p:tgtEl>
+                                          <p:spTgt spid="18"/>
+                                        </p:tgtEl>
+                                        <p:attrNameLst>
+                                          <p:attrName>ppt_x</p:attrName>
+                                          <p:attrName>ppt_y</p:attrName>
+                                        </p:attrNameLst>
+                                      </p:cBhvr>
+                                      <p:rCtr x="0" y="12500"/>
+                                    </p:animMotion>
+                                  </p:childTnLst>
+                                </p:cTn>
+                              </p:par>
+                              <p:par>
+                                <p:cTn id="88" presetID="42" presetClass="path" presetSubtype="0" accel="50000" decel="50000" fill="hold" nodeType="withEffect">
+                                  <p:stCondLst>
+                                    <p:cond delay="0"/>
+                                  </p:stCondLst>
+                                  <p:childTnLst>
+                                    <p:animMotion origin="layout" path="M 1.04167E-6 3.7037E-6 L 1.04167E-6 0.25 " pathEditMode="relative" rAng="0" ptsTypes="AA">
+                                      <p:cBhvr>
+                                        <p:cTn id="89" dur="1000" fill="hold"/>
+                                        <p:tgtEl>
+                                          <p:spTgt spid="19"/>
+                                        </p:tgtEl>
+                                        <p:attrNameLst>
+                                          <p:attrName>ppt_x</p:attrName>
+                                          <p:attrName>ppt_y</p:attrName>
+                                        </p:attrNameLst>
+                                      </p:cBhvr>
+                                      <p:rCtr x="0" y="12500"/>
+                                    </p:animMotion>
+                                  </p:childTnLst>
+                                </p:cTn>
+                              </p:par>
+                              <p:par>
+                                <p:cTn id="90" presetID="42" presetClass="path" presetSubtype="0" accel="50000" decel="50000" fill="hold" nodeType="withEffect">
+                                  <p:stCondLst>
+                                    <p:cond delay="0"/>
+                                  </p:stCondLst>
+                                  <p:childTnLst>
+                                    <p:animMotion origin="layout" path="M 2.08333E-7 3.7037E-6 L 2.08333E-7 0.25 " pathEditMode="relative" rAng="0" ptsTypes="AA">
+                                      <p:cBhvr>
+                                        <p:cTn id="91" dur="1000" fill="hold"/>
+                                        <p:tgtEl>
+                                          <p:spTgt spid="26"/>
+                                        </p:tgtEl>
+                                        <p:attrNameLst>
+                                          <p:attrName>ppt_x</p:attrName>
+                                          <p:attrName>ppt_y</p:attrName>
+                                        </p:attrNameLst>
+                                      </p:cBhvr>
+                                      <p:rCtr x="0" y="12500"/>
+                                    </p:animMotion>
+                                  </p:childTnLst>
+                                </p:cTn>
+                              </p:par>
+                              <p:par>
+                                <p:cTn id="92" presetID="42" presetClass="path" presetSubtype="0" accel="50000" decel="50000" fill="hold" grpId="1" nodeType="withEffect">
+                                  <p:stCondLst>
+                                    <p:cond delay="0"/>
+                                  </p:stCondLst>
+                                  <p:childTnLst>
+                                    <p:animMotion origin="layout" path="M 1.25E-6 -4.81481E-6 L 1.25E-6 0.25 " pathEditMode="relative" rAng="0" ptsTypes="AA">
+                                      <p:cBhvr>
+                                        <p:cTn id="93" dur="1000" fill="hold"/>
+                                        <p:tgtEl>
+                                          <p:spTgt spid="25"/>
+                                        </p:tgtEl>
+                                        <p:attrNameLst>
+                                          <p:attrName>ppt_x</p:attrName>
+                                          <p:attrName>ppt_y</p:attrName>
+                                        </p:attrNameLst>
+                                      </p:cBhvr>
+                                      <p:rCtr x="0" y="12500"/>
+                                    </p:animMotion>
+                                  </p:childTnLst>
+                                </p:cTn>
+                              </p:par>
+                              <p:par>
+                                <p:cTn id="94" presetID="42" presetClass="path" presetSubtype="0" accel="50000" decel="50000" fill="hold" nodeType="withEffect">
+                                  <p:stCondLst>
+                                    <p:cond delay="0"/>
+                                  </p:stCondLst>
+                                  <p:childTnLst>
+                                    <p:animMotion origin="layout" path="M -1.45833E-6 -3.33333E-6 L -1.45833E-6 0.25 " pathEditMode="relative" rAng="0" ptsTypes="AA">
+                                      <p:cBhvr>
+                                        <p:cTn id="95" dur="1000" fill="hold"/>
+                                        <p:tgtEl>
+                                          <p:spTgt spid="31"/>
+                                        </p:tgtEl>
+                                        <p:attrNameLst>
+                                          <p:attrName>ppt_x</p:attrName>
+                                          <p:attrName>ppt_y</p:attrName>
+                                        </p:attrNameLst>
+                                      </p:cBhvr>
+                                      <p:rCtr x="0" y="12500"/>
+                                    </p:animMotion>
+                                  </p:childTnLst>
+                                </p:cTn>
+                              </p:par>
+                              <p:par>
+                                <p:cTn id="96" presetID="42" presetClass="path" presetSubtype="0" accel="50000" decel="50000" fill="hold" grpId="1" nodeType="withEffect">
+                                  <p:stCondLst>
+                                    <p:cond delay="0"/>
+                                  </p:stCondLst>
+                                  <p:childTnLst>
+                                    <p:animMotion origin="layout" path="M 1.875E-6 -4.81481E-6 L 1.875E-6 0.25 " pathEditMode="relative" rAng="0" ptsTypes="AA">
+                                      <p:cBhvr>
+                                        <p:cTn id="97" dur="1000" fill="hold"/>
+                                        <p:tgtEl>
+                                          <p:spTgt spid="30"/>
+                                        </p:tgtEl>
+                                        <p:attrNameLst>
+                                          <p:attrName>ppt_x</p:attrName>
+                                          <p:attrName>ppt_y</p:attrName>
+                                        </p:attrNameLst>
+                                      </p:cBhvr>
+                                      <p:rCtr x="0" y="12500"/>
+                                    </p:animMotion>
+                                  </p:childTnLst>
+                                </p:cTn>
+                              </p:par>
+                              <p:par>
+                                <p:cTn id="98" presetID="42" presetClass="path" presetSubtype="0" accel="50000" decel="50000" fill="hold" nodeType="withEffect">
+                                  <p:stCondLst>
+                                    <p:cond delay="0"/>
+                                  </p:stCondLst>
+                                  <p:childTnLst>
+                                    <p:animMotion origin="layout" path="M -1.45833E-6 -1.85185E-6 L -1.45833E-6 0.25 " pathEditMode="relative" rAng="0" ptsTypes="AA">
+                                      <p:cBhvr>
+                                        <p:cTn id="99" dur="1000" fill="hold"/>
+                                        <p:tgtEl>
+                                          <p:spTgt spid="33"/>
+                                        </p:tgtEl>
+                                        <p:attrNameLst>
+                                          <p:attrName>ppt_x</p:attrName>
+                                          <p:attrName>ppt_y</p:attrName>
+                                        </p:attrNameLst>
+                                      </p:cBhvr>
+                                      <p:rCtr x="0" y="12500"/>
+                                    </p:animMotion>
+                                  </p:childTnLst>
+                                </p:cTn>
+                              </p:par>
+                              <p:par>
+                                <p:cTn id="100" presetID="42" presetClass="path" presetSubtype="0" accel="50000" decel="50000" fill="hold" grpId="1" nodeType="withEffect">
+                                  <p:stCondLst>
+                                    <p:cond delay="0"/>
+                                  </p:stCondLst>
+                                  <p:childTnLst>
+                                    <p:animMotion origin="layout" path="M 4.16667E-6 -1.85185E-6 L 4.16667E-6 0.25 " pathEditMode="relative" rAng="0" ptsTypes="AA">
+                                      <p:cBhvr>
+                                        <p:cTn id="101" dur="1000" fill="hold"/>
+                                        <p:tgtEl>
+                                          <p:spTgt spid="32"/>
+                                        </p:tgtEl>
+                                        <p:attrNameLst>
+                                          <p:attrName>ppt_x</p:attrName>
+                                          <p:attrName>ppt_y</p:attrName>
+                                        </p:attrNameLst>
+                                      </p:cBhvr>
+                                      <p:rCtr x="0" y="12500"/>
+                                    </p:animMotion>
+                                  </p:childTnLst>
+                                </p:cTn>
+                              </p:par>
+                              <p:par>
+                                <p:cTn id="102" presetID="42" presetClass="path" presetSubtype="0" accel="50000" decel="50000" fill="hold" grpId="0" nodeType="withEffect">
+                                  <p:stCondLst>
+                                    <p:cond delay="0"/>
+                                  </p:stCondLst>
+                                  <p:childTnLst>
+                                    <p:animMotion origin="layout" path="M 1.45833E-6 -3.7037E-7 L 1.45833E-6 0.25 " pathEditMode="relative" rAng="0" ptsTypes="AA">
+                                      <p:cBhvr>
+                                        <p:cTn id="103" dur="1000" fill="hold"/>
+                                        <p:tgtEl>
+                                          <p:spTgt spid="4"/>
+                                        </p:tgtEl>
+                                        <p:attrNameLst>
+                                          <p:attrName>ppt_x</p:attrName>
+                                          <p:attrName>ppt_y</p:attrName>
+                                        </p:attrNameLst>
+                                      </p:cBhvr>
+                                      <p:rCtr x="0" y="12500"/>
+                                    </p:animMotion>
+                                  </p:childTnLst>
+                                </p:cTn>
+                              </p:par>
+                              <p:par>
+                                <p:cTn id="104" presetID="10" presetClass="entr" presetSubtype="0" fill="hold" nodeType="withEffect">
+                                  <p:stCondLst>
+                                    <p:cond delay="700"/>
+                                  </p:stCondLst>
+                                  <p:childTnLst>
+                                    <p:set>
+                                      <p:cBhvr>
+                                        <p:cTn id="105" dur="1" fill="hold">
+                                          <p:stCondLst>
+                                            <p:cond delay="0"/>
+                                          </p:stCondLst>
+                                        </p:cTn>
+                                        <p:tgtEl>
+                                          <p:spTgt spid="36"/>
+                                        </p:tgtEl>
+                                        <p:attrNameLst>
+                                          <p:attrName>style.visibility</p:attrName>
+                                        </p:attrNameLst>
+                                      </p:cBhvr>
+                                      <p:to>
+                                        <p:strVal val="visible"/>
+                                      </p:to>
+                                    </p:set>
+                                    <p:animEffect transition="in" filter="fade">
+                                      <p:cBhvr>
+                                        <p:cTn id="106" dur="400"/>
+                                        <p:tgtEl>
+                                          <p:spTgt spid="36"/>
+                                        </p:tgtEl>
+                                      </p:cBhvr>
+                                    </p:animEffect>
+                                  </p:childTnLst>
+                                </p:cTn>
+                              </p:par>
+                            </p:childTnLst>
+                          </p:cTn>
+                        </p:par>
+                      </p:childTnLst>
+                    </p:cTn>
+                  </p:par>
+                </p:childTnLst>
+              </p:cTn>
+              <p:prevCondLst>
+                <p:cond evt="onPrev" delay="0">
+                  <p:tgtEl>
+                    <p:sldTgt/>
+                  </p:tgtEl>
+                </p:cond>
+              </p:prevCondLst>
+              <p:nextCondLst>
+                <p:cond evt="onNext" delay="0">
+                  <p:tgtEl>
+                    <p:sldTgt/>
+                  </p:tgtEl>
+                </p:cond>
+              </p:nextCondLst>
+            </p:seq>
+          </p:childTnLst>
+        </p:cTn>
+      </p:par>
+    </p:tnLst>
+    <p:bldLst>
+      <p:bldP spid="4" grpId="0" animBg="1"/>
+      <p:bldP spid="3" grpId="0" animBg="1"/>
+      <p:bldP spid="3" grpId="1" animBg="1"/>
+      <p:bldP spid="18" grpId="0" animBg="1"/>
+      <p:bldP spid="18" grpId="1" animBg="1"/>
+      <p:bldP spid="25" grpId="0" animBg="1"/>
+      <p:bldP spid="25" grpId="1" animBg="1"/>
+      <p:bldP spid="30" grpId="0" animBg="1"/>
+      <p:bldP spid="30" grpId="1" animBg="1"/>
+      <p:bldP spid="32" grpId="0" animBg="1"/>
+      <p:bldP spid="32" grpId="1" animBg="1"/>
+    </p:bldLst>
+  </p:timing>
+</p:sld>
+</file>
+
+<file path=ppt/slides/slide3.xml><?xml version="1.0" encoding="utf-8"?>
+<p:sld xmlns:a="http://schemas.openxmlformats.org/drawingml/2006/main" xmlns:r="http://schemas.openxmlformats.org/officeDocument/2006/relationships" xmlns:p="http://schemas.openxmlformats.org/presentationml/2006/main">
+  <p:cSld>
+    <p:spTree>
+      <p:nvGrpSpPr>
+        <p:cNvPr id="1" name=""/>
+        <p:cNvGrpSpPr/>
+        <p:nvPr/>
+      </p:nvGrpSpPr>
+      <p:grpSpPr>
+        <a:xfrm>
+          <a:off x="0" y="0"/>
+          <a:ext cx="0" cy="0"/>
+          <a:chOff x="0" y="0"/>
+          <a:chExt cx="0" cy="0"/>
+        </a:xfrm>
+      </p:grpSpPr>
+      <p:sp>
+        <p:nvSpPr>
+          <p:cNvPr id="2" name="Title 1">
+            <a:extLst>
+              <a:ext uri="{FF2B5EF4-FFF2-40B4-BE49-F238E27FC236}">
+                <a16:creationId xmlns:a16="http://schemas.microsoft.com/office/drawing/2014/main" id="{0520FD3C-7183-745E-AD7D-4871727F6869}"/>
+              </a:ext>
+            </a:extLst>
+          </p:cNvPr>
+          <p:cNvSpPr>
+            <a:spLocks noGrp="1"/>
+          </p:cNvSpPr>
+          <p:nvPr>
+            <p:ph type="title"/>
+          </p:nvPr>
+        </p:nvSpPr>
+        <p:spPr/>
+        <p:txBody>
+          <a:bodyPr/>
+          <a:lstStyle/>
+          <a:p>
+            <a:r>
+              <a:rPr lang="en-GB" dirty="0"/>
+              <a:t>Limitations of approach</a:t>
+            </a:r>
+          </a:p>
+        </p:txBody>
+      </p:sp>
+      <p:pic>
+        <p:nvPicPr>
+          <p:cNvPr id="3" name="Picture 12">
+            <a:extLst>
+              <a:ext uri="{FF2B5EF4-FFF2-40B4-BE49-F238E27FC236}">
+                <a16:creationId xmlns:a16="http://schemas.microsoft.com/office/drawing/2014/main" id="{3E6028CB-7F7E-ABE0-3914-D59D895DE789}"/>
+              </a:ext>
+            </a:extLst>
+          </p:cNvPr>
+          <p:cNvPicPr>
+            <a:picLocks noChangeAspect="1" noChangeArrowheads="1"/>
+          </p:cNvPicPr>
+          <p:nvPr/>
+        </p:nvPicPr>
+        <p:blipFill rotWithShape="1">
+          <a:blip r:embed="rId3">
+            <a:extLst>
+              <a:ext uri="{28A0092B-C50C-407E-A947-70E740481C1C}">
+                <a14:useLocalDpi xmlns:a14="http://schemas.microsoft.com/office/drawing/2010/main" val="0"/>
+              </a:ext>
+            </a:extLst>
+          </a:blip>
+          <a:srcRect t="2948"/>
+          <a:stretch/>
+        </p:blipFill>
+        <p:spPr bwMode="auto">
+          <a:xfrm>
+            <a:off x="3832960" y="1419207"/>
+            <a:ext cx="3488466" cy="5347641"/>
+          </a:xfrm>
+          <a:prstGeom prst="rect">
+            <a:avLst/>
+          </a:prstGeom>
+          <a:noFill/>
+          <a:extLst>
+            <a:ext uri="{909E8E84-426E-40DD-AFC4-6F175D3DCCD1}">
+              <a14:hiddenFill xmlns:a14="http://schemas.microsoft.com/office/drawing/2010/main">
+                <a:solidFill>
+                  <a:srgbClr val="FFFFFF"/>
+                </a:solidFill>
+              </a14:hiddenFill>
+            </a:ext>
+          </a:extLst>
+        </p:spPr>
+      </p:pic>
+      <p:sp>
+        <p:nvSpPr>
+          <p:cNvPr id="11" name="Oval 10">
+            <a:extLst>
+              <a:ext uri="{FF2B5EF4-FFF2-40B4-BE49-F238E27FC236}">
+                <a16:creationId xmlns:a16="http://schemas.microsoft.com/office/drawing/2014/main" id="{84C5A914-2789-E77A-1D54-B2FCEF3FE023}"/>
+              </a:ext>
+            </a:extLst>
+          </p:cNvPr>
+          <p:cNvSpPr/>
+          <p:nvPr/>
+        </p:nvSpPr>
+        <p:spPr>
+          <a:xfrm>
+            <a:off x="1756228" y="3077028"/>
+            <a:ext cx="1017997" cy="1016000"/>
+          </a:xfrm>
+          <a:prstGeom prst="ellipse">
+            <a:avLst/>
+          </a:prstGeom>
+        </p:spPr>
+        <p:style>
+          <a:lnRef idx="2">
+            <a:schemeClr val="accent2">
+              <a:shade val="50000"/>
+            </a:schemeClr>
+          </a:lnRef>
+          <a:fillRef idx="1">
+            <a:schemeClr val="accent2"/>
+          </a:fillRef>
+          <a:effectRef idx="0">
+            <a:schemeClr val="accent2"/>
+          </a:effectRef>
+          <a:fontRef idx="minor">
+            <a:schemeClr val="lt1"/>
+          </a:fontRef>
+        </p:style>
+        <p:txBody>
+          <a:bodyPr rtlCol="0" anchor="ctr"/>
+          <a:lstStyle/>
+          <a:p>
+            <a:pPr algn="ctr"/>
+            <a:r>
+              <a:rPr lang="en-GB" sz="3600" dirty="0"/>
+              <a:t>1</a:t>
+            </a:r>
+          </a:p>
+        </p:txBody>
+      </p:sp>
+      <p:sp>
+        <p:nvSpPr>
+          <p:cNvPr id="12" name="Oval 11">
+            <a:extLst>
+              <a:ext uri="{FF2B5EF4-FFF2-40B4-BE49-F238E27FC236}">
+                <a16:creationId xmlns:a16="http://schemas.microsoft.com/office/drawing/2014/main" id="{B5651EC0-23E4-6D40-AA53-C515F72F1D14}"/>
+              </a:ext>
+            </a:extLst>
+          </p:cNvPr>
+          <p:cNvSpPr/>
+          <p:nvPr/>
+        </p:nvSpPr>
+        <p:spPr>
+          <a:xfrm>
+            <a:off x="5420497" y="3077028"/>
+            <a:ext cx="1017997" cy="1016000"/>
+          </a:xfrm>
+          <a:prstGeom prst="ellipse">
+            <a:avLst/>
+          </a:prstGeom>
+        </p:spPr>
+        <p:style>
+          <a:lnRef idx="2">
+            <a:schemeClr val="accent4">
+              <a:shade val="50000"/>
+            </a:schemeClr>
+          </a:lnRef>
+          <a:fillRef idx="1">
+            <a:schemeClr val="accent4"/>
+          </a:fillRef>
+          <a:effectRef idx="0">
+            <a:schemeClr val="accent4"/>
+          </a:effectRef>
+          <a:fontRef idx="minor">
+            <a:schemeClr val="lt1"/>
+          </a:fontRef>
+        </p:style>
+        <p:txBody>
+          <a:bodyPr rtlCol="0" anchor="ctr"/>
+          <a:lstStyle/>
+          <a:p>
+            <a:pPr algn="ctr"/>
+            <a:r>
+              <a:rPr lang="en-GB" sz="3600" dirty="0"/>
+              <a:t>2</a:t>
+            </a:r>
+          </a:p>
+        </p:txBody>
+      </p:sp>
+      <p:sp>
+        <p:nvSpPr>
+          <p:cNvPr id="13" name="Oval 12">
+            <a:extLst>
+              <a:ext uri="{FF2B5EF4-FFF2-40B4-BE49-F238E27FC236}">
+                <a16:creationId xmlns:a16="http://schemas.microsoft.com/office/drawing/2014/main" id="{273EE18A-4A6C-8EA9-A78C-385C86911C6D}"/>
+              </a:ext>
+            </a:extLst>
+          </p:cNvPr>
+          <p:cNvSpPr/>
+          <p:nvPr/>
+        </p:nvSpPr>
+        <p:spPr>
+          <a:xfrm>
+            <a:off x="9404930" y="3077028"/>
+            <a:ext cx="1017997" cy="1016000"/>
+          </a:xfrm>
+          <a:prstGeom prst="ellipse">
+            <a:avLst/>
+          </a:prstGeom>
+        </p:spPr>
+        <p:style>
+          <a:lnRef idx="2">
+            <a:schemeClr val="accent3">
+              <a:shade val="50000"/>
+            </a:schemeClr>
+          </a:lnRef>
+          <a:fillRef idx="1">
+            <a:schemeClr val="accent3"/>
+          </a:fillRef>
+          <a:effectRef idx="0">
+            <a:schemeClr val="accent3"/>
+          </a:effectRef>
+          <a:fontRef idx="minor">
+            <a:schemeClr val="lt1"/>
+          </a:fontRef>
+        </p:style>
+        <p:txBody>
+          <a:bodyPr rtlCol="0" anchor="ctr"/>
+          <a:lstStyle/>
+          <a:p>
+            <a:pPr algn="ctr"/>
+            <a:r>
+              <a:rPr lang="en-GB" sz="3600" dirty="0"/>
+              <a:t>3</a:t>
+            </a:r>
+          </a:p>
+        </p:txBody>
+      </p:sp>
+      <p:sp>
+        <p:nvSpPr>
+          <p:cNvPr id="14" name="TextBox 13">
+            <a:extLst>
+              <a:ext uri="{FF2B5EF4-FFF2-40B4-BE49-F238E27FC236}">
+                <a16:creationId xmlns:a16="http://schemas.microsoft.com/office/drawing/2014/main" id="{8297B479-EDC0-2720-7D31-ABD3361924AA}"/>
+              </a:ext>
+            </a:extLst>
+          </p:cNvPr>
+          <p:cNvSpPr txBox="1"/>
+          <p:nvPr/>
+        </p:nvSpPr>
+        <p:spPr>
+          <a:xfrm>
+            <a:off x="950776" y="4556038"/>
+            <a:ext cx="2628900" cy="923330"/>
+          </a:xfrm>
+          <a:prstGeom prst="rect">
+            <a:avLst/>
+          </a:prstGeom>
+          <a:noFill/>
+        </p:spPr>
+        <p:txBody>
+          <a:bodyPr wrap="square" rtlCol="0">
+            <a:spAutoFit/>
+          </a:bodyPr>
+          <a:lstStyle/>
+          <a:p>
+            <a:pPr algn="ctr"/>
+            <a:r>
+              <a:rPr lang="en-GB" dirty="0"/>
+              <a:t>Low-pass filtering did not remove time-dependent noise</a:t>
+            </a:r>
+          </a:p>
+        </p:txBody>
+      </p:sp>
+      <p:grpSp>
+        <p:nvGrpSpPr>
+          <p:cNvPr id="17" name="Group 16">
+            <a:extLst>
+              <a:ext uri="{FF2B5EF4-FFF2-40B4-BE49-F238E27FC236}">
+                <a16:creationId xmlns:a16="http://schemas.microsoft.com/office/drawing/2014/main" id="{172FB8EE-A211-2F0A-1DC6-17566E1CF1B9}"/>
+              </a:ext>
+            </a:extLst>
+          </p:cNvPr>
+          <p:cNvGrpSpPr/>
+          <p:nvPr/>
+        </p:nvGrpSpPr>
+        <p:grpSpPr>
+          <a:xfrm>
+            <a:off x="7927295" y="3834972"/>
+            <a:ext cx="3154242" cy="2931876"/>
+            <a:chOff x="8603992" y="4594964"/>
+            <a:chExt cx="2927837" cy="2669786"/>
+          </a:xfrm>
+        </p:grpSpPr>
+        <p:pic>
+          <p:nvPicPr>
+            <p:cNvPr id="15" name="Picture 18">
+              <a:extLst>
+                <a:ext uri="{FF2B5EF4-FFF2-40B4-BE49-F238E27FC236}">
+                  <a16:creationId xmlns:a16="http://schemas.microsoft.com/office/drawing/2014/main" id="{2BEC60A8-D218-E60B-3DD0-E2519BA6F361}"/>
+                </a:ext>
+              </a:extLst>
+            </p:cNvPr>
+            <p:cNvPicPr>
+              <a:picLocks noChangeAspect="1" noChangeArrowheads="1"/>
+            </p:cNvPicPr>
+            <p:nvPr/>
+          </p:nvPicPr>
+          <p:blipFill rotWithShape="1">
+            <a:blip r:embed="rId4">
+              <a:extLst>
+                <a:ext uri="{28A0092B-C50C-407E-A947-70E740481C1C}">
+                  <a14:useLocalDpi xmlns:a14="http://schemas.microsoft.com/office/drawing/2010/main" val="0"/>
+                </a:ext>
+              </a:extLst>
+            </a:blip>
+            <a:srcRect l="50927" t="6070"/>
+            <a:stretch/>
+          </p:blipFill>
+          <p:spPr bwMode="auto">
+            <a:xfrm>
+              <a:off x="8732500" y="4628022"/>
+              <a:ext cx="2799329" cy="2636728"/>
+            </a:xfrm>
+            <a:prstGeom prst="rect">
+              <a:avLst/>
+            </a:prstGeom>
+            <a:noFill/>
+            <a:extLst>
+              <a:ext uri="{909E8E84-426E-40DD-AFC4-6F175D3DCCD1}">
+                <a14:hiddenFill xmlns:a14="http://schemas.microsoft.com/office/drawing/2010/main">
+                  <a:solidFill>
+                    <a:srgbClr val="FFFFFF"/>
+                  </a:solidFill>
+                </a14:hiddenFill>
+              </a:ext>
+            </a:extLst>
+          </p:spPr>
+        </p:pic>
+        <p:sp>
+          <p:nvSpPr>
+            <p:cNvPr id="16" name="Rectangle 15">
+              <a:extLst>
+                <a:ext uri="{FF2B5EF4-FFF2-40B4-BE49-F238E27FC236}">
+                  <a16:creationId xmlns:a16="http://schemas.microsoft.com/office/drawing/2014/main" id="{68DD463E-F3B3-E2BB-33EF-0DBE7017C226}"/>
+                </a:ext>
+              </a:extLst>
+            </p:cNvPr>
+            <p:cNvSpPr/>
+            <p:nvPr/>
+          </p:nvSpPr>
+          <p:spPr>
+            <a:xfrm>
+              <a:off x="8603992" y="4594964"/>
+              <a:ext cx="685800" cy="152400"/>
+            </a:xfrm>
+            <a:prstGeom prst="rect">
+              <a:avLst/>
+            </a:prstGeom>
+            <a:solidFill>
+              <a:schemeClr val="bg1"/>
+            </a:solidFill>
+            <a:ln>
+              <a:noFill/>
+            </a:ln>
+          </p:spPr>
+          <p:style>
+            <a:lnRef idx="2">
+              <a:schemeClr val="accent1">
+                <a:shade val="50000"/>
+              </a:schemeClr>
+            </a:lnRef>
+            <a:fillRef idx="1">
+              <a:schemeClr val="accent1"/>
+            </a:fillRef>
+            <a:effectRef idx="0">
+              <a:schemeClr val="accent1"/>
+            </a:effectRef>
+            <a:fontRef idx="minor">
+              <a:schemeClr val="lt1"/>
+            </a:fontRef>
+          </p:style>
+          <p:txBody>
+            <a:bodyPr rtlCol="0" anchor="ctr"/>
+            <a:lstStyle/>
+            <a:p>
+              <a:pPr algn="ctr"/>
+              <a:endParaRPr lang="en-GB"/>
+            </a:p>
+          </p:txBody>
+        </p:sp>
+      </p:grpSp>
+      <p:grpSp>
+        <p:nvGrpSpPr>
+          <p:cNvPr id="19" name="Group 18">
+            <a:extLst>
+              <a:ext uri="{FF2B5EF4-FFF2-40B4-BE49-F238E27FC236}">
+                <a16:creationId xmlns:a16="http://schemas.microsoft.com/office/drawing/2014/main" id="{6A3F49FD-EDBF-4975-4933-6014D5C98C4E}"/>
+              </a:ext>
+            </a:extLst>
+          </p:cNvPr>
+          <p:cNvGrpSpPr/>
+          <p:nvPr/>
+        </p:nvGrpSpPr>
+        <p:grpSpPr>
+          <a:xfrm>
+            <a:off x="8008729" y="963226"/>
+            <a:ext cx="3299575" cy="2817966"/>
+            <a:chOff x="5751765" y="1978833"/>
+            <a:chExt cx="3119517" cy="2649189"/>
+          </a:xfrm>
+        </p:grpSpPr>
+        <p:pic>
+          <p:nvPicPr>
+            <p:cNvPr id="4" name="Picture 18">
+              <a:extLst>
+                <a:ext uri="{FF2B5EF4-FFF2-40B4-BE49-F238E27FC236}">
+                  <a16:creationId xmlns:a16="http://schemas.microsoft.com/office/drawing/2014/main" id="{7C836A77-CA3F-B7FC-C630-2235BC165FBB}"/>
+                </a:ext>
+              </a:extLst>
+            </p:cNvPr>
+            <p:cNvPicPr>
+              <a:picLocks noChangeAspect="1" noChangeArrowheads="1"/>
+            </p:cNvPicPr>
+            <p:nvPr/>
+          </p:nvPicPr>
+          <p:blipFill rotWithShape="1">
+            <a:blip r:embed="rId4">
+              <a:extLst>
+                <a:ext uri="{28A0092B-C50C-407E-A947-70E740481C1C}">
+                  <a14:useLocalDpi xmlns:a14="http://schemas.microsoft.com/office/drawing/2010/main" val="0"/>
+                </a:ext>
+              </a:extLst>
+            </a:blip>
+            <a:srcRect t="6070" r="49073"/>
+            <a:stretch/>
+          </p:blipFill>
+          <p:spPr bwMode="auto">
+            <a:xfrm>
+              <a:off x="5751765" y="1991294"/>
+              <a:ext cx="2905125" cy="2636728"/>
+            </a:xfrm>
+            <a:prstGeom prst="rect">
+              <a:avLst/>
+            </a:prstGeom>
+            <a:noFill/>
+            <a:extLst>
+              <a:ext uri="{909E8E84-426E-40DD-AFC4-6F175D3DCCD1}">
+                <a14:hiddenFill xmlns:a14="http://schemas.microsoft.com/office/drawing/2010/main">
+                  <a:solidFill>
+                    <a:srgbClr val="FFFFFF"/>
+                  </a:solidFill>
+                </a14:hiddenFill>
+              </a:ext>
+            </a:extLst>
+          </p:spPr>
+        </p:pic>
+        <p:sp>
+          <p:nvSpPr>
+            <p:cNvPr id="18" name="Rectangle 17">
+              <a:extLst>
+                <a:ext uri="{FF2B5EF4-FFF2-40B4-BE49-F238E27FC236}">
+                  <a16:creationId xmlns:a16="http://schemas.microsoft.com/office/drawing/2014/main" id="{35A7A245-6AC4-79CB-B0FE-966C7F6E2848}"/>
+                </a:ext>
+              </a:extLst>
+            </p:cNvPr>
+            <p:cNvSpPr/>
+            <p:nvPr/>
+          </p:nvSpPr>
+          <p:spPr>
+            <a:xfrm>
+              <a:off x="8185482" y="1978833"/>
+              <a:ext cx="685800" cy="152400"/>
+            </a:xfrm>
+            <a:prstGeom prst="rect">
+              <a:avLst/>
+            </a:prstGeom>
+            <a:solidFill>
+              <a:schemeClr val="bg1"/>
+            </a:solidFill>
+            <a:ln>
+              <a:noFill/>
+            </a:ln>
+          </p:spPr>
+          <p:style>
+            <a:lnRef idx="2">
+              <a:schemeClr val="accent1">
+                <a:shade val="50000"/>
+              </a:schemeClr>
+            </a:lnRef>
+            <a:fillRef idx="1">
+              <a:schemeClr val="accent1"/>
+            </a:fillRef>
+            <a:effectRef idx="0">
+              <a:schemeClr val="accent1"/>
+            </a:effectRef>
+            <a:fontRef idx="minor">
+              <a:schemeClr val="lt1"/>
+            </a:fontRef>
+          </p:style>
+          <p:txBody>
+            <a:bodyPr rtlCol="0" anchor="ctr"/>
+            <a:lstStyle/>
+            <a:p>
+              <a:pPr algn="ctr"/>
+              <a:endParaRPr lang="en-GB"/>
+            </a:p>
+          </p:txBody>
+        </p:sp>
+      </p:grpSp>
+      <p:sp>
+        <p:nvSpPr>
+          <p:cNvPr id="20" name="TextBox 19">
+            <a:extLst>
+              <a:ext uri="{FF2B5EF4-FFF2-40B4-BE49-F238E27FC236}">
+                <a16:creationId xmlns:a16="http://schemas.microsoft.com/office/drawing/2014/main" id="{94BC2327-6E0E-092A-E102-2CBE364B8FD0}"/>
+              </a:ext>
+            </a:extLst>
+          </p:cNvPr>
+          <p:cNvSpPr txBox="1"/>
+          <p:nvPr/>
+        </p:nvSpPr>
+        <p:spPr>
+          <a:xfrm>
+            <a:off x="4615045" y="4556038"/>
+            <a:ext cx="2628900" cy="646331"/>
+          </a:xfrm>
+          <a:prstGeom prst="rect">
+            <a:avLst/>
+          </a:prstGeom>
+          <a:noFill/>
+        </p:spPr>
+        <p:txBody>
+          <a:bodyPr wrap="square" rtlCol="0">
+            <a:spAutoFit/>
+          </a:bodyPr>
+          <a:lstStyle/>
+          <a:p>
+            <a:pPr algn="ctr"/>
+            <a:r>
+              <a:rPr lang="en-GB" dirty="0"/>
+              <a:t>Noise remained in the signal</a:t>
+            </a:r>
+          </a:p>
+        </p:txBody>
+      </p:sp>
+      <p:grpSp>
+        <p:nvGrpSpPr>
+          <p:cNvPr id="10" name="Group 9">
+            <a:extLst>
+              <a:ext uri="{FF2B5EF4-FFF2-40B4-BE49-F238E27FC236}">
+                <a16:creationId xmlns:a16="http://schemas.microsoft.com/office/drawing/2014/main" id="{49C55027-F159-A985-69BD-E0D4C431FBE1}"/>
+              </a:ext>
+            </a:extLst>
+          </p:cNvPr>
+          <p:cNvGrpSpPr/>
+          <p:nvPr/>
+        </p:nvGrpSpPr>
+        <p:grpSpPr>
+          <a:xfrm>
+            <a:off x="3596062" y="1476659"/>
+            <a:ext cx="4700649" cy="4883986"/>
+            <a:chOff x="7062281" y="1689157"/>
+            <a:chExt cx="4700649" cy="4883986"/>
+          </a:xfrm>
+        </p:grpSpPr>
+        <p:pic>
+          <p:nvPicPr>
+            <p:cNvPr id="5" name="Picture 24">
+              <a:extLst>
+                <a:ext uri="{FF2B5EF4-FFF2-40B4-BE49-F238E27FC236}">
+                  <a16:creationId xmlns:a16="http://schemas.microsoft.com/office/drawing/2014/main" id="{181A4E99-A4E0-48EC-67A2-3678A8AB815A}"/>
+                </a:ext>
+              </a:extLst>
+            </p:cNvPr>
+            <p:cNvPicPr>
+              <a:picLocks noChangeAspect="1" noChangeArrowheads="1"/>
+            </p:cNvPicPr>
+            <p:nvPr/>
+          </p:nvPicPr>
+          <p:blipFill rotWithShape="1">
+            <a:blip r:embed="rId5">
+              <a:extLst>
+                <a:ext uri="{28A0092B-C50C-407E-A947-70E740481C1C}">
+                  <a14:useLocalDpi xmlns:a14="http://schemas.microsoft.com/office/drawing/2010/main" val="0"/>
+                </a:ext>
+              </a:extLst>
+            </a:blip>
+            <a:srcRect t="3555"/>
+            <a:stretch/>
+          </p:blipFill>
+          <p:spPr bwMode="auto">
+            <a:xfrm>
+              <a:off x="7062281" y="1689157"/>
+              <a:ext cx="4700649" cy="4883986"/>
+            </a:xfrm>
+            <a:prstGeom prst="rect">
+              <a:avLst/>
+            </a:prstGeom>
+            <a:noFill/>
+            <a:extLst>
+              <a:ext uri="{909E8E84-426E-40DD-AFC4-6F175D3DCCD1}">
+                <a14:hiddenFill xmlns:a14="http://schemas.microsoft.com/office/drawing/2010/main">
+                  <a:solidFill>
+                    <a:srgbClr val="FFFFFF"/>
+                  </a:solidFill>
+                </a14:hiddenFill>
+              </a:ext>
+            </a:extLst>
+          </p:spPr>
+        </p:pic>
+        <p:sp>
+          <p:nvSpPr>
+            <p:cNvPr id="6" name="Oval 5">
+              <a:extLst>
+                <a:ext uri="{FF2B5EF4-FFF2-40B4-BE49-F238E27FC236}">
+                  <a16:creationId xmlns:a16="http://schemas.microsoft.com/office/drawing/2014/main" id="{E5E76607-B039-01FF-272F-E552B4F9B7CB}"/>
+                </a:ext>
+              </a:extLst>
+            </p:cNvPr>
+            <p:cNvSpPr/>
+            <p:nvPr/>
+          </p:nvSpPr>
+          <p:spPr>
+            <a:xfrm>
+              <a:off x="7663819" y="2110636"/>
+              <a:ext cx="1658083" cy="652355"/>
+            </a:xfrm>
+            <a:prstGeom prst="ellipse">
+              <a:avLst/>
+            </a:prstGeom>
+            <a:solidFill>
+              <a:srgbClr val="FEACF4">
+                <a:alpha val="58824"/>
+              </a:srgbClr>
+            </a:solidFill>
+            <a:ln>
+              <a:noFill/>
+            </a:ln>
+          </p:spPr>
+          <p:style>
+            <a:lnRef idx="2">
+              <a:schemeClr val="accent1">
+                <a:shade val="50000"/>
+              </a:schemeClr>
+            </a:lnRef>
+            <a:fillRef idx="1">
+              <a:schemeClr val="accent1"/>
+            </a:fillRef>
+            <a:effectRef idx="0">
+              <a:schemeClr val="accent1"/>
+            </a:effectRef>
+            <a:fontRef idx="minor">
+              <a:schemeClr val="lt1"/>
+            </a:fontRef>
+          </p:style>
+          <p:txBody>
+            <a:bodyPr rtlCol="0" anchor="ctr"/>
+            <a:lstStyle/>
+            <a:p>
+              <a:pPr algn="ctr"/>
+              <a:endParaRPr lang="en-GB"/>
+            </a:p>
+          </p:txBody>
+        </p:sp>
+        <p:sp>
+          <p:nvSpPr>
+            <p:cNvPr id="7" name="Oval 6">
+              <a:extLst>
+                <a:ext uri="{FF2B5EF4-FFF2-40B4-BE49-F238E27FC236}">
+                  <a16:creationId xmlns:a16="http://schemas.microsoft.com/office/drawing/2014/main" id="{9B6144BA-3D54-FA8A-B7AD-A9F9CE28A1A4}"/>
+                </a:ext>
+              </a:extLst>
+            </p:cNvPr>
+            <p:cNvSpPr/>
+            <p:nvPr/>
+          </p:nvSpPr>
+          <p:spPr>
+            <a:xfrm>
+              <a:off x="9982374" y="2110636"/>
+              <a:ext cx="1658083" cy="744718"/>
+            </a:xfrm>
+            <a:prstGeom prst="ellipse">
+              <a:avLst/>
+            </a:prstGeom>
+            <a:solidFill>
+              <a:srgbClr val="FEACF4">
+                <a:alpha val="58824"/>
+              </a:srgbClr>
+            </a:solidFill>
+            <a:ln>
+              <a:noFill/>
+            </a:ln>
+          </p:spPr>
+          <p:style>
+            <a:lnRef idx="2">
+              <a:schemeClr val="accent1">
+                <a:shade val="50000"/>
+              </a:schemeClr>
+            </a:lnRef>
+            <a:fillRef idx="1">
+              <a:schemeClr val="accent1"/>
+            </a:fillRef>
+            <a:effectRef idx="0">
+              <a:schemeClr val="accent1"/>
+            </a:effectRef>
+            <a:fontRef idx="minor">
+              <a:schemeClr val="lt1"/>
+            </a:fontRef>
+          </p:style>
+          <p:txBody>
+            <a:bodyPr rtlCol="0" anchor="ctr"/>
+            <a:lstStyle/>
+            <a:p>
+              <a:pPr algn="ctr"/>
+              <a:endParaRPr lang="en-GB"/>
+            </a:p>
+          </p:txBody>
+        </p:sp>
+        <p:sp>
+          <p:nvSpPr>
+            <p:cNvPr id="8" name="Oval 7">
+              <a:extLst>
+                <a:ext uri="{FF2B5EF4-FFF2-40B4-BE49-F238E27FC236}">
+                  <a16:creationId xmlns:a16="http://schemas.microsoft.com/office/drawing/2014/main" id="{47B9EA45-ABB3-1EFB-A05C-5010E6B7B60E}"/>
+                </a:ext>
+              </a:extLst>
+            </p:cNvPr>
+            <p:cNvSpPr/>
+            <p:nvPr/>
+          </p:nvSpPr>
+          <p:spPr>
+            <a:xfrm>
+              <a:off x="8795657" y="3349703"/>
+              <a:ext cx="304800" cy="652355"/>
+            </a:xfrm>
+            <a:prstGeom prst="ellipse">
+              <a:avLst/>
+            </a:prstGeom>
+            <a:solidFill>
+              <a:srgbClr val="FEACF4">
+                <a:alpha val="58824"/>
+              </a:srgbClr>
+            </a:solidFill>
+            <a:ln>
+              <a:noFill/>
+            </a:ln>
+          </p:spPr>
+          <p:style>
+            <a:lnRef idx="2">
+              <a:schemeClr val="accent1">
+                <a:shade val="50000"/>
+              </a:schemeClr>
+            </a:lnRef>
+            <a:fillRef idx="1">
+              <a:schemeClr val="accent1"/>
+            </a:fillRef>
+            <a:effectRef idx="0">
+              <a:schemeClr val="accent1"/>
+            </a:effectRef>
+            <a:fontRef idx="minor">
+              <a:schemeClr val="lt1"/>
+            </a:fontRef>
+          </p:style>
+          <p:txBody>
+            <a:bodyPr rtlCol="0" anchor="ctr"/>
+            <a:lstStyle/>
+            <a:p>
+              <a:pPr algn="ctr"/>
+              <a:endParaRPr lang="en-GB"/>
+            </a:p>
+          </p:txBody>
+        </p:sp>
+        <p:sp>
+          <p:nvSpPr>
+            <p:cNvPr id="9" name="Oval 8">
+              <a:extLst>
+                <a:ext uri="{FF2B5EF4-FFF2-40B4-BE49-F238E27FC236}">
+                  <a16:creationId xmlns:a16="http://schemas.microsoft.com/office/drawing/2014/main" id="{7D4AD5AB-0D3B-359B-D592-43075E9C8706}"/>
+                </a:ext>
+              </a:extLst>
+            </p:cNvPr>
+            <p:cNvSpPr/>
+            <p:nvPr/>
+          </p:nvSpPr>
+          <p:spPr>
+            <a:xfrm>
+              <a:off x="11078028" y="3349703"/>
+              <a:ext cx="304800" cy="652355"/>
+            </a:xfrm>
+            <a:prstGeom prst="ellipse">
+              <a:avLst/>
+            </a:prstGeom>
+            <a:solidFill>
+              <a:srgbClr val="FEACF4">
+                <a:alpha val="58824"/>
+              </a:srgbClr>
+            </a:solidFill>
+            <a:ln>
+              <a:noFill/>
+            </a:ln>
+          </p:spPr>
+          <p:style>
+            <a:lnRef idx="2">
+              <a:schemeClr val="accent1">
+                <a:shade val="50000"/>
+              </a:schemeClr>
+            </a:lnRef>
+            <a:fillRef idx="1">
+              <a:schemeClr val="accent1"/>
+            </a:fillRef>
+            <a:effectRef idx="0">
+              <a:schemeClr val="accent1"/>
+            </a:effectRef>
+            <a:fontRef idx="minor">
+              <a:schemeClr val="lt1"/>
+            </a:fontRef>
+          </p:style>
+          <p:txBody>
+            <a:bodyPr rtlCol="0" anchor="ctr"/>
+            <a:lstStyle/>
+            <a:p>
+              <a:pPr algn="ctr"/>
+              <a:endParaRPr lang="en-GB"/>
+            </a:p>
+          </p:txBody>
+        </p:sp>
+      </p:grpSp>
+      <p:sp>
+        <p:nvSpPr>
+          <p:cNvPr id="21" name="TextBox 20">
+            <a:extLst>
+              <a:ext uri="{FF2B5EF4-FFF2-40B4-BE49-F238E27FC236}">
+                <a16:creationId xmlns:a16="http://schemas.microsoft.com/office/drawing/2014/main" id="{7E292E58-2F0C-96E5-2A5D-644DBBC8F8D8}"/>
+              </a:ext>
+            </a:extLst>
+          </p:cNvPr>
+          <p:cNvSpPr txBox="1"/>
+          <p:nvPr/>
+        </p:nvSpPr>
+        <p:spPr>
+          <a:xfrm>
+            <a:off x="8599478" y="4556038"/>
+            <a:ext cx="2628900" cy="1200329"/>
+          </a:xfrm>
+          <a:prstGeom prst="rect">
+            <a:avLst/>
+          </a:prstGeom>
+          <a:noFill/>
+        </p:spPr>
+        <p:txBody>
+          <a:bodyPr wrap="square" rtlCol="0">
+            <a:spAutoFit/>
+          </a:bodyPr>
+          <a:lstStyle/>
+          <a:p>
+            <a:pPr algn="ctr"/>
+            <a:r>
+              <a:rPr lang="en-GB" dirty="0"/>
+              <a:t>Breathing rate </a:t>
+            </a:r>
+            <a:r>
+              <a:rPr lang="en-GB"/>
+              <a:t>was inaccurate </a:t>
+            </a:r>
+            <a:r>
+              <a:rPr lang="en-GB" dirty="0"/>
+              <a:t>for periods of high noise/ movement artefact</a:t>
+            </a:r>
+          </a:p>
+        </p:txBody>
+      </p:sp>
+    </p:spTree>
+    <p:extLst>
+      <p:ext uri="{BB962C8B-B14F-4D97-AF65-F5344CB8AC3E}">
+        <p14:creationId xmlns:p14="http://schemas.microsoft.com/office/powerpoint/2010/main" val="3822798680"/>
+      </p:ext>
+    </p:extLst>
+  </p:cSld>
+  <p:clrMapOvr>
+    <a:masterClrMapping/>
+  </p:clrMapOvr>
+  <p:timing>
+    <p:tnLst>
+      <p:par>
+        <p:cTn id="1" dur="indefinite" restart="never" nodeType="tmRoot">
+          <p:childTnLst>
+            <p:seq concurrent="1" nextAc="seek">
+              <p:cTn id="2" dur="indefinite" nodeType="mainSeq">
+                <p:childTnLst>
+                  <p:par>
+                    <p:cTn id="3" fill="hold">
+                      <p:stCondLst>
+                        <p:cond delay="indefinite"/>
+                      </p:stCondLst>
+                      <p:childTnLst>
+                        <p:par>
+                          <p:cTn id="4" fill="hold">
+                            <p:stCondLst>
+                              <p:cond delay="0"/>
+                            </p:stCondLst>
+                            <p:childTnLst>
+                              <p:par>
+                                <p:cTn id="5" presetID="10" presetClass="entr" presetSubtype="0" fill="hold" grpId="0" nodeType="clickEffect">
+                                  <p:stCondLst>
+                                    <p:cond delay="0"/>
+                                  </p:stCondLst>
+                                  <p:childTnLst>
+                                    <p:set>
+                                      <p:cBhvr>
+                                        <p:cTn id="6" dur="1" fill="hold">
+                                          <p:stCondLst>
+                                            <p:cond delay="0"/>
+                                          </p:stCondLst>
+                                        </p:cTn>
+                                        <p:tgtEl>
+                                          <p:spTgt spid="11"/>
+                                        </p:tgtEl>
+                                        <p:attrNameLst>
+                                          <p:attrName>style.visibility</p:attrName>
+                                        </p:attrNameLst>
+                                      </p:cBhvr>
+                                      <p:to>
+                                        <p:strVal val="visible"/>
+                                      </p:to>
+                                    </p:set>
+                                    <p:animEffect transition="in" filter="fade">
+                                      <p:cBhvr>
+                                        <p:cTn id="7" dur="500"/>
+                                        <p:tgtEl>
+                                          <p:spTgt spid="11"/>
+                                        </p:tgtEl>
+                                      </p:cBhvr>
+                                    </p:animEffect>
+                                  </p:childTnLst>
+                                </p:cTn>
+                              </p:par>
+                              <p:par>
+                                <p:cTn id="8" presetID="10" presetClass="entr" presetSubtype="0" fill="hold" grpId="0" nodeType="withEffect">
+                                  <p:stCondLst>
+                                    <p:cond delay="0"/>
+                                  </p:stCondLst>
+                                  <p:childTnLst>
+                                    <p:set>
+                                      <p:cBhvr>
+                                        <p:cTn id="9" dur="1" fill="hold">
+                                          <p:stCondLst>
+                                            <p:cond delay="0"/>
+                                          </p:stCondLst>
+                                        </p:cTn>
+                                        <p:tgtEl>
+                                          <p:spTgt spid="14"/>
+                                        </p:tgtEl>
+                                        <p:attrNameLst>
+                                          <p:attrName>style.visibility</p:attrName>
+                                        </p:attrNameLst>
+                                      </p:cBhvr>
+                                      <p:to>
+                                        <p:strVal val="visible"/>
+                                      </p:to>
+                                    </p:set>
+                                    <p:animEffect transition="in" filter="fade">
+                                      <p:cBhvr>
+                                        <p:cTn id="10" dur="500"/>
+                                        <p:tgtEl>
+                                          <p:spTgt spid="14"/>
+                                        </p:tgtEl>
+                                      </p:cBhvr>
+                                    </p:animEffect>
+                                  </p:childTnLst>
+                                </p:cTn>
+                              </p:par>
+                              <p:par>
+                                <p:cTn id="11" presetID="10" presetClass="entr" presetSubtype="0" fill="hold" nodeType="withEffect">
+                                  <p:stCondLst>
+                                    <p:cond delay="0"/>
+                                  </p:stCondLst>
+                                  <p:childTnLst>
+                                    <p:set>
+                                      <p:cBhvr>
+                                        <p:cTn id="12" dur="1" fill="hold">
+                                          <p:stCondLst>
+                                            <p:cond delay="0"/>
+                                          </p:stCondLst>
+                                        </p:cTn>
+                                        <p:tgtEl>
+                                          <p:spTgt spid="3"/>
+                                        </p:tgtEl>
+                                        <p:attrNameLst>
+                                          <p:attrName>style.visibility</p:attrName>
+                                        </p:attrNameLst>
+                                      </p:cBhvr>
+                                      <p:to>
+                                        <p:strVal val="visible"/>
+                                      </p:to>
+                                    </p:set>
+                                    <p:animEffect transition="in" filter="fade">
+                                      <p:cBhvr>
+                                        <p:cTn id="13" dur="500"/>
+                                        <p:tgtEl>
+                                          <p:spTgt spid="3"/>
+                                        </p:tgtEl>
+                                      </p:cBhvr>
+                                    </p:animEffect>
+                                  </p:childTnLst>
+                                </p:cTn>
+                              </p:par>
+                              <p:par>
+                                <p:cTn id="14" presetID="10" presetClass="entr" presetSubtype="0" fill="hold" nodeType="withEffect">
+                                  <p:stCondLst>
+                                    <p:cond delay="0"/>
+                                  </p:stCondLst>
+                                  <p:childTnLst>
+                                    <p:set>
+                                      <p:cBhvr>
+                                        <p:cTn id="15" dur="1" fill="hold">
+                                          <p:stCondLst>
+                                            <p:cond delay="0"/>
+                                          </p:stCondLst>
+                                        </p:cTn>
+                                        <p:tgtEl>
+                                          <p:spTgt spid="19"/>
+                                        </p:tgtEl>
+                                        <p:attrNameLst>
+                                          <p:attrName>style.visibility</p:attrName>
+                                        </p:attrNameLst>
+                                      </p:cBhvr>
+                                      <p:to>
+                                        <p:strVal val="visible"/>
+                                      </p:to>
+                                    </p:set>
+                                    <p:animEffect transition="in" filter="fade">
+                                      <p:cBhvr>
+                                        <p:cTn id="16" dur="500"/>
+                                        <p:tgtEl>
+                                          <p:spTgt spid="19"/>
+                                        </p:tgtEl>
+                                      </p:cBhvr>
+                                    </p:animEffect>
+                                  </p:childTnLst>
+                                </p:cTn>
+                              </p:par>
+                              <p:par>
+                                <p:cTn id="17" presetID="10" presetClass="entr" presetSubtype="0" fill="hold" nodeType="withEffect">
+                                  <p:stCondLst>
+                                    <p:cond delay="0"/>
+                                  </p:stCondLst>
+                                  <p:childTnLst>
+                                    <p:set>
+                                      <p:cBhvr>
+                                        <p:cTn id="18" dur="1" fill="hold">
+                                          <p:stCondLst>
+                                            <p:cond delay="0"/>
+                                          </p:stCondLst>
+                                        </p:cTn>
+                                        <p:tgtEl>
+                                          <p:spTgt spid="17"/>
+                                        </p:tgtEl>
+                                        <p:attrNameLst>
+                                          <p:attrName>style.visibility</p:attrName>
+                                        </p:attrNameLst>
+                                      </p:cBhvr>
+                                      <p:to>
+                                        <p:strVal val="visible"/>
+                                      </p:to>
+                                    </p:set>
+                                    <p:animEffect transition="in" filter="fade">
+                                      <p:cBhvr>
+                                        <p:cTn id="19" dur="500"/>
+                                        <p:tgtEl>
+                                          <p:spTgt spid="17"/>
+                                        </p:tgtEl>
+                                      </p:cBhvr>
+                                    </p:animEffect>
+                                  </p:childTnLst>
+                                </p:cTn>
+                              </p:par>
+                            </p:childTnLst>
+                          </p:cTn>
+                        </p:par>
+                      </p:childTnLst>
+                    </p:cTn>
+                  </p:par>
+                  <p:par>
+                    <p:cTn id="20" fill="hold">
+                      <p:stCondLst>
+                        <p:cond delay="indefinite"/>
+                      </p:stCondLst>
+                      <p:childTnLst>
+                        <p:par>
+                          <p:cTn id="21" fill="hold">
+                            <p:stCondLst>
+                              <p:cond delay="0"/>
+                            </p:stCondLst>
+                            <p:childTnLst>
+                              <p:par>
+                                <p:cTn id="22" presetID="1" presetClass="exit" presetSubtype="0" fill="hold" nodeType="clickEffect">
+                                  <p:stCondLst>
+                                    <p:cond delay="0"/>
+                                  </p:stCondLst>
+                                  <p:childTnLst>
+                                    <p:set>
+                                      <p:cBhvr>
+                                        <p:cTn id="23" dur="1" fill="hold">
+                                          <p:stCondLst>
+                                            <p:cond delay="0"/>
+                                          </p:stCondLst>
+                                        </p:cTn>
+                                        <p:tgtEl>
+                                          <p:spTgt spid="3"/>
+                                        </p:tgtEl>
+                                        <p:attrNameLst>
+                                          <p:attrName>style.visibility</p:attrName>
+                                        </p:attrNameLst>
+                                      </p:cBhvr>
+                                      <p:to>
+                                        <p:strVal val="hidden"/>
+                                      </p:to>
+                                    </p:set>
+                                  </p:childTnLst>
+                                </p:cTn>
+                              </p:par>
+                              <p:par>
+                                <p:cTn id="24" presetID="1" presetClass="exit" presetSubtype="0" fill="hold" nodeType="withEffect">
+                                  <p:stCondLst>
+                                    <p:cond delay="0"/>
+                                  </p:stCondLst>
+                                  <p:childTnLst>
+                                    <p:set>
+                                      <p:cBhvr>
+                                        <p:cTn id="25" dur="1" fill="hold">
+                                          <p:stCondLst>
+                                            <p:cond delay="0"/>
+                                          </p:stCondLst>
+                                        </p:cTn>
+                                        <p:tgtEl>
+                                          <p:spTgt spid="19"/>
+                                        </p:tgtEl>
+                                        <p:attrNameLst>
+                                          <p:attrName>style.visibility</p:attrName>
+                                        </p:attrNameLst>
+                                      </p:cBhvr>
+                                      <p:to>
+                                        <p:strVal val="hidden"/>
+                                      </p:to>
+                                    </p:set>
+                                  </p:childTnLst>
+                                </p:cTn>
+                              </p:par>
+                              <p:par>
+                                <p:cTn id="26" presetID="1" presetClass="exit" presetSubtype="0" fill="hold" nodeType="withEffect">
+                                  <p:stCondLst>
+                                    <p:cond delay="0"/>
+                                  </p:stCondLst>
+                                  <p:childTnLst>
+                                    <p:set>
+                                      <p:cBhvr>
+                                        <p:cTn id="27" dur="1" fill="hold">
+                                          <p:stCondLst>
+                                            <p:cond delay="0"/>
+                                          </p:stCondLst>
+                                        </p:cTn>
+                                        <p:tgtEl>
+                                          <p:spTgt spid="17"/>
+                                        </p:tgtEl>
+                                        <p:attrNameLst>
+                                          <p:attrName>style.visibility</p:attrName>
+                                        </p:attrNameLst>
+                                      </p:cBhvr>
+                                      <p:to>
+                                        <p:strVal val="hidden"/>
+                                      </p:to>
+                                    </p:set>
+                                  </p:childTnLst>
+                                </p:cTn>
+                              </p:par>
+                              <p:par>
+                                <p:cTn id="28" presetID="10" presetClass="entr" presetSubtype="0" fill="hold" grpId="0" nodeType="withEffect">
+                                  <p:stCondLst>
+                                    <p:cond delay="0"/>
+                                  </p:stCondLst>
+                                  <p:childTnLst>
+                                    <p:set>
+                                      <p:cBhvr>
+                                        <p:cTn id="29" dur="1" fill="hold">
+                                          <p:stCondLst>
+                                            <p:cond delay="0"/>
+                                          </p:stCondLst>
+                                        </p:cTn>
+                                        <p:tgtEl>
+                                          <p:spTgt spid="12"/>
+                                        </p:tgtEl>
+                                        <p:attrNameLst>
+                                          <p:attrName>style.visibility</p:attrName>
+                                        </p:attrNameLst>
+                                      </p:cBhvr>
+                                      <p:to>
+                                        <p:strVal val="visible"/>
+                                      </p:to>
+                                    </p:set>
+                                    <p:animEffect transition="in" filter="fade">
+                                      <p:cBhvr>
+                                        <p:cTn id="30" dur="500"/>
+                                        <p:tgtEl>
+                                          <p:spTgt spid="12"/>
+                                        </p:tgtEl>
+                                      </p:cBhvr>
+                                    </p:animEffect>
+                                  </p:childTnLst>
+                                </p:cTn>
+                              </p:par>
+                              <p:par>
+                                <p:cTn id="31" presetID="10" presetClass="entr" presetSubtype="0" fill="hold" grpId="0" nodeType="withEffect">
+                                  <p:stCondLst>
+                                    <p:cond delay="0"/>
+                                  </p:stCondLst>
+                                  <p:childTnLst>
+                                    <p:set>
+                                      <p:cBhvr>
+                                        <p:cTn id="32" dur="1" fill="hold">
+                                          <p:stCondLst>
+                                            <p:cond delay="0"/>
+                                          </p:stCondLst>
+                                        </p:cTn>
+                                        <p:tgtEl>
+                                          <p:spTgt spid="20"/>
+                                        </p:tgtEl>
+                                        <p:attrNameLst>
+                                          <p:attrName>style.visibility</p:attrName>
+                                        </p:attrNameLst>
+                                      </p:cBhvr>
+                                      <p:to>
+                                        <p:strVal val="visible"/>
+                                      </p:to>
+                                    </p:set>
+                                    <p:animEffect transition="in" filter="fade">
+                                      <p:cBhvr>
+                                        <p:cTn id="33" dur="500"/>
+                                        <p:tgtEl>
+                                          <p:spTgt spid="20"/>
+                                        </p:tgtEl>
+                                      </p:cBhvr>
+                                    </p:animEffect>
+                                  </p:childTnLst>
+                                </p:cTn>
+                              </p:par>
+                            </p:childTnLst>
+                          </p:cTn>
+                        </p:par>
+                      </p:childTnLst>
+                    </p:cTn>
+                  </p:par>
+                  <p:par>
+                    <p:cTn id="34" fill="hold">
+                      <p:stCondLst>
+                        <p:cond delay="indefinite"/>
+                      </p:stCondLst>
+                      <p:childTnLst>
+                        <p:par>
+                          <p:cTn id="35" fill="hold">
+                            <p:stCondLst>
+                              <p:cond delay="0"/>
+                            </p:stCondLst>
+                            <p:childTnLst>
+                              <p:par>
+                                <p:cTn id="36" presetID="10" presetClass="entr" presetSubtype="0" fill="hold" grpId="0" nodeType="clickEffect">
+                                  <p:stCondLst>
+                                    <p:cond delay="0"/>
+                                  </p:stCondLst>
+                                  <p:childTnLst>
+                                    <p:set>
+                                      <p:cBhvr>
+                                        <p:cTn id="37" dur="1" fill="hold">
+                                          <p:stCondLst>
+                                            <p:cond delay="0"/>
+                                          </p:stCondLst>
+                                        </p:cTn>
+                                        <p:tgtEl>
+                                          <p:spTgt spid="13"/>
+                                        </p:tgtEl>
+                                        <p:attrNameLst>
+                                          <p:attrName>style.visibility</p:attrName>
+                                        </p:attrNameLst>
+                                      </p:cBhvr>
+                                      <p:to>
+                                        <p:strVal val="visible"/>
+                                      </p:to>
+                                    </p:set>
+                                    <p:animEffect transition="in" filter="fade">
+                                      <p:cBhvr>
+                                        <p:cTn id="38" dur="500"/>
+                                        <p:tgtEl>
+                                          <p:spTgt spid="13"/>
+                                        </p:tgtEl>
+                                      </p:cBhvr>
+                                    </p:animEffect>
+                                  </p:childTnLst>
+                                </p:cTn>
+                              </p:par>
+                              <p:par>
+                                <p:cTn id="39" presetID="10" presetClass="entr" presetSubtype="0" fill="hold" nodeType="withEffect">
+                                  <p:stCondLst>
+                                    <p:cond delay="0"/>
+                                  </p:stCondLst>
+                                  <p:childTnLst>
+                                    <p:set>
+                                      <p:cBhvr>
+                                        <p:cTn id="40" dur="1" fill="hold">
+                                          <p:stCondLst>
+                                            <p:cond delay="0"/>
+                                          </p:stCondLst>
+                                        </p:cTn>
+                                        <p:tgtEl>
+                                          <p:spTgt spid="10"/>
+                                        </p:tgtEl>
+                                        <p:attrNameLst>
+                                          <p:attrName>style.visibility</p:attrName>
+                                        </p:attrNameLst>
+                                      </p:cBhvr>
+                                      <p:to>
+                                        <p:strVal val="visible"/>
+                                      </p:to>
+                                    </p:set>
+                                    <p:animEffect transition="in" filter="fade">
+                                      <p:cBhvr>
+                                        <p:cTn id="41" dur="500"/>
+                                        <p:tgtEl>
+                                          <p:spTgt spid="10"/>
+                                        </p:tgtEl>
+                                      </p:cBhvr>
+                                    </p:animEffect>
+                                  </p:childTnLst>
+                                </p:cTn>
+                              </p:par>
+                              <p:par>
+                                <p:cTn id="42" presetID="1" presetClass="entr" presetSubtype="0" fill="hold" grpId="0" nodeType="withEffect">
+                                  <p:stCondLst>
+                                    <p:cond delay="0"/>
+                                  </p:stCondLst>
+                                  <p:childTnLst>
+                                    <p:set>
+                                      <p:cBhvr>
+                                        <p:cTn id="43" dur="1" fill="hold">
+                                          <p:stCondLst>
+                                            <p:cond delay="0"/>
+                                          </p:stCondLst>
+                                        </p:cTn>
+                                        <p:tgtEl>
+                                          <p:spTgt spid="21"/>
+                                        </p:tgtEl>
+                                        <p:attrNameLst>
+                                          <p:attrName>style.visibility</p:attrName>
+                                        </p:attrNameLst>
+                                      </p:cBhvr>
+                                      <p:to>
+                                        <p:strVal val="visible"/>
+                                      </p:to>
+                                    </p:set>
+                                  </p:childTnLst>
+                                </p:cTn>
+                              </p:par>
+                            </p:childTnLst>
+                          </p:cTn>
+                        </p:par>
+                      </p:childTnLst>
+                    </p:cTn>
+                  </p:par>
+                </p:childTnLst>
+              </p:cTn>
+              <p:prevCondLst>
+                <p:cond evt="onPrev" delay="0">
+                  <p:tgtEl>
+                    <p:sldTgt/>
+                  </p:tgtEl>
+                </p:cond>
+              </p:prevCondLst>
+              <p:nextCondLst>
+                <p:cond evt="onNext" delay="0">
+                  <p:tgtEl>
+                    <p:sldTgt/>
+                  </p:tgtEl>
+                </p:cond>
+              </p:nextCondLst>
+            </p:seq>
+          </p:childTnLst>
+        </p:cTn>
+      </p:par>
+    </p:tnLst>
+    <p:bldLst>
+      <p:bldP spid="11" grpId="0" animBg="1"/>
+      <p:bldP spid="12" grpId="0" animBg="1"/>
+      <p:bldP spid="13" grpId="0" animBg="1"/>
+      <p:bldP spid="14" grpId="0"/>
+      <p:bldP spid="20" grpId="0"/>
+      <p:bldP spid="21" grpId="0"/>
+    </p:bldLst>
+  </p:timing>
+</p:sld>
+</file>
+
+<file path=ppt/slides/slide4.xml><?xml version="1.0" encoding="utf-8"?>
+<p:sld xmlns:a="http://schemas.openxmlformats.org/drawingml/2006/main" xmlns:r="http://schemas.openxmlformats.org/officeDocument/2006/relationships" xmlns:p="http://schemas.openxmlformats.org/presentationml/2006/main">
+  <p:cSld>
+    <p:spTree>
+      <p:nvGrpSpPr>
+        <p:cNvPr id="1" name=""/>
+        <p:cNvGrpSpPr/>
+        <p:nvPr/>
+      </p:nvGrpSpPr>
+      <p:grpSpPr>
+        <a:xfrm>
+          <a:off x="0" y="0"/>
+          <a:ext cx="0" cy="0"/>
+          <a:chOff x="0" y="0"/>
+          <a:chExt cx="0" cy="0"/>
+        </a:xfrm>
+      </p:grpSpPr>
+      <p:sp>
+        <p:nvSpPr>
+          <p:cNvPr id="2" name="Title 1">
+            <a:extLst>
+              <a:ext uri="{FF2B5EF4-FFF2-40B4-BE49-F238E27FC236}">
+                <a16:creationId xmlns:a16="http://schemas.microsoft.com/office/drawing/2014/main" id="{EB0787F7-8B3B-E6D8-E155-39722CD26475}"/>
+              </a:ext>
+            </a:extLst>
+          </p:cNvPr>
+          <p:cNvSpPr>
+            <a:spLocks noGrp="1"/>
+          </p:cNvSpPr>
+          <p:nvPr>
+            <p:ph type="title"/>
+          </p:nvPr>
+        </p:nvSpPr>
+        <p:spPr/>
+        <p:txBody>
+          <a:bodyPr/>
+          <a:lstStyle/>
+          <a:p>
+            <a:r>
+              <a:rPr lang="en-GB" dirty="0"/>
+              <a:t>Alternative approaches</a:t>
+            </a:r>
+          </a:p>
+        </p:txBody>
+      </p:sp>
+      <p:sp>
+        <p:nvSpPr>
+          <p:cNvPr id="7" name="TextBox 6">
+            <a:extLst>
+              <a:ext uri="{FF2B5EF4-FFF2-40B4-BE49-F238E27FC236}">
+                <a16:creationId xmlns:a16="http://schemas.microsoft.com/office/drawing/2014/main" id="{94FAECEC-D214-AC8F-DCBA-58AB6BB94FEE}"/>
+              </a:ext>
+            </a:extLst>
+          </p:cNvPr>
+          <p:cNvSpPr txBox="1"/>
+          <p:nvPr/>
+        </p:nvSpPr>
+        <p:spPr>
+          <a:xfrm>
+            <a:off x="106078" y="2239809"/>
+            <a:ext cx="4494140" cy="646331"/>
+          </a:xfrm>
+          <a:prstGeom prst="rect">
+            <a:avLst/>
+          </a:prstGeom>
+          <a:noFill/>
+        </p:spPr>
+        <p:txBody>
+          <a:bodyPr wrap="square">
+            <a:spAutoFit/>
+          </a:bodyPr>
+          <a:lstStyle/>
+          <a:p>
+            <a:pPr algn="ctr"/>
+            <a:r>
+              <a:rPr lang="en-GB" b="1" dirty="0">
+                <a:solidFill>
+                  <a:srgbClr val="000000"/>
+                </a:solidFill>
+                <a:latin typeface="Helvetica Neue"/>
+              </a:rPr>
+              <a:t>Two</a:t>
+            </a:r>
+            <a:r>
+              <a:rPr lang="en-GB" b="1" i="0" dirty="0">
+                <a:solidFill>
+                  <a:srgbClr val="000000"/>
+                </a:solidFill>
+                <a:effectLst/>
+                <a:latin typeface="Helvetica Neue"/>
+              </a:rPr>
+              <a:t> </a:t>
+            </a:r>
+            <a:r>
+              <a:rPr lang="en-GB" b="1" i="0" dirty="0" err="1">
+                <a:solidFill>
+                  <a:srgbClr val="000000"/>
+                </a:solidFill>
+                <a:effectLst/>
+                <a:latin typeface="Helvetica Neue"/>
+              </a:rPr>
+              <a:t>bandstop</a:t>
+            </a:r>
+            <a:r>
+              <a:rPr lang="en-GB" b="1" i="0" dirty="0">
+                <a:solidFill>
+                  <a:srgbClr val="000000"/>
+                </a:solidFill>
+                <a:effectLst/>
+                <a:latin typeface="Helvetica Neue"/>
+              </a:rPr>
+              <a:t> filter </a:t>
+            </a:r>
+          </a:p>
+          <a:p>
+            <a:pPr algn="ctr"/>
+            <a:r>
+              <a:rPr lang="en-GB" b="1" i="0" dirty="0">
+                <a:solidFill>
+                  <a:srgbClr val="000000"/>
+                </a:solidFill>
+                <a:effectLst/>
+                <a:latin typeface="Helvetica Neue"/>
+              </a:rPr>
+              <a:t>(0.01-0.2Hz), (0.4-2.4Hz)</a:t>
+            </a:r>
+          </a:p>
+        </p:txBody>
+      </p:sp>
+      <p:pic>
+        <p:nvPicPr>
+          <p:cNvPr id="1028" name="Picture 4">
+            <a:extLst>
+              <a:ext uri="{FF2B5EF4-FFF2-40B4-BE49-F238E27FC236}">
+                <a16:creationId xmlns:a16="http://schemas.microsoft.com/office/drawing/2014/main" id="{8872F004-15AE-B0E7-C204-E363873DE101}"/>
+              </a:ext>
+            </a:extLst>
+          </p:cNvPr>
+          <p:cNvPicPr>
+            <a:picLocks noChangeAspect="1" noChangeArrowheads="1"/>
+          </p:cNvPicPr>
+          <p:nvPr/>
+        </p:nvPicPr>
+        <p:blipFill rotWithShape="1">
+          <a:blip r:embed="rId3">
+            <a:extLst>
+              <a:ext uri="{28A0092B-C50C-407E-A947-70E740481C1C}">
+                <a14:useLocalDpi xmlns:a14="http://schemas.microsoft.com/office/drawing/2010/main" val="0"/>
+              </a:ext>
+            </a:extLst>
+          </a:blip>
+          <a:srcRect t="5324"/>
+          <a:stretch/>
+        </p:blipFill>
+        <p:spPr bwMode="auto">
+          <a:xfrm>
+            <a:off x="4600217" y="3006969"/>
+            <a:ext cx="3709601" cy="3050930"/>
+          </a:xfrm>
+          <a:prstGeom prst="rect">
+            <a:avLst/>
+          </a:prstGeom>
+          <a:noFill/>
+          <a:extLst>
+            <a:ext uri="{909E8E84-426E-40DD-AFC4-6F175D3DCCD1}">
+              <a14:hiddenFill xmlns:a14="http://schemas.microsoft.com/office/drawing/2010/main">
+                <a:solidFill>
+                  <a:srgbClr val="FFFFFF"/>
+                </a:solidFill>
+              </a14:hiddenFill>
+            </a:ext>
+          </a:extLst>
+        </p:spPr>
+      </p:pic>
+      <p:sp>
+        <p:nvSpPr>
+          <p:cNvPr id="8" name="TextBox 7">
+            <a:extLst>
+              <a:ext uri="{FF2B5EF4-FFF2-40B4-BE49-F238E27FC236}">
+                <a16:creationId xmlns:a16="http://schemas.microsoft.com/office/drawing/2014/main" id="{4CB07BD4-9FAC-8235-8B7A-5680ABEB373F}"/>
+              </a:ext>
+            </a:extLst>
+          </p:cNvPr>
+          <p:cNvSpPr txBox="1"/>
+          <p:nvPr/>
+        </p:nvSpPr>
+        <p:spPr>
+          <a:xfrm>
+            <a:off x="4525871" y="2562975"/>
+            <a:ext cx="3858292" cy="369332"/>
+          </a:xfrm>
+          <a:prstGeom prst="rect">
+            <a:avLst/>
+          </a:prstGeom>
+          <a:noFill/>
+        </p:spPr>
+        <p:txBody>
+          <a:bodyPr wrap="square">
+            <a:spAutoFit/>
+          </a:bodyPr>
+          <a:lstStyle/>
+          <a:p>
+            <a:pPr algn="ctr"/>
+            <a:r>
+              <a:rPr lang="en-GB" b="1" i="0" dirty="0">
+                <a:solidFill>
+                  <a:srgbClr val="000000"/>
+                </a:solidFill>
+                <a:effectLst/>
+                <a:latin typeface="Helvetica Neue"/>
+              </a:rPr>
+              <a:t>A bandpass filter (0.1-0.4Hz)</a:t>
+            </a:r>
+          </a:p>
+        </p:txBody>
+      </p:sp>
+      <p:pic>
+        <p:nvPicPr>
+          <p:cNvPr id="1030" name="Picture 6">
+            <a:extLst>
+              <a:ext uri="{FF2B5EF4-FFF2-40B4-BE49-F238E27FC236}">
+                <a16:creationId xmlns:a16="http://schemas.microsoft.com/office/drawing/2014/main" id="{B3ABA6F9-3439-013E-1992-223118E9A9AB}"/>
+              </a:ext>
+            </a:extLst>
+          </p:cNvPr>
+          <p:cNvPicPr>
+            <a:picLocks noChangeAspect="1" noChangeArrowheads="1"/>
+          </p:cNvPicPr>
+          <p:nvPr/>
+        </p:nvPicPr>
+        <p:blipFill rotWithShape="1">
+          <a:blip r:embed="rId4">
+            <a:extLst>
+              <a:ext uri="{28A0092B-C50C-407E-A947-70E740481C1C}">
+                <a14:useLocalDpi xmlns:a14="http://schemas.microsoft.com/office/drawing/2010/main" val="0"/>
+              </a:ext>
+            </a:extLst>
+          </a:blip>
+          <a:srcRect t="1864" b="-1"/>
+          <a:stretch/>
+        </p:blipFill>
+        <p:spPr bwMode="auto">
+          <a:xfrm>
+            <a:off x="217778" y="3006969"/>
+            <a:ext cx="1949525" cy="3050930"/>
+          </a:xfrm>
+          <a:prstGeom prst="rect">
+            <a:avLst/>
+          </a:prstGeom>
+          <a:noFill/>
+          <a:extLst>
+            <a:ext uri="{909E8E84-426E-40DD-AFC4-6F175D3DCCD1}">
+              <a14:hiddenFill xmlns:a14="http://schemas.microsoft.com/office/drawing/2010/main">
+                <a:solidFill>
+                  <a:srgbClr val="FFFFFF"/>
+                </a:solidFill>
+              </a14:hiddenFill>
+            </a:ext>
+          </a:extLst>
+        </p:spPr>
+      </p:pic>
+      <p:pic>
+        <p:nvPicPr>
+          <p:cNvPr id="1032" name="Picture 8">
+            <a:extLst>
+              <a:ext uri="{FF2B5EF4-FFF2-40B4-BE49-F238E27FC236}">
+                <a16:creationId xmlns:a16="http://schemas.microsoft.com/office/drawing/2014/main" id="{C5656E64-5DB9-4225-F457-A871E0823551}"/>
+              </a:ext>
+            </a:extLst>
+          </p:cNvPr>
+          <p:cNvPicPr>
+            <a:picLocks noChangeAspect="1" noChangeArrowheads="1"/>
+          </p:cNvPicPr>
+          <p:nvPr/>
+        </p:nvPicPr>
+        <p:blipFill rotWithShape="1">
+          <a:blip r:embed="rId5">
+            <a:extLst>
+              <a:ext uri="{28A0092B-C50C-407E-A947-70E740481C1C}">
+                <a14:useLocalDpi xmlns:a14="http://schemas.microsoft.com/office/drawing/2010/main" val="0"/>
+              </a:ext>
+            </a:extLst>
+          </a:blip>
+          <a:srcRect t="2564"/>
+          <a:stretch/>
+        </p:blipFill>
+        <p:spPr bwMode="auto">
+          <a:xfrm>
+            <a:off x="2494883" y="3006969"/>
+            <a:ext cx="1945414" cy="3050930"/>
+          </a:xfrm>
+          <a:prstGeom prst="rect">
+            <a:avLst/>
+          </a:prstGeom>
+          <a:noFill/>
+          <a:extLst>
+            <a:ext uri="{909E8E84-426E-40DD-AFC4-6F175D3DCCD1}">
+              <a14:hiddenFill xmlns:a14="http://schemas.microsoft.com/office/drawing/2010/main">
+                <a:solidFill>
+                  <a:srgbClr val="FFFFFF"/>
+                </a:solidFill>
+              </a14:hiddenFill>
+            </a:ext>
+          </a:extLst>
+        </p:spPr>
+      </p:pic>
+      <p:pic>
+        <p:nvPicPr>
+          <p:cNvPr id="1034" name="Picture 10">
+            <a:extLst>
+              <a:ext uri="{FF2B5EF4-FFF2-40B4-BE49-F238E27FC236}">
+                <a16:creationId xmlns:a16="http://schemas.microsoft.com/office/drawing/2014/main" id="{C5732E1D-C9F2-B9E4-3DD0-524453DD6684}"/>
+              </a:ext>
+            </a:extLst>
+          </p:cNvPr>
+          <p:cNvPicPr>
+            <a:picLocks noChangeAspect="1" noChangeArrowheads="1"/>
+          </p:cNvPicPr>
+          <p:nvPr/>
+        </p:nvPicPr>
+        <p:blipFill rotWithShape="1">
+          <a:blip r:embed="rId6">
+            <a:extLst>
+              <a:ext uri="{28A0092B-C50C-407E-A947-70E740481C1C}">
+                <a14:useLocalDpi xmlns:a14="http://schemas.microsoft.com/office/drawing/2010/main" val="0"/>
+              </a:ext>
+            </a:extLst>
+          </a:blip>
+          <a:srcRect t="8589"/>
+          <a:stretch/>
+        </p:blipFill>
+        <p:spPr bwMode="auto">
+          <a:xfrm>
+            <a:off x="8544083" y="3006969"/>
+            <a:ext cx="3091164" cy="3050930"/>
+          </a:xfrm>
+          <a:prstGeom prst="rect">
+            <a:avLst/>
+          </a:prstGeom>
+          <a:noFill/>
+          <a:extLst>
+            <a:ext uri="{909E8E84-426E-40DD-AFC4-6F175D3DCCD1}">
+              <a14:hiddenFill xmlns:a14="http://schemas.microsoft.com/office/drawing/2010/main">
+                <a:solidFill>
+                  <a:srgbClr val="FFFFFF"/>
+                </a:solidFill>
+              </a14:hiddenFill>
+            </a:ext>
+          </a:extLst>
+        </p:spPr>
+      </p:pic>
+      <p:sp>
+        <p:nvSpPr>
+          <p:cNvPr id="9" name="TextBox 8">
+            <a:extLst>
+              <a:ext uri="{FF2B5EF4-FFF2-40B4-BE49-F238E27FC236}">
+                <a16:creationId xmlns:a16="http://schemas.microsoft.com/office/drawing/2014/main" id="{5CE6CE83-7C99-BC13-94CF-5B8DDA3C0DB6}"/>
+              </a:ext>
+            </a:extLst>
+          </p:cNvPr>
+          <p:cNvSpPr txBox="1"/>
+          <p:nvPr/>
+        </p:nvSpPr>
+        <p:spPr>
+          <a:xfrm>
+            <a:off x="8544083" y="1824311"/>
+            <a:ext cx="3091164" cy="1200329"/>
+          </a:xfrm>
+          <a:prstGeom prst="rect">
+            <a:avLst/>
+          </a:prstGeom>
+          <a:noFill/>
+        </p:spPr>
+        <p:txBody>
+          <a:bodyPr wrap="square">
+            <a:spAutoFit/>
+          </a:bodyPr>
+          <a:lstStyle/>
+          <a:p>
+            <a:pPr algn="ctr"/>
+            <a:r>
+              <a:rPr lang="en-GB" b="1" i="0" dirty="0">
+                <a:solidFill>
+                  <a:srgbClr val="000000"/>
+                </a:solidFill>
+                <a:effectLst/>
+                <a:latin typeface="Helvetica Neue"/>
+              </a:rPr>
+              <a:t>Normalised cross-correlation </a:t>
+            </a:r>
+          </a:p>
+          <a:p>
+            <a:pPr algn="ctr"/>
+            <a:r>
+              <a:rPr lang="en-GB" b="1" dirty="0">
+                <a:solidFill>
+                  <a:srgbClr val="000000"/>
+                </a:solidFill>
+                <a:latin typeface="Helvetica Neue"/>
+              </a:rPr>
+              <a:t>+</a:t>
+            </a:r>
+          </a:p>
+          <a:p>
+            <a:pPr algn="ctr"/>
+            <a:r>
+              <a:rPr lang="en-GB" b="1" i="0" dirty="0">
+                <a:solidFill>
+                  <a:srgbClr val="000000"/>
+                </a:solidFill>
+                <a:effectLst/>
+                <a:latin typeface="Helvetica Neue"/>
+              </a:rPr>
+              <a:t>Filter</a:t>
+            </a:r>
+          </a:p>
+        </p:txBody>
+      </p:sp>
+    </p:spTree>
+    <p:extLst>
+      <p:ext uri="{BB962C8B-B14F-4D97-AF65-F5344CB8AC3E}">
+        <p14:creationId xmlns:p14="http://schemas.microsoft.com/office/powerpoint/2010/main" val="1503677878"/>
+      </p:ext>
+    </p:extLst>
+  </p:cSld>
+  <p:clrMapOvr>
+    <a:masterClrMapping/>
+  </p:clrMapOvr>
+</p:sld>
+</file>
+
+<file path=ppt/slides/slide5.xml><?xml version="1.0" encoding="utf-8"?>
+<p:sld xmlns:a="http://schemas.openxmlformats.org/drawingml/2006/main" xmlns:r="http://schemas.openxmlformats.org/officeDocument/2006/relationships" xmlns:p="http://schemas.openxmlformats.org/presentationml/2006/main">
+  <p:cSld>
+    <p:spTree>
+      <p:nvGrpSpPr>
+        <p:cNvPr id="1" name=""/>
+        <p:cNvGrpSpPr/>
+        <p:nvPr/>
+      </p:nvGrpSpPr>
+      <p:grpSpPr>
+        <a:xfrm>
+          <a:off x="0" y="0"/>
+          <a:ext cx="0" cy="0"/>
+          <a:chOff x="0" y="0"/>
+          <a:chExt cx="0" cy="0"/>
+        </a:xfrm>
+      </p:grpSpPr>
+      <p:sp>
+        <p:nvSpPr>
+          <p:cNvPr id="2" name="Title 1">
+            <a:extLst>
+              <a:ext uri="{FF2B5EF4-FFF2-40B4-BE49-F238E27FC236}">
+                <a16:creationId xmlns:a16="http://schemas.microsoft.com/office/drawing/2014/main" id="{D58574B8-187D-3FD8-8B03-70BFBCF7342B}"/>
+              </a:ext>
+            </a:extLst>
+          </p:cNvPr>
+          <p:cNvSpPr>
+            <a:spLocks noGrp="1"/>
+          </p:cNvSpPr>
+          <p:nvPr>
+            <p:ph type="ctrTitle"/>
+          </p:nvPr>
+        </p:nvSpPr>
+        <p:spPr/>
+        <p:txBody>
+          <a:bodyPr/>
+          <a:lstStyle/>
+          <a:p>
+            <a:r>
+              <a:rPr lang="en-GB" dirty="0"/>
+              <a:t>Thank you for listening</a:t>
+            </a:r>
+          </a:p>
+        </p:txBody>
+      </p:sp>
+      <p:sp>
+        <p:nvSpPr>
+          <p:cNvPr id="3" name="Subtitle 2">
+            <a:extLst>
+              <a:ext uri="{FF2B5EF4-FFF2-40B4-BE49-F238E27FC236}">
+                <a16:creationId xmlns:a16="http://schemas.microsoft.com/office/drawing/2014/main" id="{82118FC3-1FE7-E813-D6D1-28B98B2F00E0}"/>
+              </a:ext>
+            </a:extLst>
+          </p:cNvPr>
+          <p:cNvSpPr>
+            <a:spLocks noGrp="1"/>
+          </p:cNvSpPr>
+          <p:nvPr>
+            <p:ph type="subTitle" idx="1"/>
+          </p:nvPr>
+        </p:nvSpPr>
+        <p:spPr/>
+        <p:txBody>
+          <a:bodyPr/>
+          <a:lstStyle/>
+          <a:p>
+            <a:r>
+              <a:rPr lang="en-GB" dirty="0"/>
+              <a:t>Any questions?</a:t>
+            </a:r>
+          </a:p>
+        </p:txBody>
+      </p:sp>
+    </p:spTree>
+    <p:extLst>
+      <p:ext uri="{BB962C8B-B14F-4D97-AF65-F5344CB8AC3E}">
+        <p14:creationId xmlns:p14="http://schemas.microsoft.com/office/powerpoint/2010/main" val="1051360899"/>
+      </p:ext>
+    </p:extLst>
+  </p:cSld>
+  <p:clrMapOvr>
+    <a:masterClrMapping/>
+  </p:clrMapOvr>
+</p:sld>
+</file>
+
+<file path=ppt/slides/slide6.xml><?xml version="1.0" encoding="utf-8"?>
+<p:sld xmlns:a="http://schemas.openxmlformats.org/drawingml/2006/main" xmlns:r="http://schemas.openxmlformats.org/officeDocument/2006/relationships" xmlns:p="http://schemas.openxmlformats.org/presentationml/2006/main" show="0">
+  <p:cSld>
+    <p:spTree>
+      <p:nvGrpSpPr>
+        <p:cNvPr id="1" name=""/>
+        <p:cNvGrpSpPr/>
+        <p:nvPr/>
+      </p:nvGrpSpPr>
+      <p:grpSpPr>
+        <a:xfrm>
+          <a:off x="0" y="0"/>
+          <a:ext cx="0" cy="0"/>
+          <a:chOff x="0" y="0"/>
+          <a:chExt cx="0" cy="0"/>
+        </a:xfrm>
+      </p:grpSpPr>
+      <p:sp>
+        <p:nvSpPr>
+          <p:cNvPr id="2" name="Title 1">
+            <a:extLst>
+              <a:ext uri="{FF2B5EF4-FFF2-40B4-BE49-F238E27FC236}">
+                <a16:creationId xmlns:a16="http://schemas.microsoft.com/office/drawing/2014/main" id="{036463B1-CF90-B0CB-B08D-72D9154EDEC5}"/>
+              </a:ext>
+            </a:extLst>
+          </p:cNvPr>
+          <p:cNvSpPr>
+            <a:spLocks noGrp="1"/>
+          </p:cNvSpPr>
+          <p:nvPr>
+            <p:ph type="title"/>
+          </p:nvPr>
+        </p:nvSpPr>
+        <p:spPr>
+          <a:xfrm>
+            <a:off x="837406" y="355296"/>
+            <a:ext cx="10515600" cy="1325563"/>
+          </a:xfrm>
+        </p:spPr>
+        <p:txBody>
+          <a:bodyPr/>
+          <a:lstStyle/>
+          <a:p>
+            <a:r>
+              <a:rPr lang="en-GB" dirty="0"/>
+              <a:t>Proposed breath rate detection algorithm</a:t>
+            </a:r>
+          </a:p>
+        </p:txBody>
+      </p:sp>
+      <p:sp>
+        <p:nvSpPr>
+          <p:cNvPr id="4" name="Rectangle: Rounded Corners 3">
+            <a:extLst>
+              <a:ext uri="{FF2B5EF4-FFF2-40B4-BE49-F238E27FC236}">
+                <a16:creationId xmlns:a16="http://schemas.microsoft.com/office/drawing/2014/main" id="{A4D0FADC-33A8-E188-4926-3C119E508D44}"/>
+              </a:ext>
+            </a:extLst>
+          </p:cNvPr>
+          <p:cNvSpPr/>
+          <p:nvPr/>
+        </p:nvSpPr>
+        <p:spPr>
+          <a:xfrm>
             <a:off x="1179786" y="4561366"/>
             <a:ext cx="1087821" cy="1102792"/>
           </a:xfrm>
@@ -4221,6 +8491,10 @@
           </a:p>
           <a:p>
             <a:pPr algn="ctr"/>
+            <a:endParaRPr lang="en-GB" sz="1400" dirty="0"/>
+          </a:p>
+          <a:p>
+            <a:pPr algn="ctr"/>
             <a:r>
               <a:rPr lang="en-GB" sz="1400" dirty="0"/>
               <a:t>(~63 seconds)</a:t>
@@ -4324,6 +8598,18 @@
               <a:rPr lang="en-GB" dirty="0"/>
               <a:t>Breath peaks identified</a:t>
             </a:r>
+          </a:p>
+          <a:p>
+            <a:pPr algn="ctr"/>
+            <a:endParaRPr lang="en-GB" sz="1000" dirty="0"/>
+          </a:p>
+          <a:p>
+            <a:pPr algn="ctr"/>
+            <a:r>
+              <a:rPr lang="en-GB" sz="1400" dirty="0"/>
+              <a:t>(find_peaks() from scipy package)</a:t>
+            </a:r>
+            <a:endParaRPr lang="en-GB" sz="1000" dirty="0"/>
           </a:p>
         </p:txBody>
       </p:sp>
@@ -4890,7 +9176,7 @@
         </p:blipFill>
         <p:spPr bwMode="auto">
           <a:xfrm>
-            <a:off x="5174403" y="2005951"/>
+            <a:off x="5931366" y="1745240"/>
             <a:ext cx="1346580" cy="2064239"/>
           </a:xfrm>
           <a:prstGeom prst="rect">
@@ -5001,807 +9287,7 @@
     </p:spTree>
     <p:extLst>
       <p:ext uri="{BB962C8B-B14F-4D97-AF65-F5344CB8AC3E}">
-        <p14:creationId xmlns:p14="http://schemas.microsoft.com/office/powerpoint/2010/main" val="2902026646"/>
-      </p:ext>
-    </p:extLst>
-  </p:cSld>
-  <p:clrMapOvr>
-    <a:masterClrMapping/>
-  </p:clrMapOvr>
-</p:sld>
-</file>
-
-<file path=ppt/slides/slide3.xml><?xml version="1.0" encoding="utf-8"?>
-<p:sld xmlns:a="http://schemas.openxmlformats.org/drawingml/2006/main" xmlns:r="http://schemas.openxmlformats.org/officeDocument/2006/relationships" xmlns:p="http://schemas.openxmlformats.org/presentationml/2006/main">
-  <p:cSld>
-    <p:spTree>
-      <p:nvGrpSpPr>
-        <p:cNvPr id="1" name=""/>
-        <p:cNvGrpSpPr/>
-        <p:nvPr/>
-      </p:nvGrpSpPr>
-      <p:grpSpPr>
-        <a:xfrm>
-          <a:off x="0" y="0"/>
-          <a:ext cx="0" cy="0"/>
-          <a:chOff x="0" y="0"/>
-          <a:chExt cx="0" cy="0"/>
-        </a:xfrm>
-      </p:grpSpPr>
-      <p:sp>
-        <p:nvSpPr>
-          <p:cNvPr id="2" name="Title 1">
-            <a:extLst>
-              <a:ext uri="{FF2B5EF4-FFF2-40B4-BE49-F238E27FC236}">
-                <a16:creationId xmlns:a16="http://schemas.microsoft.com/office/drawing/2014/main" id="{0520FD3C-7183-745E-AD7D-4871727F6869}"/>
-              </a:ext>
-            </a:extLst>
-          </p:cNvPr>
-          <p:cNvSpPr>
-            <a:spLocks noGrp="1"/>
-          </p:cNvSpPr>
-          <p:nvPr>
-            <p:ph type="title"/>
-          </p:nvPr>
-        </p:nvSpPr>
-        <p:spPr/>
-        <p:txBody>
-          <a:bodyPr/>
-          <a:lstStyle/>
-          <a:p>
-            <a:r>
-              <a:rPr lang="en-GB" dirty="0"/>
-              <a:t>Limitations of approach</a:t>
-            </a:r>
-          </a:p>
-        </p:txBody>
-      </p:sp>
-      <p:pic>
-        <p:nvPicPr>
-          <p:cNvPr id="1034" name="Picture 10">
-            <a:extLst>
-              <a:ext uri="{FF2B5EF4-FFF2-40B4-BE49-F238E27FC236}">
-                <a16:creationId xmlns:a16="http://schemas.microsoft.com/office/drawing/2014/main" id="{50AAF7C3-A0B2-6015-91A1-9DBAFBD39A09}"/>
-              </a:ext>
-            </a:extLst>
-          </p:cNvPr>
-          <p:cNvPicPr>
-            <a:picLocks noChangeAspect="1" noChangeArrowheads="1"/>
-          </p:cNvPicPr>
-          <p:nvPr/>
-        </p:nvPicPr>
-        <p:blipFill rotWithShape="1">
-          <a:blip r:embed="rId3">
-            <a:extLst>
-              <a:ext uri="{28A0092B-C50C-407E-A947-70E740481C1C}">
-                <a14:useLocalDpi xmlns:a14="http://schemas.microsoft.com/office/drawing/2010/main" val="0"/>
-              </a:ext>
-            </a:extLst>
-          </a:blip>
-          <a:srcRect t="69220"/>
-          <a:stretch/>
-        </p:blipFill>
-        <p:spPr bwMode="auto">
-          <a:xfrm>
-            <a:off x="504379" y="5416062"/>
-            <a:ext cx="2655445" cy="1303415"/>
-          </a:xfrm>
-          <a:prstGeom prst="rect">
-            <a:avLst/>
-          </a:prstGeom>
-          <a:noFill/>
-          <a:extLst>
-            <a:ext uri="{909E8E84-426E-40DD-AFC4-6F175D3DCCD1}">
-              <a14:hiddenFill xmlns:a14="http://schemas.microsoft.com/office/drawing/2010/main">
-                <a:solidFill>
-                  <a:srgbClr val="FFFFFF"/>
-                </a:solidFill>
-              </a14:hiddenFill>
-            </a:ext>
-          </a:extLst>
-        </p:spPr>
-      </p:pic>
-      <p:pic>
-        <p:nvPicPr>
-          <p:cNvPr id="1036" name="Picture 12">
-            <a:extLst>
-              <a:ext uri="{FF2B5EF4-FFF2-40B4-BE49-F238E27FC236}">
-                <a16:creationId xmlns:a16="http://schemas.microsoft.com/office/drawing/2014/main" id="{A36895E1-3DDB-D479-BD7A-D2DF2CD24311}"/>
-              </a:ext>
-            </a:extLst>
-          </p:cNvPr>
-          <p:cNvPicPr>
-            <a:picLocks noChangeAspect="1" noChangeArrowheads="1"/>
-          </p:cNvPicPr>
-          <p:nvPr/>
-        </p:nvPicPr>
-        <p:blipFill rotWithShape="1">
-          <a:blip r:embed="rId4">
-            <a:extLst>
-              <a:ext uri="{28A0092B-C50C-407E-A947-70E740481C1C}">
-                <a14:useLocalDpi xmlns:a14="http://schemas.microsoft.com/office/drawing/2010/main" val="0"/>
-              </a:ext>
-            </a:extLst>
-          </a:blip>
-          <a:srcRect t="69220"/>
-          <a:stretch/>
-        </p:blipFill>
-        <p:spPr bwMode="auto">
-          <a:xfrm>
-            <a:off x="3159824" y="5416062"/>
-            <a:ext cx="2630940" cy="1303415"/>
-          </a:xfrm>
-          <a:prstGeom prst="rect">
-            <a:avLst/>
-          </a:prstGeom>
-          <a:noFill/>
-          <a:extLst>
-            <a:ext uri="{909E8E84-426E-40DD-AFC4-6F175D3DCCD1}">
-              <a14:hiddenFill xmlns:a14="http://schemas.microsoft.com/office/drawing/2010/main">
-                <a:solidFill>
-                  <a:srgbClr val="FFFFFF"/>
-                </a:solidFill>
-              </a14:hiddenFill>
-            </a:ext>
-          </a:extLst>
-        </p:spPr>
-      </p:pic>
-      <p:pic>
-        <p:nvPicPr>
-          <p:cNvPr id="3" name="Picture 12">
-            <a:extLst>
-              <a:ext uri="{FF2B5EF4-FFF2-40B4-BE49-F238E27FC236}">
-                <a16:creationId xmlns:a16="http://schemas.microsoft.com/office/drawing/2014/main" id="{3E6028CB-7F7E-ABE0-3914-D59D895DE789}"/>
-              </a:ext>
-            </a:extLst>
-          </p:cNvPr>
-          <p:cNvPicPr>
-            <a:picLocks noChangeAspect="1" noChangeArrowheads="1"/>
-          </p:cNvPicPr>
-          <p:nvPr/>
-        </p:nvPicPr>
-        <p:blipFill rotWithShape="1">
-          <a:blip r:embed="rId5">
-            <a:extLst>
-              <a:ext uri="{28A0092B-C50C-407E-A947-70E740481C1C}">
-                <a14:useLocalDpi xmlns:a14="http://schemas.microsoft.com/office/drawing/2010/main" val="0"/>
-              </a:ext>
-            </a:extLst>
-          </a:blip>
-          <a:srcRect t="2948"/>
-          <a:stretch/>
-        </p:blipFill>
-        <p:spPr bwMode="auto">
-          <a:xfrm>
-            <a:off x="838200" y="1364761"/>
-            <a:ext cx="2321624" cy="3558931"/>
-          </a:xfrm>
-          <a:prstGeom prst="rect">
-            <a:avLst/>
-          </a:prstGeom>
-          <a:noFill/>
-          <a:extLst>
-            <a:ext uri="{909E8E84-426E-40DD-AFC4-6F175D3DCCD1}">
-              <a14:hiddenFill xmlns:a14="http://schemas.microsoft.com/office/drawing/2010/main">
-                <a:solidFill>
-                  <a:srgbClr val="FFFFFF"/>
-                </a:solidFill>
-              </a14:hiddenFill>
-            </a:ext>
-          </a:extLst>
-        </p:spPr>
-      </p:pic>
-      <p:pic>
-        <p:nvPicPr>
-          <p:cNvPr id="4" name="Picture 18">
-            <a:extLst>
-              <a:ext uri="{FF2B5EF4-FFF2-40B4-BE49-F238E27FC236}">
-                <a16:creationId xmlns:a16="http://schemas.microsoft.com/office/drawing/2014/main" id="{7C836A77-CA3F-B7FC-C630-2235BC165FBB}"/>
-              </a:ext>
-            </a:extLst>
-          </p:cNvPr>
-          <p:cNvPicPr>
-            <a:picLocks noChangeAspect="1" noChangeArrowheads="1"/>
-          </p:cNvPicPr>
-          <p:nvPr/>
-        </p:nvPicPr>
-        <p:blipFill rotWithShape="1">
-          <a:blip r:embed="rId6">
-            <a:extLst>
-              <a:ext uri="{28A0092B-C50C-407E-A947-70E740481C1C}">
-                <a14:useLocalDpi xmlns:a14="http://schemas.microsoft.com/office/drawing/2010/main" val="0"/>
-              </a:ext>
-            </a:extLst>
-          </a:blip>
-          <a:srcRect t="6070"/>
-          <a:stretch/>
-        </p:blipFill>
-        <p:spPr bwMode="auto">
-          <a:xfrm>
-            <a:off x="2543666" y="2110636"/>
-            <a:ext cx="5704454" cy="2636728"/>
-          </a:xfrm>
-          <a:prstGeom prst="rect">
-            <a:avLst/>
-          </a:prstGeom>
-          <a:noFill/>
-          <a:extLst>
-            <a:ext uri="{909E8E84-426E-40DD-AFC4-6F175D3DCCD1}">
-              <a14:hiddenFill xmlns:a14="http://schemas.microsoft.com/office/drawing/2010/main">
-                <a:solidFill>
-                  <a:srgbClr val="FFFFFF"/>
-                </a:solidFill>
-              </a14:hiddenFill>
-            </a:ext>
-          </a:extLst>
-        </p:spPr>
-      </p:pic>
-      <p:pic>
-        <p:nvPicPr>
-          <p:cNvPr id="5" name="Picture 24">
-            <a:extLst>
-              <a:ext uri="{FF2B5EF4-FFF2-40B4-BE49-F238E27FC236}">
-                <a16:creationId xmlns:a16="http://schemas.microsoft.com/office/drawing/2014/main" id="{181A4E99-A4E0-48EC-67A2-3678A8AB815A}"/>
-              </a:ext>
-            </a:extLst>
-          </p:cNvPr>
-          <p:cNvPicPr>
-            <a:picLocks noChangeAspect="1" noChangeArrowheads="1"/>
-          </p:cNvPicPr>
-          <p:nvPr/>
-        </p:nvPicPr>
-        <p:blipFill rotWithShape="1">
-          <a:blip r:embed="rId7">
-            <a:extLst>
-              <a:ext uri="{28A0092B-C50C-407E-A947-70E740481C1C}">
-                <a14:useLocalDpi xmlns:a14="http://schemas.microsoft.com/office/drawing/2010/main" val="0"/>
-              </a:ext>
-            </a:extLst>
-          </a:blip>
-          <a:srcRect t="3555"/>
-          <a:stretch/>
-        </p:blipFill>
-        <p:spPr bwMode="auto">
-          <a:xfrm>
-            <a:off x="7062281" y="1689157"/>
-            <a:ext cx="4700649" cy="4883986"/>
-          </a:xfrm>
-          <a:prstGeom prst="rect">
-            <a:avLst/>
-          </a:prstGeom>
-          <a:noFill/>
-          <a:extLst>
-            <a:ext uri="{909E8E84-426E-40DD-AFC4-6F175D3DCCD1}">
-              <a14:hiddenFill xmlns:a14="http://schemas.microsoft.com/office/drawing/2010/main">
-                <a:solidFill>
-                  <a:srgbClr val="FFFFFF"/>
-                </a:solidFill>
-              </a14:hiddenFill>
-            </a:ext>
-          </a:extLst>
-        </p:spPr>
-      </p:pic>
-    </p:spTree>
-    <p:extLst>
-      <p:ext uri="{BB962C8B-B14F-4D97-AF65-F5344CB8AC3E}">
-        <p14:creationId xmlns:p14="http://schemas.microsoft.com/office/powerpoint/2010/main" val="3822798680"/>
-      </p:ext>
-    </p:extLst>
-  </p:cSld>
-  <p:clrMapOvr>
-    <a:masterClrMapping/>
-  </p:clrMapOvr>
-</p:sld>
-</file>
-
-<file path=ppt/slides/slide4.xml><?xml version="1.0" encoding="utf-8"?>
-<p:sld xmlns:a="http://schemas.openxmlformats.org/drawingml/2006/main" xmlns:r="http://schemas.openxmlformats.org/officeDocument/2006/relationships" xmlns:p="http://schemas.openxmlformats.org/presentationml/2006/main">
-  <p:cSld>
-    <p:spTree>
-      <p:nvGrpSpPr>
-        <p:cNvPr id="1" name=""/>
-        <p:cNvGrpSpPr/>
-        <p:nvPr/>
-      </p:nvGrpSpPr>
-      <p:grpSpPr>
-        <a:xfrm>
-          <a:off x="0" y="0"/>
-          <a:ext cx="0" cy="0"/>
-          <a:chOff x="0" y="0"/>
-          <a:chExt cx="0" cy="0"/>
-        </a:xfrm>
-      </p:grpSpPr>
-      <p:sp>
-        <p:nvSpPr>
-          <p:cNvPr id="2" name="Title 1">
-            <a:extLst>
-              <a:ext uri="{FF2B5EF4-FFF2-40B4-BE49-F238E27FC236}">
-                <a16:creationId xmlns:a16="http://schemas.microsoft.com/office/drawing/2014/main" id="{EB0787F7-8B3B-E6D8-E155-39722CD26475}"/>
-              </a:ext>
-            </a:extLst>
-          </p:cNvPr>
-          <p:cNvSpPr>
-            <a:spLocks noGrp="1"/>
-          </p:cNvSpPr>
-          <p:nvPr>
-            <p:ph type="title"/>
-          </p:nvPr>
-        </p:nvSpPr>
-        <p:spPr/>
-        <p:txBody>
-          <a:bodyPr/>
-          <a:lstStyle/>
-          <a:p>
-            <a:r>
-              <a:rPr lang="en-GB" dirty="0"/>
-              <a:t>Alternative approaches</a:t>
-            </a:r>
-          </a:p>
-        </p:txBody>
-      </p:sp>
-      <p:sp>
-        <p:nvSpPr>
-          <p:cNvPr id="7" name="TextBox 6">
-            <a:extLst>
-              <a:ext uri="{FF2B5EF4-FFF2-40B4-BE49-F238E27FC236}">
-                <a16:creationId xmlns:a16="http://schemas.microsoft.com/office/drawing/2014/main" id="{94FAECEC-D214-AC8F-DCBA-58AB6BB94FEE}"/>
-              </a:ext>
-            </a:extLst>
-          </p:cNvPr>
-          <p:cNvSpPr txBox="1"/>
-          <p:nvPr/>
-        </p:nvSpPr>
-        <p:spPr>
-          <a:xfrm>
-            <a:off x="106078" y="2239809"/>
-            <a:ext cx="4494140" cy="646331"/>
-          </a:xfrm>
-          <a:prstGeom prst="rect">
-            <a:avLst/>
-          </a:prstGeom>
-          <a:noFill/>
-        </p:spPr>
-        <p:txBody>
-          <a:bodyPr wrap="square">
-            <a:spAutoFit/>
-          </a:bodyPr>
-          <a:lstStyle/>
-          <a:p>
-            <a:pPr algn="ctr"/>
-            <a:r>
-              <a:rPr lang="en-GB" b="1" dirty="0">
-                <a:solidFill>
-                  <a:srgbClr val="000000"/>
-                </a:solidFill>
-                <a:latin typeface="Helvetica Neue"/>
-              </a:rPr>
-              <a:t>Two</a:t>
-            </a:r>
-            <a:r>
-              <a:rPr lang="en-GB" b="1" i="0" dirty="0">
-                <a:solidFill>
-                  <a:srgbClr val="000000"/>
-                </a:solidFill>
-                <a:effectLst/>
-                <a:latin typeface="Helvetica Neue"/>
-              </a:rPr>
-              <a:t> </a:t>
-            </a:r>
-            <a:r>
-              <a:rPr lang="en-GB" b="1" i="0" dirty="0" err="1">
-                <a:solidFill>
-                  <a:srgbClr val="000000"/>
-                </a:solidFill>
-                <a:effectLst/>
-                <a:latin typeface="Helvetica Neue"/>
-              </a:rPr>
-              <a:t>bandstop</a:t>
-            </a:r>
-            <a:r>
-              <a:rPr lang="en-GB" b="1" i="0" dirty="0">
-                <a:solidFill>
-                  <a:srgbClr val="000000"/>
-                </a:solidFill>
-                <a:effectLst/>
-                <a:latin typeface="Helvetica Neue"/>
-              </a:rPr>
-              <a:t> filter </a:t>
-            </a:r>
-          </a:p>
-          <a:p>
-            <a:pPr algn="ctr"/>
-            <a:r>
-              <a:rPr lang="en-GB" b="1" i="0" dirty="0">
-                <a:solidFill>
-                  <a:srgbClr val="000000"/>
-                </a:solidFill>
-                <a:effectLst/>
-                <a:latin typeface="Helvetica Neue"/>
-              </a:rPr>
-              <a:t>(0.01-0.2Hz), (0.4-2.4Hz)</a:t>
-            </a:r>
-          </a:p>
-        </p:txBody>
-      </p:sp>
-      <p:pic>
-        <p:nvPicPr>
-          <p:cNvPr id="1028" name="Picture 4">
-            <a:extLst>
-              <a:ext uri="{FF2B5EF4-FFF2-40B4-BE49-F238E27FC236}">
-                <a16:creationId xmlns:a16="http://schemas.microsoft.com/office/drawing/2014/main" id="{8872F004-15AE-B0E7-C204-E363873DE101}"/>
-              </a:ext>
-            </a:extLst>
-          </p:cNvPr>
-          <p:cNvPicPr>
-            <a:picLocks noChangeAspect="1" noChangeArrowheads="1"/>
-          </p:cNvPicPr>
-          <p:nvPr/>
-        </p:nvPicPr>
-        <p:blipFill rotWithShape="1">
-          <a:blip r:embed="rId3">
-            <a:extLst>
-              <a:ext uri="{28A0092B-C50C-407E-A947-70E740481C1C}">
-                <a14:useLocalDpi xmlns:a14="http://schemas.microsoft.com/office/drawing/2010/main" val="0"/>
-              </a:ext>
-            </a:extLst>
-          </a:blip>
-          <a:srcRect t="5324"/>
-          <a:stretch/>
-        </p:blipFill>
-        <p:spPr bwMode="auto">
-          <a:xfrm>
-            <a:off x="4600217" y="3006969"/>
-            <a:ext cx="3709601" cy="3050930"/>
-          </a:xfrm>
-          <a:prstGeom prst="rect">
-            <a:avLst/>
-          </a:prstGeom>
-          <a:noFill/>
-          <a:extLst>
-            <a:ext uri="{909E8E84-426E-40DD-AFC4-6F175D3DCCD1}">
-              <a14:hiddenFill xmlns:a14="http://schemas.microsoft.com/office/drawing/2010/main">
-                <a:solidFill>
-                  <a:srgbClr val="FFFFFF"/>
-                </a:solidFill>
-              </a14:hiddenFill>
-            </a:ext>
-          </a:extLst>
-        </p:spPr>
-      </p:pic>
-      <p:sp>
-        <p:nvSpPr>
-          <p:cNvPr id="8" name="TextBox 7">
-            <a:extLst>
-              <a:ext uri="{FF2B5EF4-FFF2-40B4-BE49-F238E27FC236}">
-                <a16:creationId xmlns:a16="http://schemas.microsoft.com/office/drawing/2014/main" id="{4CB07BD4-9FAC-8235-8B7A-5680ABEB373F}"/>
-              </a:ext>
-            </a:extLst>
-          </p:cNvPr>
-          <p:cNvSpPr txBox="1"/>
-          <p:nvPr/>
-        </p:nvSpPr>
-        <p:spPr>
-          <a:xfrm>
-            <a:off x="4525871" y="2562975"/>
-            <a:ext cx="3858292" cy="369332"/>
-          </a:xfrm>
-          <a:prstGeom prst="rect">
-            <a:avLst/>
-          </a:prstGeom>
-          <a:noFill/>
-        </p:spPr>
-        <p:txBody>
-          <a:bodyPr wrap="square">
-            <a:spAutoFit/>
-          </a:bodyPr>
-          <a:lstStyle/>
-          <a:p>
-            <a:pPr algn="ctr"/>
-            <a:r>
-              <a:rPr lang="en-GB" b="1" i="0" dirty="0">
-                <a:solidFill>
-                  <a:srgbClr val="000000"/>
-                </a:solidFill>
-                <a:effectLst/>
-                <a:latin typeface="Helvetica Neue"/>
-              </a:rPr>
-              <a:t>A bandpass filter (0.1-0.4Hz)</a:t>
-            </a:r>
-          </a:p>
-        </p:txBody>
-      </p:sp>
-      <p:pic>
-        <p:nvPicPr>
-          <p:cNvPr id="1030" name="Picture 6">
-            <a:extLst>
-              <a:ext uri="{FF2B5EF4-FFF2-40B4-BE49-F238E27FC236}">
-                <a16:creationId xmlns:a16="http://schemas.microsoft.com/office/drawing/2014/main" id="{B3ABA6F9-3439-013E-1992-223118E9A9AB}"/>
-              </a:ext>
-            </a:extLst>
-          </p:cNvPr>
-          <p:cNvPicPr>
-            <a:picLocks noChangeAspect="1" noChangeArrowheads="1"/>
-          </p:cNvPicPr>
-          <p:nvPr/>
-        </p:nvPicPr>
-        <p:blipFill rotWithShape="1">
-          <a:blip r:embed="rId4">
-            <a:extLst>
-              <a:ext uri="{28A0092B-C50C-407E-A947-70E740481C1C}">
-                <a14:useLocalDpi xmlns:a14="http://schemas.microsoft.com/office/drawing/2010/main" val="0"/>
-              </a:ext>
-            </a:extLst>
-          </a:blip>
-          <a:srcRect t="1864" b="-1"/>
-          <a:stretch/>
-        </p:blipFill>
-        <p:spPr bwMode="auto">
-          <a:xfrm>
-            <a:off x="217778" y="3006969"/>
-            <a:ext cx="1949525" cy="3050930"/>
-          </a:xfrm>
-          <a:prstGeom prst="rect">
-            <a:avLst/>
-          </a:prstGeom>
-          <a:noFill/>
-          <a:extLst>
-            <a:ext uri="{909E8E84-426E-40DD-AFC4-6F175D3DCCD1}">
-              <a14:hiddenFill xmlns:a14="http://schemas.microsoft.com/office/drawing/2010/main">
-                <a:solidFill>
-                  <a:srgbClr val="FFFFFF"/>
-                </a:solidFill>
-              </a14:hiddenFill>
-            </a:ext>
-          </a:extLst>
-        </p:spPr>
-      </p:pic>
-      <p:pic>
-        <p:nvPicPr>
-          <p:cNvPr id="1032" name="Picture 8">
-            <a:extLst>
-              <a:ext uri="{FF2B5EF4-FFF2-40B4-BE49-F238E27FC236}">
-                <a16:creationId xmlns:a16="http://schemas.microsoft.com/office/drawing/2014/main" id="{C5656E64-5DB9-4225-F457-A871E0823551}"/>
-              </a:ext>
-            </a:extLst>
-          </p:cNvPr>
-          <p:cNvPicPr>
-            <a:picLocks noChangeAspect="1" noChangeArrowheads="1"/>
-          </p:cNvPicPr>
-          <p:nvPr/>
-        </p:nvPicPr>
-        <p:blipFill rotWithShape="1">
-          <a:blip r:embed="rId5">
-            <a:extLst>
-              <a:ext uri="{28A0092B-C50C-407E-A947-70E740481C1C}">
-                <a14:useLocalDpi xmlns:a14="http://schemas.microsoft.com/office/drawing/2010/main" val="0"/>
-              </a:ext>
-            </a:extLst>
-          </a:blip>
-          <a:srcRect t="2564"/>
-          <a:stretch/>
-        </p:blipFill>
-        <p:spPr bwMode="auto">
-          <a:xfrm>
-            <a:off x="2494883" y="3006969"/>
-            <a:ext cx="1945414" cy="3050930"/>
-          </a:xfrm>
-          <a:prstGeom prst="rect">
-            <a:avLst/>
-          </a:prstGeom>
-          <a:noFill/>
-          <a:extLst>
-            <a:ext uri="{909E8E84-426E-40DD-AFC4-6F175D3DCCD1}">
-              <a14:hiddenFill xmlns:a14="http://schemas.microsoft.com/office/drawing/2010/main">
-                <a:solidFill>
-                  <a:srgbClr val="FFFFFF"/>
-                </a:solidFill>
-              </a14:hiddenFill>
-            </a:ext>
-          </a:extLst>
-        </p:spPr>
-      </p:pic>
-      <p:pic>
-        <p:nvPicPr>
-          <p:cNvPr id="1034" name="Picture 10">
-            <a:extLst>
-              <a:ext uri="{FF2B5EF4-FFF2-40B4-BE49-F238E27FC236}">
-                <a16:creationId xmlns:a16="http://schemas.microsoft.com/office/drawing/2014/main" id="{C5732E1D-C9F2-B9E4-3DD0-524453DD6684}"/>
-              </a:ext>
-            </a:extLst>
-          </p:cNvPr>
-          <p:cNvPicPr>
-            <a:picLocks noChangeAspect="1" noChangeArrowheads="1"/>
-          </p:cNvPicPr>
-          <p:nvPr/>
-        </p:nvPicPr>
-        <p:blipFill rotWithShape="1">
-          <a:blip r:embed="rId6">
-            <a:extLst>
-              <a:ext uri="{28A0092B-C50C-407E-A947-70E740481C1C}">
-                <a14:useLocalDpi xmlns:a14="http://schemas.microsoft.com/office/drawing/2010/main" val="0"/>
-              </a:ext>
-            </a:extLst>
-          </a:blip>
-          <a:srcRect t="8589"/>
-          <a:stretch/>
-        </p:blipFill>
-        <p:spPr bwMode="auto">
-          <a:xfrm>
-            <a:off x="8544083" y="3006969"/>
-            <a:ext cx="3091164" cy="3050930"/>
-          </a:xfrm>
-          <a:prstGeom prst="rect">
-            <a:avLst/>
-          </a:prstGeom>
-          <a:noFill/>
-          <a:extLst>
-            <a:ext uri="{909E8E84-426E-40DD-AFC4-6F175D3DCCD1}">
-              <a14:hiddenFill xmlns:a14="http://schemas.microsoft.com/office/drawing/2010/main">
-                <a:solidFill>
-                  <a:srgbClr val="FFFFFF"/>
-                </a:solidFill>
-              </a14:hiddenFill>
-            </a:ext>
-          </a:extLst>
-        </p:spPr>
-      </p:pic>
-      <p:sp>
-        <p:nvSpPr>
-          <p:cNvPr id="9" name="TextBox 8">
-            <a:extLst>
-              <a:ext uri="{FF2B5EF4-FFF2-40B4-BE49-F238E27FC236}">
-                <a16:creationId xmlns:a16="http://schemas.microsoft.com/office/drawing/2014/main" id="{5CE6CE83-7C99-BC13-94CF-5B8DDA3C0DB6}"/>
-              </a:ext>
-            </a:extLst>
-          </p:cNvPr>
-          <p:cNvSpPr txBox="1"/>
-          <p:nvPr/>
-        </p:nvSpPr>
-        <p:spPr>
-          <a:xfrm>
-            <a:off x="8544083" y="1824311"/>
-            <a:ext cx="3091164" cy="1200329"/>
-          </a:xfrm>
-          <a:prstGeom prst="rect">
-            <a:avLst/>
-          </a:prstGeom>
-          <a:noFill/>
-        </p:spPr>
-        <p:txBody>
-          <a:bodyPr wrap="square">
-            <a:spAutoFit/>
-          </a:bodyPr>
-          <a:lstStyle/>
-          <a:p>
-            <a:pPr algn="ctr"/>
-            <a:r>
-              <a:rPr lang="en-GB" b="1" i="0" dirty="0">
-                <a:solidFill>
-                  <a:srgbClr val="000000"/>
-                </a:solidFill>
-                <a:effectLst/>
-                <a:latin typeface="Helvetica Neue"/>
-              </a:rPr>
-              <a:t>Normalised cross-correlation </a:t>
-            </a:r>
-          </a:p>
-          <a:p>
-            <a:pPr algn="ctr"/>
-            <a:r>
-              <a:rPr lang="en-GB" b="1" dirty="0">
-                <a:solidFill>
-                  <a:srgbClr val="000000"/>
-                </a:solidFill>
-                <a:latin typeface="Helvetica Neue"/>
-              </a:rPr>
-              <a:t>+</a:t>
-            </a:r>
-          </a:p>
-          <a:p>
-            <a:pPr algn="ctr"/>
-            <a:r>
-              <a:rPr lang="en-GB" b="1" i="0" dirty="0">
-                <a:solidFill>
-                  <a:srgbClr val="000000"/>
-                </a:solidFill>
-                <a:effectLst/>
-                <a:latin typeface="Helvetica Neue"/>
-              </a:rPr>
-              <a:t>Filter</a:t>
-            </a:r>
-          </a:p>
-        </p:txBody>
-      </p:sp>
-    </p:spTree>
-    <p:extLst>
-      <p:ext uri="{BB962C8B-B14F-4D97-AF65-F5344CB8AC3E}">
-        <p14:creationId xmlns:p14="http://schemas.microsoft.com/office/powerpoint/2010/main" val="1503677878"/>
-      </p:ext>
-    </p:extLst>
-  </p:cSld>
-  <p:clrMapOvr>
-    <a:masterClrMapping/>
-  </p:clrMapOvr>
-</p:sld>
-</file>
-
-<file path=ppt/slides/slide5.xml><?xml version="1.0" encoding="utf-8"?>
-<p:sld xmlns:a="http://schemas.openxmlformats.org/drawingml/2006/main" xmlns:r="http://schemas.openxmlformats.org/officeDocument/2006/relationships" xmlns:p="http://schemas.openxmlformats.org/presentationml/2006/main">
-  <p:cSld>
-    <p:spTree>
-      <p:nvGrpSpPr>
-        <p:cNvPr id="1" name=""/>
-        <p:cNvGrpSpPr/>
-        <p:nvPr/>
-      </p:nvGrpSpPr>
-      <p:grpSpPr>
-        <a:xfrm>
-          <a:off x="0" y="0"/>
-          <a:ext cx="0" cy="0"/>
-          <a:chOff x="0" y="0"/>
-          <a:chExt cx="0" cy="0"/>
-        </a:xfrm>
-      </p:grpSpPr>
-      <p:sp>
-        <p:nvSpPr>
-          <p:cNvPr id="2" name="Title 1">
-            <a:extLst>
-              <a:ext uri="{FF2B5EF4-FFF2-40B4-BE49-F238E27FC236}">
-                <a16:creationId xmlns:a16="http://schemas.microsoft.com/office/drawing/2014/main" id="{D58574B8-187D-3FD8-8B03-70BFBCF7342B}"/>
-              </a:ext>
-            </a:extLst>
-          </p:cNvPr>
-          <p:cNvSpPr>
-            <a:spLocks noGrp="1"/>
-          </p:cNvSpPr>
-          <p:nvPr>
-            <p:ph type="ctrTitle"/>
-          </p:nvPr>
-        </p:nvSpPr>
-        <p:spPr/>
-        <p:txBody>
-          <a:bodyPr/>
-          <a:lstStyle/>
-          <a:p>
-            <a:r>
-              <a:rPr lang="en-GB" dirty="0"/>
-              <a:t>Thank you for listening</a:t>
-            </a:r>
-          </a:p>
-        </p:txBody>
-      </p:sp>
-      <p:sp>
-        <p:nvSpPr>
-          <p:cNvPr id="3" name="Subtitle 2">
-            <a:extLst>
-              <a:ext uri="{FF2B5EF4-FFF2-40B4-BE49-F238E27FC236}">
-                <a16:creationId xmlns:a16="http://schemas.microsoft.com/office/drawing/2014/main" id="{82118FC3-1FE7-E813-D6D1-28B98B2F00E0}"/>
-              </a:ext>
-            </a:extLst>
-          </p:cNvPr>
-          <p:cNvSpPr>
-            <a:spLocks noGrp="1"/>
-          </p:cNvSpPr>
-          <p:nvPr>
-            <p:ph type="subTitle" idx="1"/>
-          </p:nvPr>
-        </p:nvSpPr>
-        <p:spPr/>
-        <p:txBody>
-          <a:bodyPr/>
-          <a:lstStyle/>
-          <a:p>
-            <a:r>
-              <a:rPr lang="en-GB" dirty="0"/>
-              <a:t>Any questions?</a:t>
-            </a:r>
-          </a:p>
-        </p:txBody>
-      </p:sp>
-    </p:spTree>
-    <p:extLst>
-      <p:ext uri="{BB962C8B-B14F-4D97-AF65-F5344CB8AC3E}">
-        <p14:creationId xmlns:p14="http://schemas.microsoft.com/office/powerpoint/2010/main" val="1051360899"/>
+        <p14:creationId xmlns:p14="http://schemas.microsoft.com/office/powerpoint/2010/main" val="458083905"/>
       </p:ext>
     </p:extLst>
   </p:cSld>

--- a/Aoibhe_Turner_Heaney_Algorithm_Challenge_Presentation.pptx
+++ b/Aoibhe_Turner_Heaney_Algorithm_Challenge_Presentation.pptx
@@ -5,7 +5,7 @@
     <p:sldMasterId id="2147483648" r:id="rId1"/>
   </p:sldMasterIdLst>
   <p:notesMasterIdLst>
-    <p:notesMasterId r:id="rId8"/>
+    <p:notesMasterId r:id="rId7"/>
   </p:notesMasterIdLst>
   <p:sldIdLst>
     <p:sldId id="256" r:id="rId2"/>
@@ -13,7 +13,6 @@
     <p:sldId id="259" r:id="rId4"/>
     <p:sldId id="260" r:id="rId5"/>
     <p:sldId id="261" r:id="rId6"/>
-    <p:sldId id="262" r:id="rId7"/>
   </p:sldIdLst>
   <p:sldSz cx="12192000" cy="6858000"/>
   <p:notesSz cx="6858000" cy="9144000"/>
@@ -745,90 +744,6 @@
     <p:extLst>
       <p:ext uri="{BB962C8B-B14F-4D97-AF65-F5344CB8AC3E}">
         <p14:creationId xmlns:p14="http://schemas.microsoft.com/office/powerpoint/2010/main" val="2186772742"/>
-      </p:ext>
-    </p:extLst>
-  </p:cSld>
-  <p:clrMapOvr>
-    <a:masterClrMapping/>
-  </p:clrMapOvr>
-</p:notes>
-</file>
-
-<file path=ppt/notesSlides/notesSlide4.xml><?xml version="1.0" encoding="utf-8"?>
-<p:notes xmlns:a="http://schemas.openxmlformats.org/drawingml/2006/main" xmlns:r="http://schemas.openxmlformats.org/officeDocument/2006/relationships" xmlns:p="http://schemas.openxmlformats.org/presentationml/2006/main">
-  <p:cSld>
-    <p:spTree>
-      <p:nvGrpSpPr>
-        <p:cNvPr id="1" name=""/>
-        <p:cNvGrpSpPr/>
-        <p:nvPr/>
-      </p:nvGrpSpPr>
-      <p:grpSpPr>
-        <a:xfrm>
-          <a:off x="0" y="0"/>
-          <a:ext cx="0" cy="0"/>
-          <a:chOff x="0" y="0"/>
-          <a:chExt cx="0" cy="0"/>
-        </a:xfrm>
-      </p:grpSpPr>
-      <p:sp>
-        <p:nvSpPr>
-          <p:cNvPr id="2" name="Slide Image Placeholder 1"/>
-          <p:cNvSpPr>
-            <a:spLocks noGrp="1" noRot="1" noChangeAspect="1"/>
-          </p:cNvSpPr>
-          <p:nvPr>
-            <p:ph type="sldImg"/>
-          </p:nvPr>
-        </p:nvSpPr>
-        <p:spPr/>
-      </p:sp>
-      <p:sp>
-        <p:nvSpPr>
-          <p:cNvPr id="3" name="Notes Placeholder 2"/>
-          <p:cNvSpPr>
-            <a:spLocks noGrp="1"/>
-          </p:cNvSpPr>
-          <p:nvPr>
-            <p:ph type="body" idx="1"/>
-          </p:nvPr>
-        </p:nvSpPr>
-        <p:spPr/>
-        <p:txBody>
-          <a:bodyPr/>
-          <a:lstStyle/>
-          <a:p>
-            <a:endParaRPr lang="en-GB" dirty="0"/>
-          </a:p>
-        </p:txBody>
-      </p:sp>
-      <p:sp>
-        <p:nvSpPr>
-          <p:cNvPr id="4" name="Slide Number Placeholder 3"/>
-          <p:cNvSpPr>
-            <a:spLocks noGrp="1"/>
-          </p:cNvSpPr>
-          <p:nvPr>
-            <p:ph type="sldNum" sz="quarter" idx="5"/>
-          </p:nvPr>
-        </p:nvSpPr>
-        <p:spPr/>
-        <p:txBody>
-          <a:bodyPr/>
-          <a:lstStyle/>
-          <a:p>
-            <a:fld id="{E850A081-4800-4D98-A991-16D1ADC2C2CE}" type="slidenum">
-              <a:rPr lang="en-GB" smtClean="0"/>
-              <a:t>6</a:t>
-            </a:fld>
-            <a:endParaRPr lang="en-GB"/>
-          </a:p>
-        </p:txBody>
-      </p:sp>
-    </p:spTree>
-    <p:extLst>
-      <p:ext uri="{BB962C8B-B14F-4D97-AF65-F5344CB8AC3E}">
-        <p14:creationId xmlns:p14="http://schemas.microsoft.com/office/powerpoint/2010/main" val="828985708"/>
       </p:ext>
     </p:extLst>
   </p:cSld>
@@ -6980,7 +6895,7 @@
         </p:nvGrpSpPr>
         <p:grpSpPr>
           <a:xfrm>
-            <a:off x="3596062" y="1476659"/>
+            <a:off x="3469341" y="1433645"/>
             <a:ext cx="4700649" cy="4883986"/>
             <a:chOff x="7062281" y="1689157"/>
             <a:chExt cx="4700649" cy="4883986"/>
@@ -7279,15 +7194,7 @@
             <a:pPr algn="ctr"/>
             <a:r>
               <a:rPr lang="en-GB" dirty="0"/>
-              <a:t>Breathing rate </a:t>
-            </a:r>
-            <a:r>
-              <a:rPr lang="en-GB"/>
-              <a:t>was inaccurate </a:t>
-            </a:r>
-            <a:r>
-              <a:rPr lang="en-GB" dirty="0"/>
-              <a:t>for periods of high noise/ movement artefact</a:t>
+              <a:t>Breathing rate was inaccurate for periods of high noise/ movement artefact</a:t>
             </a:r>
           </a:p>
         </p:txBody>
@@ -7837,118 +7744,6 @@
           <a:chExt cx="0" cy="0"/>
         </a:xfrm>
       </p:grpSpPr>
-      <p:sp>
-        <p:nvSpPr>
-          <p:cNvPr id="2" name="Title 1">
-            <a:extLst>
-              <a:ext uri="{FF2B5EF4-FFF2-40B4-BE49-F238E27FC236}">
-                <a16:creationId xmlns:a16="http://schemas.microsoft.com/office/drawing/2014/main" id="{EB0787F7-8B3B-E6D8-E155-39722CD26475}"/>
-              </a:ext>
-            </a:extLst>
-          </p:cNvPr>
-          <p:cNvSpPr>
-            <a:spLocks noGrp="1"/>
-          </p:cNvSpPr>
-          <p:nvPr>
-            <p:ph type="title"/>
-          </p:nvPr>
-        </p:nvSpPr>
-        <p:spPr/>
-        <p:txBody>
-          <a:bodyPr/>
-          <a:lstStyle/>
-          <a:p>
-            <a:r>
-              <a:rPr lang="en-GB" dirty="0"/>
-              <a:t>Alternative approaches</a:t>
-            </a:r>
-          </a:p>
-        </p:txBody>
-      </p:sp>
-      <p:sp>
-        <p:nvSpPr>
-          <p:cNvPr id="7" name="TextBox 6">
-            <a:extLst>
-              <a:ext uri="{FF2B5EF4-FFF2-40B4-BE49-F238E27FC236}">
-                <a16:creationId xmlns:a16="http://schemas.microsoft.com/office/drawing/2014/main" id="{94FAECEC-D214-AC8F-DCBA-58AB6BB94FEE}"/>
-              </a:ext>
-            </a:extLst>
-          </p:cNvPr>
-          <p:cNvSpPr txBox="1"/>
-          <p:nvPr/>
-        </p:nvSpPr>
-        <p:spPr>
-          <a:xfrm>
-            <a:off x="106078" y="2239809"/>
-            <a:ext cx="4494140" cy="646331"/>
-          </a:xfrm>
-          <a:prstGeom prst="rect">
-            <a:avLst/>
-          </a:prstGeom>
-          <a:noFill/>
-        </p:spPr>
-        <p:txBody>
-          <a:bodyPr wrap="square">
-            <a:spAutoFit/>
-          </a:bodyPr>
-          <a:lstStyle/>
-          <a:p>
-            <a:pPr algn="ctr"/>
-            <a:r>
-              <a:rPr lang="en-GB" b="1" dirty="0">
-                <a:solidFill>
-                  <a:srgbClr val="000000"/>
-                </a:solidFill>
-                <a:latin typeface="Helvetica Neue"/>
-              </a:rPr>
-              <a:t>Two</a:t>
-            </a:r>
-            <a:r>
-              <a:rPr lang="en-GB" b="1" i="0" dirty="0">
-                <a:solidFill>
-                  <a:srgbClr val="000000"/>
-                </a:solidFill>
-                <a:effectLst/>
-                <a:latin typeface="Helvetica Neue"/>
-              </a:rPr>
-              <a:t> </a:t>
-            </a:r>
-            <a:r>
-              <a:rPr lang="en-GB" b="1" i="0" dirty="0" err="1">
-                <a:solidFill>
-                  <a:srgbClr val="000000"/>
-                </a:solidFill>
-                <a:effectLst/>
-                <a:latin typeface="Helvetica Neue"/>
-              </a:rPr>
-              <a:t>bandstop</a:t>
-            </a:r>
-            <a:r>
-              <a:rPr lang="en-GB" b="1" i="0" dirty="0">
-                <a:solidFill>
-                  <a:srgbClr val="000000"/>
-                </a:solidFill>
-                <a:effectLst/>
-                <a:latin typeface="Helvetica Neue"/>
-              </a:rPr>
-              <a:t> filter </a:t>
-            </a:r>
-          </a:p>
-          <a:p>
-            <a:pPr algn="ctr"/>
-            <a:r>
-              <a:rPr lang="en-GB" b="1" i="0" dirty="0">
-                <a:solidFill>
-                  <a:srgbClr val="000000"/>
-                </a:solidFill>
-                <a:effectLst/>
-                <a:latin typeface="Helvetica Neue"/>
-              </a:rPr>
-              <a:t>(0.01-0.2Hz), (0.4-2.4Hz)</a:t>
-            </a:r>
-          </a:p>
-        </p:txBody>
-      </p:sp>
       <p:pic>
         <p:nvPicPr>
           <p:cNvPr id="1028" name="Picture 4">
@@ -7976,8 +7771,8 @@
         </p:blipFill>
         <p:spPr bwMode="auto">
           <a:xfrm>
-            <a:off x="4600217" y="3006969"/>
-            <a:ext cx="3709601" cy="3050930"/>
+            <a:off x="6579588" y="1690688"/>
+            <a:ext cx="5478294" cy="4505577"/>
           </a:xfrm>
           <a:prstGeom prst="rect">
             <a:avLst/>
@@ -7996,42 +7791,28 @@
       </p:pic>
       <p:sp>
         <p:nvSpPr>
-          <p:cNvPr id="8" name="TextBox 7">
-            <a:extLst>
-              <a:ext uri="{FF2B5EF4-FFF2-40B4-BE49-F238E27FC236}">
-                <a16:creationId xmlns:a16="http://schemas.microsoft.com/office/drawing/2014/main" id="{4CB07BD4-9FAC-8235-8B7A-5680ABEB373F}"/>
-              </a:ext>
-            </a:extLst>
-          </p:cNvPr>
-          <p:cNvSpPr txBox="1"/>
-          <p:nvPr/>
-        </p:nvSpPr>
-        <p:spPr>
-          <a:xfrm>
-            <a:off x="4525871" y="2562975"/>
-            <a:ext cx="3858292" cy="369332"/>
-          </a:xfrm>
-          <a:prstGeom prst="rect">
-            <a:avLst/>
-          </a:prstGeom>
-          <a:noFill/>
-        </p:spPr>
-        <p:txBody>
-          <a:bodyPr wrap="square">
-            <a:spAutoFit/>
-          </a:bodyPr>
+          <p:cNvPr id="2" name="Title 1">
+            <a:extLst>
+              <a:ext uri="{FF2B5EF4-FFF2-40B4-BE49-F238E27FC236}">
+                <a16:creationId xmlns:a16="http://schemas.microsoft.com/office/drawing/2014/main" id="{EB0787F7-8B3B-E6D8-E155-39722CD26475}"/>
+              </a:ext>
+            </a:extLst>
+          </p:cNvPr>
+          <p:cNvSpPr>
+            <a:spLocks noGrp="1"/>
+          </p:cNvSpPr>
+          <p:nvPr>
+            <p:ph type="title"/>
+          </p:nvPr>
+        </p:nvSpPr>
+        <p:spPr/>
+        <p:txBody>
+          <a:bodyPr/>
           <a:lstStyle/>
           <a:p>
-            <a:pPr algn="ctr"/>
-            <a:r>
-              <a:rPr lang="en-GB" b="1" i="0" dirty="0">
-                <a:solidFill>
-                  <a:srgbClr val="000000"/>
-                </a:solidFill>
-                <a:effectLst/>
-                <a:latin typeface="Helvetica Neue"/>
-              </a:rPr>
-              <a:t>A bandpass filter (0.1-0.4Hz)</a:t>
+            <a:r>
+              <a:rPr lang="en-GB" dirty="0"/>
+              <a:t>Alternative approaches</a:t>
             </a:r>
           </a:p>
         </p:txBody>
@@ -8063,8 +7844,8 @@
         </p:blipFill>
         <p:spPr bwMode="auto">
           <a:xfrm>
-            <a:off x="217778" y="3006969"/>
-            <a:ext cx="1949525" cy="3050930"/>
+            <a:off x="3751748" y="1572689"/>
+            <a:ext cx="3045034" cy="4765358"/>
           </a:xfrm>
           <a:prstGeom prst="rect">
             <a:avLst/>
@@ -8108,8 +7889,8 @@
         </p:blipFill>
         <p:spPr bwMode="auto">
           <a:xfrm>
-            <a:off x="2494883" y="3006969"/>
-            <a:ext cx="1945414" cy="3050930"/>
+            <a:off x="6796782" y="1572689"/>
+            <a:ext cx="3038613" cy="4765358"/>
           </a:xfrm>
           <a:prstGeom prst="rect">
             <a:avLst/>
@@ -8126,6 +7907,320 @@
           </a:extLst>
         </p:spPr>
       </p:pic>
+      <p:sp>
+        <p:nvSpPr>
+          <p:cNvPr id="3" name="Oval 2">
+            <a:extLst>
+              <a:ext uri="{FF2B5EF4-FFF2-40B4-BE49-F238E27FC236}">
+                <a16:creationId xmlns:a16="http://schemas.microsoft.com/office/drawing/2014/main" id="{43EA7617-934A-6E60-CA91-E02898E404F2}"/>
+              </a:ext>
+            </a:extLst>
+          </p:cNvPr>
+          <p:cNvSpPr/>
+          <p:nvPr/>
+        </p:nvSpPr>
+        <p:spPr>
+          <a:xfrm>
+            <a:off x="1756228" y="3077028"/>
+            <a:ext cx="1017997" cy="1016000"/>
+          </a:xfrm>
+          <a:prstGeom prst="ellipse">
+            <a:avLst/>
+          </a:prstGeom>
+        </p:spPr>
+        <p:style>
+          <a:lnRef idx="2">
+            <a:schemeClr val="accent2">
+              <a:shade val="50000"/>
+            </a:schemeClr>
+          </a:lnRef>
+          <a:fillRef idx="1">
+            <a:schemeClr val="accent2"/>
+          </a:fillRef>
+          <a:effectRef idx="0">
+            <a:schemeClr val="accent2"/>
+          </a:effectRef>
+          <a:fontRef idx="minor">
+            <a:schemeClr val="lt1"/>
+          </a:fontRef>
+        </p:style>
+        <p:txBody>
+          <a:bodyPr rtlCol="0" anchor="ctr"/>
+          <a:lstStyle/>
+          <a:p>
+            <a:pPr algn="ctr"/>
+            <a:r>
+              <a:rPr lang="en-GB" sz="3600" dirty="0"/>
+              <a:t>1</a:t>
+            </a:r>
+          </a:p>
+        </p:txBody>
+      </p:sp>
+      <p:sp>
+        <p:nvSpPr>
+          <p:cNvPr id="4" name="Oval 3">
+            <a:extLst>
+              <a:ext uri="{FF2B5EF4-FFF2-40B4-BE49-F238E27FC236}">
+                <a16:creationId xmlns:a16="http://schemas.microsoft.com/office/drawing/2014/main" id="{74607673-B739-C4AD-4ACF-1074BE7D8EFB}"/>
+              </a:ext>
+            </a:extLst>
+          </p:cNvPr>
+          <p:cNvSpPr/>
+          <p:nvPr/>
+        </p:nvSpPr>
+        <p:spPr>
+          <a:xfrm>
+            <a:off x="5420497" y="3077028"/>
+            <a:ext cx="1017997" cy="1016000"/>
+          </a:xfrm>
+          <a:prstGeom prst="ellipse">
+            <a:avLst/>
+          </a:prstGeom>
+        </p:spPr>
+        <p:style>
+          <a:lnRef idx="2">
+            <a:schemeClr val="accent4">
+              <a:shade val="50000"/>
+            </a:schemeClr>
+          </a:lnRef>
+          <a:fillRef idx="1">
+            <a:schemeClr val="accent4"/>
+          </a:fillRef>
+          <a:effectRef idx="0">
+            <a:schemeClr val="accent4"/>
+          </a:effectRef>
+          <a:fontRef idx="minor">
+            <a:schemeClr val="lt1"/>
+          </a:fontRef>
+        </p:style>
+        <p:txBody>
+          <a:bodyPr rtlCol="0" anchor="ctr"/>
+          <a:lstStyle/>
+          <a:p>
+            <a:pPr algn="ctr"/>
+            <a:r>
+              <a:rPr lang="en-GB" sz="3600" dirty="0"/>
+              <a:t>2</a:t>
+            </a:r>
+          </a:p>
+        </p:txBody>
+      </p:sp>
+      <p:sp>
+        <p:nvSpPr>
+          <p:cNvPr id="5" name="Oval 4">
+            <a:extLst>
+              <a:ext uri="{FF2B5EF4-FFF2-40B4-BE49-F238E27FC236}">
+                <a16:creationId xmlns:a16="http://schemas.microsoft.com/office/drawing/2014/main" id="{5C4EAC57-116F-2F99-B493-17D4E8BE1EE9}"/>
+              </a:ext>
+            </a:extLst>
+          </p:cNvPr>
+          <p:cNvSpPr/>
+          <p:nvPr/>
+        </p:nvSpPr>
+        <p:spPr>
+          <a:xfrm>
+            <a:off x="9404930" y="3077028"/>
+            <a:ext cx="1017997" cy="1016000"/>
+          </a:xfrm>
+          <a:prstGeom prst="ellipse">
+            <a:avLst/>
+          </a:prstGeom>
+        </p:spPr>
+        <p:style>
+          <a:lnRef idx="2">
+            <a:schemeClr val="accent3">
+              <a:shade val="50000"/>
+            </a:schemeClr>
+          </a:lnRef>
+          <a:fillRef idx="1">
+            <a:schemeClr val="accent3"/>
+          </a:fillRef>
+          <a:effectRef idx="0">
+            <a:schemeClr val="accent3"/>
+          </a:effectRef>
+          <a:fontRef idx="minor">
+            <a:schemeClr val="lt1"/>
+          </a:fontRef>
+        </p:style>
+        <p:txBody>
+          <a:bodyPr rtlCol="0" anchor="ctr"/>
+          <a:lstStyle/>
+          <a:p>
+            <a:pPr algn="ctr"/>
+            <a:r>
+              <a:rPr lang="en-GB" sz="3600" dirty="0"/>
+              <a:t>3</a:t>
+            </a:r>
+          </a:p>
+        </p:txBody>
+      </p:sp>
+      <p:sp>
+        <p:nvSpPr>
+          <p:cNvPr id="6" name="TextBox 5">
+            <a:extLst>
+              <a:ext uri="{FF2B5EF4-FFF2-40B4-BE49-F238E27FC236}">
+                <a16:creationId xmlns:a16="http://schemas.microsoft.com/office/drawing/2014/main" id="{66181E05-966E-3402-BB30-05FA729B3227}"/>
+              </a:ext>
+            </a:extLst>
+          </p:cNvPr>
+          <p:cNvSpPr txBox="1"/>
+          <p:nvPr/>
+        </p:nvSpPr>
+        <p:spPr>
+          <a:xfrm>
+            <a:off x="950776" y="4556038"/>
+            <a:ext cx="2628900" cy="1754326"/>
+          </a:xfrm>
+          <a:prstGeom prst="rect">
+            <a:avLst/>
+          </a:prstGeom>
+          <a:noFill/>
+        </p:spPr>
+        <p:txBody>
+          <a:bodyPr wrap="square" rtlCol="0">
+            <a:spAutoFit/>
+          </a:bodyPr>
+          <a:lstStyle/>
+          <a:p>
+            <a:pPr algn="ctr"/>
+            <a:r>
+              <a:rPr lang="en-GB" dirty="0"/>
+              <a:t>Use of two Butterworth </a:t>
+            </a:r>
+            <a:r>
+              <a:rPr lang="en-GB" dirty="0" err="1"/>
+              <a:t>bandstop</a:t>
+            </a:r>
+            <a:r>
+              <a:rPr lang="en-GB" dirty="0"/>
+              <a:t> filters </a:t>
+            </a:r>
+          </a:p>
+          <a:p>
+            <a:pPr algn="ctr"/>
+            <a:r>
+              <a:rPr lang="en-GB" dirty="0"/>
+              <a:t>(0.01-0.2Hz), (0.4-2.4Hz) instead of the lowpass filter</a:t>
+            </a:r>
+          </a:p>
+          <a:p>
+            <a:pPr algn="ctr"/>
+            <a:r>
+              <a:rPr lang="en-GB" dirty="0"/>
+              <a:t>(unsuccessful)</a:t>
+            </a:r>
+          </a:p>
+        </p:txBody>
+      </p:sp>
+      <p:sp>
+        <p:nvSpPr>
+          <p:cNvPr id="11" name="TextBox 10">
+            <a:extLst>
+              <a:ext uri="{FF2B5EF4-FFF2-40B4-BE49-F238E27FC236}">
+                <a16:creationId xmlns:a16="http://schemas.microsoft.com/office/drawing/2014/main" id="{EE34A06A-14AD-0119-6994-89BF2D52340C}"/>
+              </a:ext>
+            </a:extLst>
+          </p:cNvPr>
+          <p:cNvSpPr txBox="1"/>
+          <p:nvPr/>
+        </p:nvSpPr>
+        <p:spPr>
+          <a:xfrm>
+            <a:off x="8599478" y="4556038"/>
+            <a:ext cx="2628900" cy="1754326"/>
+          </a:xfrm>
+          <a:prstGeom prst="rect">
+            <a:avLst/>
+          </a:prstGeom>
+          <a:noFill/>
+        </p:spPr>
+        <p:txBody>
+          <a:bodyPr wrap="square" rtlCol="0">
+            <a:spAutoFit/>
+          </a:bodyPr>
+          <a:lstStyle/>
+          <a:p>
+            <a:pPr algn="ctr"/>
+            <a:r>
+              <a:rPr lang="en-GB" dirty="0"/>
+              <a:t>Use normalised cross-correlation to identify sections of noise, identify noisy frequencies in that section of the signal, filter them out and replace</a:t>
+            </a:r>
+          </a:p>
+        </p:txBody>
+      </p:sp>
+      <p:sp>
+        <p:nvSpPr>
+          <p:cNvPr id="10" name="TextBox 9">
+            <a:extLst>
+              <a:ext uri="{FF2B5EF4-FFF2-40B4-BE49-F238E27FC236}">
+                <a16:creationId xmlns:a16="http://schemas.microsoft.com/office/drawing/2014/main" id="{6E7F967F-EE07-B7CB-1D96-F0F5C698EFA2}"/>
+              </a:ext>
+            </a:extLst>
+          </p:cNvPr>
+          <p:cNvSpPr txBox="1"/>
+          <p:nvPr/>
+        </p:nvSpPr>
+        <p:spPr>
+          <a:xfrm>
+            <a:off x="4615045" y="4556038"/>
+            <a:ext cx="2628900" cy="1754326"/>
+          </a:xfrm>
+          <a:prstGeom prst="rect">
+            <a:avLst/>
+          </a:prstGeom>
+          <a:noFill/>
+        </p:spPr>
+        <p:txBody>
+          <a:bodyPr wrap="square" rtlCol="0">
+            <a:spAutoFit/>
+          </a:bodyPr>
+          <a:lstStyle/>
+          <a:p>
+            <a:pPr algn="ctr"/>
+            <a:r>
+              <a:rPr lang="en-GB" dirty="0">
+                <a:solidFill>
+                  <a:srgbClr val="000000"/>
+                </a:solidFill>
+              </a:rPr>
+              <a:t>Use of a bandpass filter (0.1-0.4Hz) </a:t>
+            </a:r>
+          </a:p>
+          <a:p>
+            <a:pPr algn="ctr"/>
+            <a:r>
+              <a:rPr lang="en-GB" dirty="0">
+                <a:solidFill>
+                  <a:srgbClr val="000000"/>
+                </a:solidFill>
+              </a:rPr>
+              <a:t>or </a:t>
+            </a:r>
+          </a:p>
+          <a:p>
+            <a:pPr algn="ctr"/>
+            <a:r>
+              <a:rPr lang="en-GB" dirty="0">
+                <a:solidFill>
+                  <a:srgbClr val="000000"/>
+                </a:solidFill>
+              </a:rPr>
+              <a:t>inverse notch filter (0.333Hz)</a:t>
+            </a:r>
+          </a:p>
+          <a:p>
+            <a:pPr algn="ctr"/>
+            <a:r>
+              <a:rPr lang="en-GB" dirty="0">
+                <a:solidFill>
+                  <a:srgbClr val="000000"/>
+                </a:solidFill>
+              </a:rPr>
+              <a:t>(unsuccessful)</a:t>
+            </a:r>
+          </a:p>
+        </p:txBody>
+      </p:sp>
       <p:pic>
         <p:nvPicPr>
           <p:cNvPr id="1034" name="Picture 10">
@@ -8153,8 +8248,8 @@
         </p:blipFill>
         <p:spPr bwMode="auto">
           <a:xfrm>
-            <a:off x="8544083" y="3006969"/>
-            <a:ext cx="3091164" cy="3050930"/>
+            <a:off x="3137108" y="1404583"/>
+            <a:ext cx="5248609" cy="5180294"/>
           </a:xfrm>
           <a:prstGeom prst="rect">
             <a:avLst/>
@@ -8171,73 +8266,6 @@
           </a:extLst>
         </p:spPr>
       </p:pic>
-      <p:sp>
-        <p:nvSpPr>
-          <p:cNvPr id="9" name="TextBox 8">
-            <a:extLst>
-              <a:ext uri="{FF2B5EF4-FFF2-40B4-BE49-F238E27FC236}">
-                <a16:creationId xmlns:a16="http://schemas.microsoft.com/office/drawing/2014/main" id="{5CE6CE83-7C99-BC13-94CF-5B8DDA3C0DB6}"/>
-              </a:ext>
-            </a:extLst>
-          </p:cNvPr>
-          <p:cNvSpPr txBox="1"/>
-          <p:nvPr/>
-        </p:nvSpPr>
-        <p:spPr>
-          <a:xfrm>
-            <a:off x="8544083" y="1824311"/>
-            <a:ext cx="3091164" cy="1200329"/>
-          </a:xfrm>
-          <a:prstGeom prst="rect">
-            <a:avLst/>
-          </a:prstGeom>
-          <a:noFill/>
-        </p:spPr>
-        <p:txBody>
-          <a:bodyPr wrap="square">
-            <a:spAutoFit/>
-          </a:bodyPr>
-          <a:lstStyle/>
-          <a:p>
-            <a:pPr algn="ctr"/>
-            <a:r>
-              <a:rPr lang="en-GB" b="1" i="0" dirty="0">
-                <a:solidFill>
-                  <a:srgbClr val="000000"/>
-                </a:solidFill>
-                <a:effectLst/>
-                <a:latin typeface="Helvetica Neue"/>
-              </a:rPr>
-              <a:t>Normalised cross-correlation </a:t>
-            </a:r>
-          </a:p>
-          <a:p>
-            <a:pPr algn="ctr"/>
-            <a:r>
-              <a:rPr lang="en-GB" b="1" dirty="0">
-                <a:solidFill>
-                  <a:srgbClr val="000000"/>
-                </a:solidFill>
-                <a:latin typeface="Helvetica Neue"/>
-              </a:rPr>
-              <a:t>+</a:t>
-            </a:r>
-          </a:p>
-          <a:p>
-            <a:pPr algn="ctr"/>
-            <a:r>
-              <a:rPr lang="en-GB" b="1" i="0" dirty="0">
-                <a:solidFill>
-                  <a:srgbClr val="000000"/>
-                </a:solidFill>
-                <a:effectLst/>
-                <a:latin typeface="Helvetica Neue"/>
-              </a:rPr>
-              <a:t>Filter</a:t>
-            </a:r>
-          </a:p>
-        </p:txBody>
-      </p:sp>
     </p:spTree>
     <p:extLst>
       <p:ext uri="{BB962C8B-B14F-4D97-AF65-F5344CB8AC3E}">
@@ -8248,6 +8276,521 @@
   <p:clrMapOvr>
     <a:masterClrMapping/>
   </p:clrMapOvr>
+  <p:timing>
+    <p:tnLst>
+      <p:par>
+        <p:cTn id="1" dur="indefinite" restart="never" nodeType="tmRoot">
+          <p:childTnLst>
+            <p:seq concurrent="1" nextAc="seek">
+              <p:cTn id="2" dur="indefinite" nodeType="mainSeq">
+                <p:childTnLst>
+                  <p:par>
+                    <p:cTn id="3" fill="hold">
+                      <p:stCondLst>
+                        <p:cond delay="indefinite"/>
+                      </p:stCondLst>
+                      <p:childTnLst>
+                        <p:par>
+                          <p:cTn id="4" fill="hold">
+                            <p:stCondLst>
+                              <p:cond delay="0"/>
+                            </p:stCondLst>
+                            <p:childTnLst>
+                              <p:par>
+                                <p:cTn id="5" presetID="10" presetClass="entr" presetSubtype="0" fill="hold" grpId="0" nodeType="clickEffect">
+                                  <p:stCondLst>
+                                    <p:cond delay="0"/>
+                                  </p:stCondLst>
+                                  <p:childTnLst>
+                                    <p:set>
+                                      <p:cBhvr>
+                                        <p:cTn id="6" dur="1" fill="hold">
+                                          <p:stCondLst>
+                                            <p:cond delay="0"/>
+                                          </p:stCondLst>
+                                        </p:cTn>
+                                        <p:tgtEl>
+                                          <p:spTgt spid="3"/>
+                                        </p:tgtEl>
+                                        <p:attrNameLst>
+                                          <p:attrName>style.visibility</p:attrName>
+                                        </p:attrNameLst>
+                                      </p:cBhvr>
+                                      <p:to>
+                                        <p:strVal val="visible"/>
+                                      </p:to>
+                                    </p:set>
+                                    <p:animEffect transition="in" filter="fade">
+                                      <p:cBhvr>
+                                        <p:cTn id="7" dur="500"/>
+                                        <p:tgtEl>
+                                          <p:spTgt spid="3"/>
+                                        </p:tgtEl>
+                                      </p:cBhvr>
+                                    </p:animEffect>
+                                  </p:childTnLst>
+                                </p:cTn>
+                              </p:par>
+                              <p:par>
+                                <p:cTn id="8" presetID="10" presetClass="entr" presetSubtype="0" fill="hold" grpId="0" nodeType="withEffect">
+                                  <p:stCondLst>
+                                    <p:cond delay="0"/>
+                                  </p:stCondLst>
+                                  <p:childTnLst>
+                                    <p:set>
+                                      <p:cBhvr>
+                                        <p:cTn id="9" dur="1" fill="hold">
+                                          <p:stCondLst>
+                                            <p:cond delay="0"/>
+                                          </p:stCondLst>
+                                        </p:cTn>
+                                        <p:tgtEl>
+                                          <p:spTgt spid="6"/>
+                                        </p:tgtEl>
+                                        <p:attrNameLst>
+                                          <p:attrName>style.visibility</p:attrName>
+                                        </p:attrNameLst>
+                                      </p:cBhvr>
+                                      <p:to>
+                                        <p:strVal val="visible"/>
+                                      </p:to>
+                                    </p:set>
+                                    <p:animEffect transition="in" filter="fade">
+                                      <p:cBhvr>
+                                        <p:cTn id="10" dur="500"/>
+                                        <p:tgtEl>
+                                          <p:spTgt spid="6"/>
+                                        </p:tgtEl>
+                                      </p:cBhvr>
+                                    </p:animEffect>
+                                  </p:childTnLst>
+                                </p:cTn>
+                              </p:par>
+                              <p:par>
+                                <p:cTn id="11" presetID="10" presetClass="entr" presetSubtype="0" fill="hold" nodeType="withEffect">
+                                  <p:stCondLst>
+                                    <p:cond delay="0"/>
+                                  </p:stCondLst>
+                                  <p:childTnLst>
+                                    <p:set>
+                                      <p:cBhvr>
+                                        <p:cTn id="12" dur="1" fill="hold">
+                                          <p:stCondLst>
+                                            <p:cond delay="0"/>
+                                          </p:stCondLst>
+                                        </p:cTn>
+                                        <p:tgtEl>
+                                          <p:spTgt spid="1030"/>
+                                        </p:tgtEl>
+                                        <p:attrNameLst>
+                                          <p:attrName>style.visibility</p:attrName>
+                                        </p:attrNameLst>
+                                      </p:cBhvr>
+                                      <p:to>
+                                        <p:strVal val="visible"/>
+                                      </p:to>
+                                    </p:set>
+                                    <p:animEffect transition="in" filter="fade">
+                                      <p:cBhvr>
+                                        <p:cTn id="13" dur="500"/>
+                                        <p:tgtEl>
+                                          <p:spTgt spid="1030"/>
+                                        </p:tgtEl>
+                                      </p:cBhvr>
+                                    </p:animEffect>
+                                  </p:childTnLst>
+                                </p:cTn>
+                              </p:par>
+                              <p:par>
+                                <p:cTn id="14" presetID="10" presetClass="entr" presetSubtype="0" fill="hold" nodeType="withEffect">
+                                  <p:stCondLst>
+                                    <p:cond delay="0"/>
+                                  </p:stCondLst>
+                                  <p:childTnLst>
+                                    <p:set>
+                                      <p:cBhvr>
+                                        <p:cTn id="15" dur="1" fill="hold">
+                                          <p:stCondLst>
+                                            <p:cond delay="0"/>
+                                          </p:stCondLst>
+                                        </p:cTn>
+                                        <p:tgtEl>
+                                          <p:spTgt spid="1032"/>
+                                        </p:tgtEl>
+                                        <p:attrNameLst>
+                                          <p:attrName>style.visibility</p:attrName>
+                                        </p:attrNameLst>
+                                      </p:cBhvr>
+                                      <p:to>
+                                        <p:strVal val="visible"/>
+                                      </p:to>
+                                    </p:set>
+                                    <p:animEffect transition="in" filter="fade">
+                                      <p:cBhvr>
+                                        <p:cTn id="16" dur="500"/>
+                                        <p:tgtEl>
+                                          <p:spTgt spid="1032"/>
+                                        </p:tgtEl>
+                                      </p:cBhvr>
+                                    </p:animEffect>
+                                  </p:childTnLst>
+                                </p:cTn>
+                              </p:par>
+                            </p:childTnLst>
+                          </p:cTn>
+                        </p:par>
+                      </p:childTnLst>
+                    </p:cTn>
+                  </p:par>
+                  <p:par>
+                    <p:cTn id="17" fill="hold">
+                      <p:stCondLst>
+                        <p:cond delay="indefinite"/>
+                      </p:stCondLst>
+                      <p:childTnLst>
+                        <p:par>
+                          <p:cTn id="18" fill="hold">
+                            <p:stCondLst>
+                              <p:cond delay="0"/>
+                            </p:stCondLst>
+                            <p:childTnLst>
+                              <p:par>
+                                <p:cTn id="19" presetID="1" presetClass="exit" presetSubtype="0" fill="hold" nodeType="clickEffect">
+                                  <p:stCondLst>
+                                    <p:cond delay="0"/>
+                                  </p:stCondLst>
+                                  <p:childTnLst>
+                                    <p:set>
+                                      <p:cBhvr>
+                                        <p:cTn id="20" dur="1" fill="hold">
+                                          <p:stCondLst>
+                                            <p:cond delay="0"/>
+                                          </p:stCondLst>
+                                        </p:cTn>
+                                        <p:tgtEl>
+                                          <p:spTgt spid="1030"/>
+                                        </p:tgtEl>
+                                        <p:attrNameLst>
+                                          <p:attrName>style.visibility</p:attrName>
+                                        </p:attrNameLst>
+                                      </p:cBhvr>
+                                      <p:to>
+                                        <p:strVal val="hidden"/>
+                                      </p:to>
+                                    </p:set>
+                                  </p:childTnLst>
+                                </p:cTn>
+                              </p:par>
+                              <p:par>
+                                <p:cTn id="21" presetID="1" presetClass="exit" presetSubtype="0" fill="hold" nodeType="withEffect">
+                                  <p:stCondLst>
+                                    <p:cond delay="0"/>
+                                  </p:stCondLst>
+                                  <p:childTnLst>
+                                    <p:set>
+                                      <p:cBhvr>
+                                        <p:cTn id="22" dur="1" fill="hold">
+                                          <p:stCondLst>
+                                            <p:cond delay="0"/>
+                                          </p:stCondLst>
+                                        </p:cTn>
+                                        <p:tgtEl>
+                                          <p:spTgt spid="1032"/>
+                                        </p:tgtEl>
+                                        <p:attrNameLst>
+                                          <p:attrName>style.visibility</p:attrName>
+                                        </p:attrNameLst>
+                                      </p:cBhvr>
+                                      <p:to>
+                                        <p:strVal val="hidden"/>
+                                      </p:to>
+                                    </p:set>
+                                  </p:childTnLst>
+                                </p:cTn>
+                              </p:par>
+                              <p:par>
+                                <p:cTn id="23" presetID="10" presetClass="entr" presetSubtype="0" fill="hold" grpId="0" nodeType="withEffect">
+                                  <p:stCondLst>
+                                    <p:cond delay="0"/>
+                                  </p:stCondLst>
+                                  <p:childTnLst>
+                                    <p:set>
+                                      <p:cBhvr>
+                                        <p:cTn id="24" dur="1" fill="hold">
+                                          <p:stCondLst>
+                                            <p:cond delay="0"/>
+                                          </p:stCondLst>
+                                        </p:cTn>
+                                        <p:tgtEl>
+                                          <p:spTgt spid="4"/>
+                                        </p:tgtEl>
+                                        <p:attrNameLst>
+                                          <p:attrName>style.visibility</p:attrName>
+                                        </p:attrNameLst>
+                                      </p:cBhvr>
+                                      <p:to>
+                                        <p:strVal val="visible"/>
+                                      </p:to>
+                                    </p:set>
+                                    <p:animEffect transition="in" filter="fade">
+                                      <p:cBhvr>
+                                        <p:cTn id="25" dur="500"/>
+                                        <p:tgtEl>
+                                          <p:spTgt spid="4"/>
+                                        </p:tgtEl>
+                                      </p:cBhvr>
+                                    </p:animEffect>
+                                  </p:childTnLst>
+                                </p:cTn>
+                              </p:par>
+                              <p:par>
+                                <p:cTn id="26" presetID="10" presetClass="entr" presetSubtype="0" fill="hold" grpId="0" nodeType="withEffect">
+                                  <p:stCondLst>
+                                    <p:cond delay="0"/>
+                                  </p:stCondLst>
+                                  <p:childTnLst>
+                                    <p:set>
+                                      <p:cBhvr>
+                                        <p:cTn id="27" dur="1" fill="hold">
+                                          <p:stCondLst>
+                                            <p:cond delay="0"/>
+                                          </p:stCondLst>
+                                        </p:cTn>
+                                        <p:tgtEl>
+                                          <p:spTgt spid="10"/>
+                                        </p:tgtEl>
+                                        <p:attrNameLst>
+                                          <p:attrName>style.visibility</p:attrName>
+                                        </p:attrNameLst>
+                                      </p:cBhvr>
+                                      <p:to>
+                                        <p:strVal val="visible"/>
+                                      </p:to>
+                                    </p:set>
+                                    <p:animEffect transition="in" filter="fade">
+                                      <p:cBhvr>
+                                        <p:cTn id="28" dur="500"/>
+                                        <p:tgtEl>
+                                          <p:spTgt spid="10"/>
+                                        </p:tgtEl>
+                                      </p:cBhvr>
+                                    </p:animEffect>
+                                  </p:childTnLst>
+                                </p:cTn>
+                              </p:par>
+                              <p:par>
+                                <p:cTn id="29" presetID="10" presetClass="entr" presetSubtype="0" fill="hold" nodeType="withEffect">
+                                  <p:stCondLst>
+                                    <p:cond delay="0"/>
+                                  </p:stCondLst>
+                                  <p:childTnLst>
+                                    <p:set>
+                                      <p:cBhvr>
+                                        <p:cTn id="30" dur="1" fill="hold">
+                                          <p:stCondLst>
+                                            <p:cond delay="0"/>
+                                          </p:stCondLst>
+                                        </p:cTn>
+                                        <p:tgtEl>
+                                          <p:spTgt spid="1028"/>
+                                        </p:tgtEl>
+                                        <p:attrNameLst>
+                                          <p:attrName>style.visibility</p:attrName>
+                                        </p:attrNameLst>
+                                      </p:cBhvr>
+                                      <p:to>
+                                        <p:strVal val="visible"/>
+                                      </p:to>
+                                    </p:set>
+                                    <p:animEffect transition="in" filter="fade">
+                                      <p:cBhvr>
+                                        <p:cTn id="31" dur="500"/>
+                                        <p:tgtEl>
+                                          <p:spTgt spid="1028"/>
+                                        </p:tgtEl>
+                                      </p:cBhvr>
+                                    </p:animEffect>
+                                  </p:childTnLst>
+                                </p:cTn>
+                              </p:par>
+                            </p:childTnLst>
+                          </p:cTn>
+                        </p:par>
+                      </p:childTnLst>
+                    </p:cTn>
+                  </p:par>
+                  <p:par>
+                    <p:cTn id="32" fill="hold">
+                      <p:stCondLst>
+                        <p:cond delay="indefinite"/>
+                      </p:stCondLst>
+                      <p:childTnLst>
+                        <p:par>
+                          <p:cTn id="33" fill="hold">
+                            <p:stCondLst>
+                              <p:cond delay="0"/>
+                            </p:stCondLst>
+                            <p:childTnLst>
+                              <p:par>
+                                <p:cTn id="34" presetID="1" presetClass="exit" presetSubtype="0" fill="hold" nodeType="clickEffect">
+                                  <p:stCondLst>
+                                    <p:cond delay="0"/>
+                                  </p:stCondLst>
+                                  <p:childTnLst>
+                                    <p:set>
+                                      <p:cBhvr>
+                                        <p:cTn id="35" dur="1" fill="hold">
+                                          <p:stCondLst>
+                                            <p:cond delay="0"/>
+                                          </p:stCondLst>
+                                        </p:cTn>
+                                        <p:tgtEl>
+                                          <p:spTgt spid="1028"/>
+                                        </p:tgtEl>
+                                        <p:attrNameLst>
+                                          <p:attrName>style.visibility</p:attrName>
+                                        </p:attrNameLst>
+                                      </p:cBhvr>
+                                      <p:to>
+                                        <p:strVal val="hidden"/>
+                                      </p:to>
+                                    </p:set>
+                                  </p:childTnLst>
+                                </p:cTn>
+                              </p:par>
+                              <p:par>
+                                <p:cTn id="36" presetID="10" presetClass="entr" presetSubtype="0" fill="hold" grpId="0" nodeType="withEffect">
+                                  <p:stCondLst>
+                                    <p:cond delay="0"/>
+                                  </p:stCondLst>
+                                  <p:childTnLst>
+                                    <p:set>
+                                      <p:cBhvr>
+                                        <p:cTn id="37" dur="1" fill="hold">
+                                          <p:stCondLst>
+                                            <p:cond delay="0"/>
+                                          </p:stCondLst>
+                                        </p:cTn>
+                                        <p:tgtEl>
+                                          <p:spTgt spid="5"/>
+                                        </p:tgtEl>
+                                        <p:attrNameLst>
+                                          <p:attrName>style.visibility</p:attrName>
+                                        </p:attrNameLst>
+                                      </p:cBhvr>
+                                      <p:to>
+                                        <p:strVal val="visible"/>
+                                      </p:to>
+                                    </p:set>
+                                    <p:animEffect transition="in" filter="fade">
+                                      <p:cBhvr>
+                                        <p:cTn id="38" dur="500"/>
+                                        <p:tgtEl>
+                                          <p:spTgt spid="5"/>
+                                        </p:tgtEl>
+                                      </p:cBhvr>
+                                    </p:animEffect>
+                                  </p:childTnLst>
+                                </p:cTn>
+                              </p:par>
+                              <p:par>
+                                <p:cTn id="39" presetID="1" presetClass="entr" presetSubtype="0" fill="hold" grpId="0" nodeType="withEffect">
+                                  <p:stCondLst>
+                                    <p:cond delay="0"/>
+                                  </p:stCondLst>
+                                  <p:childTnLst>
+                                    <p:set>
+                                      <p:cBhvr>
+                                        <p:cTn id="40" dur="1" fill="hold">
+                                          <p:stCondLst>
+                                            <p:cond delay="0"/>
+                                          </p:stCondLst>
+                                        </p:cTn>
+                                        <p:tgtEl>
+                                          <p:spTgt spid="11"/>
+                                        </p:tgtEl>
+                                        <p:attrNameLst>
+                                          <p:attrName>style.visibility</p:attrName>
+                                        </p:attrNameLst>
+                                      </p:cBhvr>
+                                      <p:to>
+                                        <p:strVal val="visible"/>
+                                      </p:to>
+                                    </p:set>
+                                  </p:childTnLst>
+                                </p:cTn>
+                              </p:par>
+                              <p:par>
+                                <p:cTn id="41" presetID="10" presetClass="entr" presetSubtype="0" fill="hold" nodeType="withEffect">
+                                  <p:stCondLst>
+                                    <p:cond delay="0"/>
+                                  </p:stCondLst>
+                                  <p:childTnLst>
+                                    <p:set>
+                                      <p:cBhvr>
+                                        <p:cTn id="42" dur="1" fill="hold">
+                                          <p:stCondLst>
+                                            <p:cond delay="0"/>
+                                          </p:stCondLst>
+                                        </p:cTn>
+                                        <p:tgtEl>
+                                          <p:spTgt spid="1034"/>
+                                        </p:tgtEl>
+                                        <p:attrNameLst>
+                                          <p:attrName>style.visibility</p:attrName>
+                                        </p:attrNameLst>
+                                      </p:cBhvr>
+                                      <p:to>
+                                        <p:strVal val="visible"/>
+                                      </p:to>
+                                    </p:set>
+                                    <p:animEffect transition="in" filter="fade">
+                                      <p:cBhvr>
+                                        <p:cTn id="43" dur="500"/>
+                                        <p:tgtEl>
+                                          <p:spTgt spid="1034"/>
+                                        </p:tgtEl>
+                                      </p:cBhvr>
+                                    </p:animEffect>
+                                  </p:childTnLst>
+                                </p:cTn>
+                              </p:par>
+                            </p:childTnLst>
+                          </p:cTn>
+                        </p:par>
+                      </p:childTnLst>
+                    </p:cTn>
+                  </p:par>
+                </p:childTnLst>
+              </p:cTn>
+              <p:prevCondLst>
+                <p:cond evt="onPrev" delay="0">
+                  <p:tgtEl>
+                    <p:sldTgt/>
+                  </p:tgtEl>
+                </p:cond>
+              </p:prevCondLst>
+              <p:nextCondLst>
+                <p:cond evt="onNext" delay="0">
+                  <p:tgtEl>
+                    <p:sldTgt/>
+                  </p:tgtEl>
+                </p:cond>
+              </p:nextCondLst>
+            </p:seq>
+          </p:childTnLst>
+        </p:cTn>
+      </p:par>
+    </p:tnLst>
+    <p:bldLst>
+      <p:bldP spid="3" grpId="0" animBg="1"/>
+      <p:bldP spid="4" grpId="0" animBg="1"/>
+      <p:bldP spid="5" grpId="0" animBg="1"/>
+      <p:bldP spid="6" grpId="0"/>
+      <p:bldP spid="11" grpId="0"/>
+      <p:bldP spid="10" grpId="0"/>
+    </p:bldLst>
+  </p:timing>
 </p:sld>
 </file>
 
@@ -8328,966 +8871,6 @@
     <p:extLst>
       <p:ext uri="{BB962C8B-B14F-4D97-AF65-F5344CB8AC3E}">
         <p14:creationId xmlns:p14="http://schemas.microsoft.com/office/powerpoint/2010/main" val="1051360899"/>
-      </p:ext>
-    </p:extLst>
-  </p:cSld>
-  <p:clrMapOvr>
-    <a:masterClrMapping/>
-  </p:clrMapOvr>
-</p:sld>
-</file>
-
-<file path=ppt/slides/slide6.xml><?xml version="1.0" encoding="utf-8"?>
-<p:sld xmlns:a="http://schemas.openxmlformats.org/drawingml/2006/main" xmlns:r="http://schemas.openxmlformats.org/officeDocument/2006/relationships" xmlns:p="http://schemas.openxmlformats.org/presentationml/2006/main" show="0">
-  <p:cSld>
-    <p:spTree>
-      <p:nvGrpSpPr>
-        <p:cNvPr id="1" name=""/>
-        <p:cNvGrpSpPr/>
-        <p:nvPr/>
-      </p:nvGrpSpPr>
-      <p:grpSpPr>
-        <a:xfrm>
-          <a:off x="0" y="0"/>
-          <a:ext cx="0" cy="0"/>
-          <a:chOff x="0" y="0"/>
-          <a:chExt cx="0" cy="0"/>
-        </a:xfrm>
-      </p:grpSpPr>
-      <p:sp>
-        <p:nvSpPr>
-          <p:cNvPr id="2" name="Title 1">
-            <a:extLst>
-              <a:ext uri="{FF2B5EF4-FFF2-40B4-BE49-F238E27FC236}">
-                <a16:creationId xmlns:a16="http://schemas.microsoft.com/office/drawing/2014/main" id="{036463B1-CF90-B0CB-B08D-72D9154EDEC5}"/>
-              </a:ext>
-            </a:extLst>
-          </p:cNvPr>
-          <p:cNvSpPr>
-            <a:spLocks noGrp="1"/>
-          </p:cNvSpPr>
-          <p:nvPr>
-            <p:ph type="title"/>
-          </p:nvPr>
-        </p:nvSpPr>
-        <p:spPr>
-          <a:xfrm>
-            <a:off x="837406" y="355296"/>
-            <a:ext cx="10515600" cy="1325563"/>
-          </a:xfrm>
-        </p:spPr>
-        <p:txBody>
-          <a:bodyPr/>
-          <a:lstStyle/>
-          <a:p>
-            <a:r>
-              <a:rPr lang="en-GB" dirty="0"/>
-              <a:t>Proposed breath rate detection algorithm</a:t>
-            </a:r>
-          </a:p>
-        </p:txBody>
-      </p:sp>
-      <p:sp>
-        <p:nvSpPr>
-          <p:cNvPr id="4" name="Rectangle: Rounded Corners 3">
-            <a:extLst>
-              <a:ext uri="{FF2B5EF4-FFF2-40B4-BE49-F238E27FC236}">
-                <a16:creationId xmlns:a16="http://schemas.microsoft.com/office/drawing/2014/main" id="{A4D0FADC-33A8-E188-4926-3C119E508D44}"/>
-              </a:ext>
-            </a:extLst>
-          </p:cNvPr>
-          <p:cNvSpPr/>
-          <p:nvPr/>
-        </p:nvSpPr>
-        <p:spPr>
-          <a:xfrm>
-            <a:off x="1179786" y="4561366"/>
-            <a:ext cx="1087821" cy="1102792"/>
-          </a:xfrm>
-          <a:prstGeom prst="roundRect">
-            <a:avLst/>
-          </a:prstGeom>
-          <a:solidFill>
-            <a:schemeClr val="accent2"/>
-          </a:solidFill>
-        </p:spPr>
-        <p:style>
-          <a:lnRef idx="2">
-            <a:schemeClr val="accent2">
-              <a:shade val="50000"/>
-            </a:schemeClr>
-          </a:lnRef>
-          <a:fillRef idx="1">
-            <a:schemeClr val="accent2"/>
-          </a:fillRef>
-          <a:effectRef idx="0">
-            <a:schemeClr val="accent2"/>
-          </a:effectRef>
-          <a:fontRef idx="minor">
-            <a:schemeClr val="lt1"/>
-          </a:fontRef>
-        </p:style>
-        <p:txBody>
-          <a:bodyPr rtlCol="0" anchor="ctr"/>
-          <a:lstStyle/>
-          <a:p>
-            <a:pPr algn="ctr"/>
-            <a:r>
-              <a:rPr lang="en-GB" dirty="0"/>
-              <a:t>Original Signals</a:t>
-            </a:r>
-          </a:p>
-        </p:txBody>
-      </p:sp>
-      <p:sp>
-        <p:nvSpPr>
-          <p:cNvPr id="5" name="Rectangle: Rounded Corners 4">
-            <a:extLst>
-              <a:ext uri="{FF2B5EF4-FFF2-40B4-BE49-F238E27FC236}">
-                <a16:creationId xmlns:a16="http://schemas.microsoft.com/office/drawing/2014/main" id="{AFBF9A26-053E-8A23-3C2C-CA06F7594C87}"/>
-              </a:ext>
-            </a:extLst>
-          </p:cNvPr>
-          <p:cNvSpPr/>
-          <p:nvPr/>
-        </p:nvSpPr>
-        <p:spPr>
-          <a:xfrm>
-            <a:off x="2651235" y="3948085"/>
-            <a:ext cx="1321676" cy="2329356"/>
-          </a:xfrm>
-          <a:prstGeom prst="roundRect">
-            <a:avLst/>
-          </a:prstGeom>
-          <a:solidFill>
-            <a:srgbClr val="FFC000"/>
-          </a:solidFill>
-        </p:spPr>
-        <p:style>
-          <a:lnRef idx="2">
-            <a:schemeClr val="accent4">
-              <a:shade val="50000"/>
-            </a:schemeClr>
-          </a:lnRef>
-          <a:fillRef idx="1">
-            <a:schemeClr val="accent4"/>
-          </a:fillRef>
-          <a:effectRef idx="0">
-            <a:schemeClr val="accent4"/>
-          </a:effectRef>
-          <a:fontRef idx="minor">
-            <a:schemeClr val="lt1"/>
-          </a:fontRef>
-        </p:style>
-        <p:txBody>
-          <a:bodyPr rtlCol="0" anchor="ctr"/>
-          <a:lstStyle/>
-          <a:p>
-            <a:pPr algn="ctr"/>
-            <a:r>
-              <a:rPr lang="en-GB" dirty="0"/>
-              <a:t>Moving-average filter </a:t>
-            </a:r>
-          </a:p>
-          <a:p>
-            <a:pPr algn="ctr"/>
-            <a:endParaRPr lang="en-GB" sz="1400" dirty="0"/>
-          </a:p>
-          <a:p>
-            <a:pPr algn="ctr"/>
-            <a:r>
-              <a:rPr lang="en-GB" sz="1400" dirty="0"/>
-              <a:t>(~63 seconds)</a:t>
-            </a:r>
-            <a:endParaRPr lang="en-GB" dirty="0"/>
-          </a:p>
-        </p:txBody>
-      </p:sp>
-      <p:sp>
-        <p:nvSpPr>
-          <p:cNvPr id="6" name="Rectangle: Rounded Corners 5">
-            <a:extLst>
-              <a:ext uri="{FF2B5EF4-FFF2-40B4-BE49-F238E27FC236}">
-                <a16:creationId xmlns:a16="http://schemas.microsoft.com/office/drawing/2014/main" id="{BF4D9D36-E210-E773-26CB-A03DE48EE01E}"/>
-              </a:ext>
-            </a:extLst>
-          </p:cNvPr>
-          <p:cNvSpPr/>
-          <p:nvPr/>
-        </p:nvSpPr>
-        <p:spPr>
-          <a:xfrm>
-            <a:off x="4356539" y="3948084"/>
-            <a:ext cx="1321676" cy="2329356"/>
-          </a:xfrm>
-          <a:prstGeom prst="roundRect">
-            <a:avLst/>
-          </a:prstGeom>
-        </p:spPr>
-        <p:style>
-          <a:lnRef idx="2">
-            <a:schemeClr val="accent3">
-              <a:shade val="50000"/>
-            </a:schemeClr>
-          </a:lnRef>
-          <a:fillRef idx="1">
-            <a:schemeClr val="accent3"/>
-          </a:fillRef>
-          <a:effectRef idx="0">
-            <a:schemeClr val="accent3"/>
-          </a:effectRef>
-          <a:fontRef idx="minor">
-            <a:schemeClr val="lt1"/>
-          </a:fontRef>
-        </p:style>
-        <p:txBody>
-          <a:bodyPr rtlCol="0" anchor="ctr"/>
-          <a:lstStyle/>
-          <a:p>
-            <a:pPr algn="ctr"/>
-            <a:r>
-              <a:rPr lang="en-GB" dirty="0"/>
-              <a:t>Low-pass filter</a:t>
-            </a:r>
-          </a:p>
-        </p:txBody>
-      </p:sp>
-      <p:sp>
-        <p:nvSpPr>
-          <p:cNvPr id="7" name="Rectangle: Rounded Corners 6">
-            <a:extLst>
-              <a:ext uri="{FF2B5EF4-FFF2-40B4-BE49-F238E27FC236}">
-                <a16:creationId xmlns:a16="http://schemas.microsoft.com/office/drawing/2014/main" id="{B0246BCA-FDC5-771B-AFCE-5017843BBBD2}"/>
-              </a:ext>
-            </a:extLst>
-          </p:cNvPr>
-          <p:cNvSpPr/>
-          <p:nvPr/>
-        </p:nvSpPr>
-        <p:spPr>
-          <a:xfrm>
-            <a:off x="6039507" y="3948084"/>
-            <a:ext cx="1321676" cy="2329356"/>
-          </a:xfrm>
-          <a:prstGeom prst="roundRect">
-            <a:avLst/>
-          </a:prstGeom>
-        </p:spPr>
-        <p:style>
-          <a:lnRef idx="2">
-            <a:schemeClr val="accent5">
-              <a:shade val="50000"/>
-            </a:schemeClr>
-          </a:lnRef>
-          <a:fillRef idx="1">
-            <a:schemeClr val="accent5"/>
-          </a:fillRef>
-          <a:effectRef idx="0">
-            <a:schemeClr val="accent5"/>
-          </a:effectRef>
-          <a:fontRef idx="minor">
-            <a:schemeClr val="lt1"/>
-          </a:fontRef>
-        </p:style>
-        <p:txBody>
-          <a:bodyPr rtlCol="0" anchor="ctr"/>
-          <a:lstStyle/>
-          <a:p>
-            <a:pPr algn="ctr"/>
-            <a:r>
-              <a:rPr lang="en-GB" dirty="0"/>
-              <a:t>Breath peaks identified</a:t>
-            </a:r>
-          </a:p>
-          <a:p>
-            <a:pPr algn="ctr"/>
-            <a:endParaRPr lang="en-GB" sz="1000" dirty="0"/>
-          </a:p>
-          <a:p>
-            <a:pPr algn="ctr"/>
-            <a:r>
-              <a:rPr lang="en-GB" sz="1400" dirty="0"/>
-              <a:t>(find_peaks() from scipy package)</a:t>
-            </a:r>
-            <a:endParaRPr lang="en-GB" sz="1000" dirty="0"/>
-          </a:p>
-        </p:txBody>
-      </p:sp>
-      <p:sp>
-        <p:nvSpPr>
-          <p:cNvPr id="8" name="Rectangle: Rounded Corners 7">
-            <a:extLst>
-              <a:ext uri="{FF2B5EF4-FFF2-40B4-BE49-F238E27FC236}">
-                <a16:creationId xmlns:a16="http://schemas.microsoft.com/office/drawing/2014/main" id="{352FAFF4-93DF-FDEA-A87E-864E5B691158}"/>
-              </a:ext>
-            </a:extLst>
-          </p:cNvPr>
-          <p:cNvSpPr/>
-          <p:nvPr/>
-        </p:nvSpPr>
-        <p:spPr>
-          <a:xfrm>
-            <a:off x="7722475" y="3950848"/>
-            <a:ext cx="1321676" cy="2329356"/>
-          </a:xfrm>
-          <a:prstGeom prst="roundRect">
-            <a:avLst/>
-          </a:prstGeom>
-        </p:spPr>
-        <p:style>
-          <a:lnRef idx="2">
-            <a:schemeClr val="accent1">
-              <a:shade val="50000"/>
-            </a:schemeClr>
-          </a:lnRef>
-          <a:fillRef idx="1">
-            <a:schemeClr val="accent1"/>
-          </a:fillRef>
-          <a:effectRef idx="0">
-            <a:schemeClr val="accent1"/>
-          </a:effectRef>
-          <a:fontRef idx="minor">
-            <a:schemeClr val="lt1"/>
-          </a:fontRef>
-        </p:style>
-        <p:txBody>
-          <a:bodyPr rtlCol="0" anchor="ctr"/>
-          <a:lstStyle/>
-          <a:p>
-            <a:pPr algn="ctr"/>
-            <a:r>
-              <a:rPr lang="en-GB" dirty="0"/>
-              <a:t>Breath rate calculation</a:t>
-            </a:r>
-          </a:p>
-        </p:txBody>
-      </p:sp>
-      <p:sp>
-        <p:nvSpPr>
-          <p:cNvPr id="9" name="Rectangle: Rounded Corners 8">
-            <a:extLst>
-              <a:ext uri="{FF2B5EF4-FFF2-40B4-BE49-F238E27FC236}">
-                <a16:creationId xmlns:a16="http://schemas.microsoft.com/office/drawing/2014/main" id="{3FA16F19-E1D3-2318-56F4-9932CE8F8206}"/>
-              </a:ext>
-            </a:extLst>
-          </p:cNvPr>
-          <p:cNvSpPr/>
-          <p:nvPr/>
-        </p:nvSpPr>
-        <p:spPr>
-          <a:xfrm>
-            <a:off x="9427779" y="4561365"/>
-            <a:ext cx="1087821" cy="1102793"/>
-          </a:xfrm>
-          <a:prstGeom prst="roundRect">
-            <a:avLst/>
-          </a:prstGeom>
-        </p:spPr>
-        <p:style>
-          <a:lnRef idx="2">
-            <a:schemeClr val="accent6">
-              <a:shade val="50000"/>
-            </a:schemeClr>
-          </a:lnRef>
-          <a:fillRef idx="1">
-            <a:schemeClr val="accent6"/>
-          </a:fillRef>
-          <a:effectRef idx="0">
-            <a:schemeClr val="accent6"/>
-          </a:effectRef>
-          <a:fontRef idx="minor">
-            <a:schemeClr val="lt1"/>
-          </a:fontRef>
-        </p:style>
-        <p:txBody>
-          <a:bodyPr rtlCol="0" anchor="ctr"/>
-          <a:lstStyle/>
-          <a:p>
-            <a:pPr algn="ctr"/>
-            <a:r>
-              <a:rPr lang="en-GB" dirty="0"/>
-              <a:t>Breath rate (/min)</a:t>
-            </a:r>
-          </a:p>
-        </p:txBody>
-      </p:sp>
-      <p:cxnSp>
-        <p:nvCxnSpPr>
-          <p:cNvPr id="11" name="Straight Arrow Connector 10">
-            <a:extLst>
-              <a:ext uri="{FF2B5EF4-FFF2-40B4-BE49-F238E27FC236}">
-                <a16:creationId xmlns:a16="http://schemas.microsoft.com/office/drawing/2014/main" id="{2DE1903E-C638-D90C-9A2C-0D3EA664DEC9}"/>
-              </a:ext>
-            </a:extLst>
-          </p:cNvPr>
-          <p:cNvCxnSpPr>
-            <a:stCxn id="4" idx="3"/>
-            <a:endCxn id="5" idx="1"/>
-          </p:cNvCxnSpPr>
-          <p:nvPr/>
-        </p:nvCxnSpPr>
-        <p:spPr>
-          <a:xfrm>
-            <a:off x="2267607" y="5112762"/>
-            <a:ext cx="383628" cy="1"/>
-          </a:xfrm>
-          <a:prstGeom prst="straightConnector1">
-            <a:avLst/>
-          </a:prstGeom>
-          <a:ln w="38100">
-            <a:solidFill>
-              <a:srgbClr val="111111"/>
-            </a:solidFill>
-            <a:tailEnd type="triangle"/>
-          </a:ln>
-        </p:spPr>
-        <p:style>
-          <a:lnRef idx="1">
-            <a:schemeClr val="accent1"/>
-          </a:lnRef>
-          <a:fillRef idx="0">
-            <a:schemeClr val="accent1"/>
-          </a:fillRef>
-          <a:effectRef idx="0">
-            <a:schemeClr val="accent1"/>
-          </a:effectRef>
-          <a:fontRef idx="minor">
-            <a:schemeClr val="tx1"/>
-          </a:fontRef>
-        </p:style>
-      </p:cxnSp>
-      <p:cxnSp>
-        <p:nvCxnSpPr>
-          <p:cNvPr id="12" name="Straight Arrow Connector 11">
-            <a:extLst>
-              <a:ext uri="{FF2B5EF4-FFF2-40B4-BE49-F238E27FC236}">
-                <a16:creationId xmlns:a16="http://schemas.microsoft.com/office/drawing/2014/main" id="{A6FCCDA1-1B79-DF4F-86A7-2E4BFA9B474B}"/>
-              </a:ext>
-            </a:extLst>
-          </p:cNvPr>
-          <p:cNvCxnSpPr/>
-          <p:nvPr/>
-        </p:nvCxnSpPr>
-        <p:spPr>
-          <a:xfrm>
-            <a:off x="3995247" y="5112761"/>
-            <a:ext cx="383628" cy="1"/>
-          </a:xfrm>
-          <a:prstGeom prst="straightConnector1">
-            <a:avLst/>
-          </a:prstGeom>
-          <a:ln w="38100">
-            <a:solidFill>
-              <a:srgbClr val="111111"/>
-            </a:solidFill>
-            <a:tailEnd type="triangle"/>
-          </a:ln>
-        </p:spPr>
-        <p:style>
-          <a:lnRef idx="1">
-            <a:schemeClr val="accent1"/>
-          </a:lnRef>
-          <a:fillRef idx="0">
-            <a:schemeClr val="accent1"/>
-          </a:fillRef>
-          <a:effectRef idx="0">
-            <a:schemeClr val="accent1"/>
-          </a:effectRef>
-          <a:fontRef idx="minor">
-            <a:schemeClr val="tx1"/>
-          </a:fontRef>
-        </p:style>
-      </p:cxnSp>
-      <p:cxnSp>
-        <p:nvCxnSpPr>
-          <p:cNvPr id="13" name="Straight Arrow Connector 12">
-            <a:extLst>
-              <a:ext uri="{FF2B5EF4-FFF2-40B4-BE49-F238E27FC236}">
-                <a16:creationId xmlns:a16="http://schemas.microsoft.com/office/drawing/2014/main" id="{EA8D1FE5-E2E9-DA92-6747-0747C30C296B}"/>
-              </a:ext>
-            </a:extLst>
-          </p:cNvPr>
-          <p:cNvCxnSpPr/>
-          <p:nvPr/>
-        </p:nvCxnSpPr>
-        <p:spPr>
-          <a:xfrm>
-            <a:off x="5678215" y="5112760"/>
-            <a:ext cx="383628" cy="1"/>
-          </a:xfrm>
-          <a:prstGeom prst="straightConnector1">
-            <a:avLst/>
-          </a:prstGeom>
-          <a:ln w="38100">
-            <a:solidFill>
-              <a:srgbClr val="111111"/>
-            </a:solidFill>
-            <a:tailEnd type="triangle"/>
-          </a:ln>
-        </p:spPr>
-        <p:style>
-          <a:lnRef idx="1">
-            <a:schemeClr val="accent1"/>
-          </a:lnRef>
-          <a:fillRef idx="0">
-            <a:schemeClr val="accent1"/>
-          </a:fillRef>
-          <a:effectRef idx="0">
-            <a:schemeClr val="accent1"/>
-          </a:effectRef>
-          <a:fontRef idx="minor">
-            <a:schemeClr val="tx1"/>
-          </a:fontRef>
-        </p:style>
-      </p:cxnSp>
-      <p:cxnSp>
-        <p:nvCxnSpPr>
-          <p:cNvPr id="14" name="Straight Arrow Connector 13">
-            <a:extLst>
-              <a:ext uri="{FF2B5EF4-FFF2-40B4-BE49-F238E27FC236}">
-                <a16:creationId xmlns:a16="http://schemas.microsoft.com/office/drawing/2014/main" id="{B0844680-F313-3933-5086-13335D4C08ED}"/>
-              </a:ext>
-            </a:extLst>
-          </p:cNvPr>
-          <p:cNvCxnSpPr/>
-          <p:nvPr/>
-        </p:nvCxnSpPr>
-        <p:spPr>
-          <a:xfrm>
-            <a:off x="7378261" y="5112759"/>
-            <a:ext cx="383628" cy="1"/>
-          </a:xfrm>
-          <a:prstGeom prst="straightConnector1">
-            <a:avLst/>
-          </a:prstGeom>
-          <a:ln w="38100">
-            <a:solidFill>
-              <a:srgbClr val="111111"/>
-            </a:solidFill>
-            <a:tailEnd type="triangle"/>
-          </a:ln>
-        </p:spPr>
-        <p:style>
-          <a:lnRef idx="1">
-            <a:schemeClr val="accent1"/>
-          </a:lnRef>
-          <a:fillRef idx="0">
-            <a:schemeClr val="accent1"/>
-          </a:fillRef>
-          <a:effectRef idx="0">
-            <a:schemeClr val="accent1"/>
-          </a:effectRef>
-          <a:fontRef idx="minor">
-            <a:schemeClr val="tx1"/>
-          </a:fontRef>
-        </p:style>
-      </p:cxnSp>
-      <p:cxnSp>
-        <p:nvCxnSpPr>
-          <p:cNvPr id="15" name="Straight Arrow Connector 14">
-            <a:extLst>
-              <a:ext uri="{FF2B5EF4-FFF2-40B4-BE49-F238E27FC236}">
-                <a16:creationId xmlns:a16="http://schemas.microsoft.com/office/drawing/2014/main" id="{1D2CCBAC-2A5B-3BEB-E330-647B057A567B}"/>
-              </a:ext>
-            </a:extLst>
-          </p:cNvPr>
-          <p:cNvCxnSpPr/>
-          <p:nvPr/>
-        </p:nvCxnSpPr>
-        <p:spPr>
-          <a:xfrm>
-            <a:off x="9061233" y="5112759"/>
-            <a:ext cx="383628" cy="1"/>
-          </a:xfrm>
-          <a:prstGeom prst="straightConnector1">
-            <a:avLst/>
-          </a:prstGeom>
-          <a:ln w="38100">
-            <a:solidFill>
-              <a:srgbClr val="111111"/>
-            </a:solidFill>
-            <a:tailEnd type="triangle"/>
-          </a:ln>
-        </p:spPr>
-        <p:style>
-          <a:lnRef idx="1">
-            <a:schemeClr val="accent1"/>
-          </a:lnRef>
-          <a:fillRef idx="0">
-            <a:schemeClr val="accent1"/>
-          </a:fillRef>
-          <a:effectRef idx="0">
-            <a:schemeClr val="accent1"/>
-          </a:effectRef>
-          <a:fontRef idx="minor">
-            <a:schemeClr val="tx1"/>
-          </a:fontRef>
-        </p:style>
-      </p:cxnSp>
-      <p:pic>
-        <p:nvPicPr>
-          <p:cNvPr id="2050" name="Picture 2">
-            <a:extLst>
-              <a:ext uri="{FF2B5EF4-FFF2-40B4-BE49-F238E27FC236}">
-                <a16:creationId xmlns:a16="http://schemas.microsoft.com/office/drawing/2014/main" id="{F8A2DA04-BA3B-F72F-EA30-0CA130BCA844}"/>
-              </a:ext>
-            </a:extLst>
-          </p:cNvPr>
-          <p:cNvPicPr>
-            <a:picLocks noChangeAspect="1" noChangeArrowheads="1"/>
-          </p:cNvPicPr>
-          <p:nvPr/>
-        </p:nvPicPr>
-        <p:blipFill rotWithShape="1">
-          <a:blip r:embed="rId3">
-            <a:extLst>
-              <a:ext uri="{28A0092B-C50C-407E-A947-70E740481C1C}">
-                <a14:useLocalDpi xmlns:a14="http://schemas.microsoft.com/office/drawing/2010/main" val="0"/>
-              </a:ext>
-            </a:extLst>
-          </a:blip>
-          <a:srcRect t="9310" b="45633"/>
-          <a:stretch/>
-        </p:blipFill>
-        <p:spPr bwMode="auto">
-          <a:xfrm>
-            <a:off x="924985" y="3728010"/>
-            <a:ext cx="1597422" cy="802413"/>
-          </a:xfrm>
-          <a:prstGeom prst="rect">
-            <a:avLst/>
-          </a:prstGeom>
-          <a:noFill/>
-          <a:extLst>
-            <a:ext uri="{909E8E84-426E-40DD-AFC4-6F175D3DCCD1}">
-              <a14:hiddenFill xmlns:a14="http://schemas.microsoft.com/office/drawing/2010/main">
-                <a:solidFill>
-                  <a:srgbClr val="FFFFFF"/>
-                </a:solidFill>
-              </a14:hiddenFill>
-            </a:ext>
-          </a:extLst>
-        </p:spPr>
-      </p:pic>
-      <p:pic>
-        <p:nvPicPr>
-          <p:cNvPr id="2052" name="Picture 4">
-            <a:extLst>
-              <a:ext uri="{FF2B5EF4-FFF2-40B4-BE49-F238E27FC236}">
-                <a16:creationId xmlns:a16="http://schemas.microsoft.com/office/drawing/2014/main" id="{0702FFF5-E1B2-0202-427E-250DA4575BF4}"/>
-              </a:ext>
-            </a:extLst>
-          </p:cNvPr>
-          <p:cNvPicPr>
-            <a:picLocks noChangeAspect="1" noChangeArrowheads="1"/>
-          </p:cNvPicPr>
-          <p:nvPr/>
-        </p:nvPicPr>
-        <p:blipFill rotWithShape="1">
-          <a:blip r:embed="rId4">
-            <a:extLst>
-              <a:ext uri="{28A0092B-C50C-407E-A947-70E740481C1C}">
-                <a14:useLocalDpi xmlns:a14="http://schemas.microsoft.com/office/drawing/2010/main" val="0"/>
-              </a:ext>
-            </a:extLst>
-          </a:blip>
-          <a:srcRect t="5324"/>
-          <a:stretch/>
-        </p:blipFill>
-        <p:spPr bwMode="auto">
-          <a:xfrm>
-            <a:off x="2536331" y="2251756"/>
-            <a:ext cx="1542352" cy="1589773"/>
-          </a:xfrm>
-          <a:prstGeom prst="rect">
-            <a:avLst/>
-          </a:prstGeom>
-          <a:noFill/>
-          <a:extLst>
-            <a:ext uri="{909E8E84-426E-40DD-AFC4-6F175D3DCCD1}">
-              <a14:hiddenFill xmlns:a14="http://schemas.microsoft.com/office/drawing/2010/main">
-                <a:solidFill>
-                  <a:srgbClr val="FFFFFF"/>
-                </a:solidFill>
-              </a14:hiddenFill>
-            </a:ext>
-          </a:extLst>
-        </p:spPr>
-      </p:pic>
-      <p:pic>
-        <p:nvPicPr>
-          <p:cNvPr id="2054" name="Picture 6">
-            <a:extLst>
-              <a:ext uri="{FF2B5EF4-FFF2-40B4-BE49-F238E27FC236}">
-                <a16:creationId xmlns:a16="http://schemas.microsoft.com/office/drawing/2014/main" id="{9559A780-253F-8E7A-C0A6-3E510B2D289B}"/>
-              </a:ext>
-            </a:extLst>
-          </p:cNvPr>
-          <p:cNvPicPr>
-            <a:picLocks noChangeAspect="1" noChangeArrowheads="1"/>
-          </p:cNvPicPr>
-          <p:nvPr/>
-        </p:nvPicPr>
-        <p:blipFill rotWithShape="1">
-          <a:blip r:embed="rId5">
-            <a:extLst>
-              <a:ext uri="{28A0092B-C50C-407E-A947-70E740481C1C}">
-                <a14:useLocalDpi xmlns:a14="http://schemas.microsoft.com/office/drawing/2010/main" val="0"/>
-              </a:ext>
-            </a:extLst>
-          </a:blip>
-          <a:srcRect t="6604"/>
-          <a:stretch/>
-        </p:blipFill>
-        <p:spPr bwMode="auto">
-          <a:xfrm>
-            <a:off x="4280465" y="1415526"/>
-            <a:ext cx="1397750" cy="1040205"/>
-          </a:xfrm>
-          <a:prstGeom prst="rect">
-            <a:avLst/>
-          </a:prstGeom>
-          <a:noFill/>
-          <a:extLst>
-            <a:ext uri="{909E8E84-426E-40DD-AFC4-6F175D3DCCD1}">
-              <a14:hiddenFill xmlns:a14="http://schemas.microsoft.com/office/drawing/2010/main">
-                <a:solidFill>
-                  <a:srgbClr val="FFFFFF"/>
-                </a:solidFill>
-              </a14:hiddenFill>
-            </a:ext>
-          </a:extLst>
-        </p:spPr>
-      </p:pic>
-      <p:pic>
-        <p:nvPicPr>
-          <p:cNvPr id="2056" name="Picture 8">
-            <a:extLst>
-              <a:ext uri="{FF2B5EF4-FFF2-40B4-BE49-F238E27FC236}">
-                <a16:creationId xmlns:a16="http://schemas.microsoft.com/office/drawing/2014/main" id="{4987AA39-0636-01BB-24D7-4E6C457B5EA3}"/>
-              </a:ext>
-            </a:extLst>
-          </p:cNvPr>
-          <p:cNvPicPr>
-            <a:picLocks noChangeAspect="1" noChangeArrowheads="1"/>
-          </p:cNvPicPr>
-          <p:nvPr/>
-        </p:nvPicPr>
-        <p:blipFill rotWithShape="1">
-          <a:blip r:embed="rId6">
-            <a:extLst>
-              <a:ext uri="{28A0092B-C50C-407E-A947-70E740481C1C}">
-                <a14:useLocalDpi xmlns:a14="http://schemas.microsoft.com/office/drawing/2010/main" val="0"/>
-              </a:ext>
-            </a:extLst>
-          </a:blip>
-          <a:srcRect t="5324"/>
-          <a:stretch/>
-        </p:blipFill>
-        <p:spPr bwMode="auto">
-          <a:xfrm>
-            <a:off x="4278040" y="2527042"/>
-            <a:ext cx="1400175" cy="1259449"/>
-          </a:xfrm>
-          <a:prstGeom prst="rect">
-            <a:avLst/>
-          </a:prstGeom>
-          <a:noFill/>
-          <a:extLst>
-            <a:ext uri="{909E8E84-426E-40DD-AFC4-6F175D3DCCD1}">
-              <a14:hiddenFill xmlns:a14="http://schemas.microsoft.com/office/drawing/2010/main">
-                <a:solidFill>
-                  <a:srgbClr val="FFFFFF"/>
-                </a:solidFill>
-              </a14:hiddenFill>
-            </a:ext>
-          </a:extLst>
-        </p:spPr>
-      </p:pic>
-      <p:pic>
-        <p:nvPicPr>
-          <p:cNvPr id="2058" name="Picture 10">
-            <a:extLst>
-              <a:ext uri="{FF2B5EF4-FFF2-40B4-BE49-F238E27FC236}">
-                <a16:creationId xmlns:a16="http://schemas.microsoft.com/office/drawing/2014/main" id="{8D5EC59E-FA00-0580-C00C-105C5ADC8F84}"/>
-              </a:ext>
-            </a:extLst>
-          </p:cNvPr>
-          <p:cNvPicPr>
-            <a:picLocks noChangeAspect="1" noChangeArrowheads="1"/>
-          </p:cNvPicPr>
-          <p:nvPr/>
-        </p:nvPicPr>
-        <p:blipFill rotWithShape="1">
-          <a:blip r:embed="rId7">
-            <a:extLst>
-              <a:ext uri="{28A0092B-C50C-407E-A947-70E740481C1C}">
-                <a14:useLocalDpi xmlns:a14="http://schemas.microsoft.com/office/drawing/2010/main" val="0"/>
-              </a:ext>
-            </a:extLst>
-          </a:blip>
-          <a:srcRect t="3846"/>
-          <a:stretch/>
-        </p:blipFill>
-        <p:spPr bwMode="auto">
-          <a:xfrm>
-            <a:off x="4389303" y="3857802"/>
-            <a:ext cx="1233812" cy="861645"/>
-          </a:xfrm>
-          <a:prstGeom prst="rect">
-            <a:avLst/>
-          </a:prstGeom>
-          <a:noFill/>
-          <a:extLst>
-            <a:ext uri="{909E8E84-426E-40DD-AFC4-6F175D3DCCD1}">
-              <a14:hiddenFill xmlns:a14="http://schemas.microsoft.com/office/drawing/2010/main">
-                <a:solidFill>
-                  <a:srgbClr val="FFFFFF"/>
-                </a:solidFill>
-              </a14:hiddenFill>
-            </a:ext>
-          </a:extLst>
-        </p:spPr>
-      </p:pic>
-      <p:pic>
-        <p:nvPicPr>
-          <p:cNvPr id="2060" name="Picture 12">
-            <a:extLst>
-              <a:ext uri="{FF2B5EF4-FFF2-40B4-BE49-F238E27FC236}">
-                <a16:creationId xmlns:a16="http://schemas.microsoft.com/office/drawing/2014/main" id="{B12976D7-D17F-27FB-CDCF-190CC7608C6A}"/>
-              </a:ext>
-            </a:extLst>
-          </p:cNvPr>
-          <p:cNvPicPr>
-            <a:picLocks noChangeAspect="1" noChangeArrowheads="1"/>
-          </p:cNvPicPr>
-          <p:nvPr/>
-        </p:nvPicPr>
-        <p:blipFill rotWithShape="1">
-          <a:blip r:embed="rId8">
-            <a:extLst>
-              <a:ext uri="{28A0092B-C50C-407E-A947-70E740481C1C}">
-                <a14:useLocalDpi xmlns:a14="http://schemas.microsoft.com/office/drawing/2010/main" val="0"/>
-              </a:ext>
-            </a:extLst>
-          </a:blip>
-          <a:srcRect t="2948"/>
-          <a:stretch/>
-        </p:blipFill>
-        <p:spPr bwMode="auto">
-          <a:xfrm>
-            <a:off x="5931366" y="1745240"/>
-            <a:ext cx="1346580" cy="2064239"/>
-          </a:xfrm>
-          <a:prstGeom prst="rect">
-            <a:avLst/>
-          </a:prstGeom>
-          <a:noFill/>
-          <a:extLst>
-            <a:ext uri="{909E8E84-426E-40DD-AFC4-6F175D3DCCD1}">
-              <a14:hiddenFill xmlns:a14="http://schemas.microsoft.com/office/drawing/2010/main">
-                <a:solidFill>
-                  <a:srgbClr val="FFFFFF"/>
-                </a:solidFill>
-              </a14:hiddenFill>
-            </a:ext>
-          </a:extLst>
-        </p:spPr>
-      </p:pic>
-      <p:pic>
-        <p:nvPicPr>
-          <p:cNvPr id="2070" name="Picture 22">
-            <a:extLst>
-              <a:ext uri="{FF2B5EF4-FFF2-40B4-BE49-F238E27FC236}">
-                <a16:creationId xmlns:a16="http://schemas.microsoft.com/office/drawing/2014/main" id="{2F0A1E6F-5313-8706-9CE7-D21C7FFFD258}"/>
-              </a:ext>
-            </a:extLst>
-          </p:cNvPr>
-          <p:cNvPicPr>
-            <a:picLocks noChangeAspect="1" noChangeArrowheads="1"/>
-          </p:cNvPicPr>
-          <p:nvPr/>
-        </p:nvPicPr>
-        <p:blipFill rotWithShape="1">
-          <a:blip r:embed="rId9">
-            <a:extLst>
-              <a:ext uri="{28A0092B-C50C-407E-A947-70E740481C1C}">
-                <a14:useLocalDpi xmlns:a14="http://schemas.microsoft.com/office/drawing/2010/main" val="0"/>
-              </a:ext>
-            </a:extLst>
-          </a:blip>
-          <a:srcRect t="3408"/>
-          <a:stretch/>
-        </p:blipFill>
-        <p:spPr bwMode="auto">
-          <a:xfrm>
-            <a:off x="7586196" y="3615983"/>
-            <a:ext cx="1457955" cy="1017180"/>
-          </a:xfrm>
-          <a:prstGeom prst="rect">
-            <a:avLst/>
-          </a:prstGeom>
-          <a:noFill/>
-          <a:extLst>
-            <a:ext uri="{909E8E84-426E-40DD-AFC4-6F175D3DCCD1}">
-              <a14:hiddenFill xmlns:a14="http://schemas.microsoft.com/office/drawing/2010/main">
-                <a:solidFill>
-                  <a:srgbClr val="FFFFFF"/>
-                </a:solidFill>
-              </a14:hiddenFill>
-            </a:ext>
-          </a:extLst>
-        </p:spPr>
-      </p:pic>
-      <p:pic>
-        <p:nvPicPr>
-          <p:cNvPr id="2072" name="Picture 24">
-            <a:extLst>
-              <a:ext uri="{FF2B5EF4-FFF2-40B4-BE49-F238E27FC236}">
-                <a16:creationId xmlns:a16="http://schemas.microsoft.com/office/drawing/2014/main" id="{A7EB277B-363F-C5E7-672D-4C5BED8A89CB}"/>
-              </a:ext>
-            </a:extLst>
-          </p:cNvPr>
-          <p:cNvPicPr>
-            <a:picLocks noChangeAspect="1" noChangeArrowheads="1"/>
-          </p:cNvPicPr>
-          <p:nvPr/>
-        </p:nvPicPr>
-        <p:blipFill rotWithShape="1">
-          <a:blip r:embed="rId10">
-            <a:extLst>
-              <a:ext uri="{28A0092B-C50C-407E-A947-70E740481C1C}">
-                <a14:useLocalDpi xmlns:a14="http://schemas.microsoft.com/office/drawing/2010/main" val="0"/>
-              </a:ext>
-            </a:extLst>
-          </a:blip>
-          <a:srcRect t="3555"/>
-          <a:stretch/>
-        </p:blipFill>
-        <p:spPr bwMode="auto">
-          <a:xfrm>
-            <a:off x="9263631" y="1957653"/>
-            <a:ext cx="1416115" cy="1471347"/>
-          </a:xfrm>
-          <a:prstGeom prst="rect">
-            <a:avLst/>
-          </a:prstGeom>
-          <a:noFill/>
-          <a:extLst>
-            <a:ext uri="{909E8E84-426E-40DD-AFC4-6F175D3DCCD1}">
-              <a14:hiddenFill xmlns:a14="http://schemas.microsoft.com/office/drawing/2010/main">
-                <a:solidFill>
-                  <a:srgbClr val="FFFFFF"/>
-                </a:solidFill>
-              </a14:hiddenFill>
-            </a:ext>
-          </a:extLst>
-        </p:spPr>
-      </p:pic>
-    </p:spTree>
-    <p:extLst>
-      <p:ext uri="{BB962C8B-B14F-4D97-AF65-F5344CB8AC3E}">
-        <p14:creationId xmlns:p14="http://schemas.microsoft.com/office/powerpoint/2010/main" val="458083905"/>
       </p:ext>
     </p:extLst>
   </p:cSld>

--- a/Aoibhe_Turner_Heaney_Algorithm_Challenge_Presentation.pptx
+++ b/Aoibhe_Turner_Heaney_Algorithm_Challenge_Presentation.pptx
@@ -4004,7 +4004,12 @@
             <p:ph type="ctrTitle"/>
           </p:nvPr>
         </p:nvSpPr>
-        <p:spPr/>
+        <p:spPr>
+          <a:xfrm>
+            <a:off x="1524000" y="731838"/>
+            <a:ext cx="9144000" cy="2387600"/>
+          </a:xfrm>
+        </p:spPr>
         <p:txBody>
           <a:bodyPr>
             <a:normAutofit/>
@@ -4044,7 +4049,7 @@
         </p:nvSpPr>
         <p:spPr>
           <a:xfrm>
-            <a:off x="1524000" y="4369776"/>
+            <a:off x="1524000" y="3579202"/>
             <a:ext cx="9144000" cy="888023"/>
           </a:xfrm>
         </p:spPr>
@@ -4080,6 +4085,42 @@
           </a:p>
         </p:txBody>
       </p:sp>
+      <p:pic>
+        <p:nvPicPr>
+          <p:cNvPr id="5" name="Picture 4" descr="Qr code&#10;&#10;Description automatically generated">
+            <a:extLst>
+              <a:ext uri="{FF2B5EF4-FFF2-40B4-BE49-F238E27FC236}">
+                <a16:creationId xmlns:a16="http://schemas.microsoft.com/office/drawing/2014/main" id="{D426ACA8-8D01-552F-99E1-342897CBBAC6}"/>
+              </a:ext>
+            </a:extLst>
+          </p:cNvPr>
+          <p:cNvPicPr>
+            <a:picLocks noChangeAspect="1"/>
+          </p:cNvPicPr>
+          <p:nvPr/>
+        </p:nvPicPr>
+        <p:blipFill>
+          <a:blip r:embed="rId3">
+            <a:extLst>
+              <a:ext uri="{28A0092B-C50C-407E-A947-70E740481C1C}">
+                <a14:useLocalDpi xmlns:a14="http://schemas.microsoft.com/office/drawing/2010/main" val="0"/>
+              </a:ext>
+            </a:extLst>
+          </a:blip>
+          <a:stretch>
+            <a:fillRect/>
+          </a:stretch>
+        </p:blipFill>
+        <p:spPr>
+          <a:xfrm>
+            <a:off x="5095875" y="4686300"/>
+            <a:ext cx="2000250" cy="2000250"/>
+          </a:xfrm>
+          <a:prstGeom prst="rect">
+            <a:avLst/>
+          </a:prstGeom>
+        </p:spPr>
+      </p:pic>
     </p:spTree>
     <p:extLst>
       <p:ext uri="{BB962C8B-B14F-4D97-AF65-F5344CB8AC3E}">
